--- a/ppt/20221208.pptx
+++ b/ppt/20221208.pptx
@@ -5,18 +5,17 @@
     <p:sldMasterId id="2147483648" r:id="rId1"/>
   </p:sldMasterIdLst>
   <p:notesMasterIdLst>
-    <p:notesMasterId r:id="rId11"/>
+    <p:notesMasterId r:id="rId10"/>
   </p:notesMasterIdLst>
   <p:sldIdLst>
     <p:sldId id="295" r:id="rId2"/>
-    <p:sldId id="309" r:id="rId3"/>
-    <p:sldId id="316" r:id="rId4"/>
-    <p:sldId id="321" r:id="rId5"/>
-    <p:sldId id="322" r:id="rId6"/>
-    <p:sldId id="324" r:id="rId7"/>
-    <p:sldId id="325" r:id="rId8"/>
-    <p:sldId id="326" r:id="rId9"/>
-    <p:sldId id="313" r:id="rId10"/>
+    <p:sldId id="313" r:id="rId3"/>
+    <p:sldId id="315" r:id="rId4"/>
+    <p:sldId id="316" r:id="rId5"/>
+    <p:sldId id="317" r:id="rId6"/>
+    <p:sldId id="318" r:id="rId7"/>
+    <p:sldId id="319" r:id="rId8"/>
+    <p:sldId id="320" r:id="rId9"/>
   </p:sldIdLst>
   <p:sldSz cx="12192000" cy="6858000"/>
   <p:notesSz cx="6858000" cy="9144000"/>
@@ -528,6 +527,22 @@
           <a:bodyPr/>
           <a:lstStyle/>
           <a:p>
+            <a:r>
+              <a:rPr lang="en-US" altLang="zh-TW" dirty="0"/>
+              <a:t>Recall</a:t>
+            </a:r>
+            <a:r>
+              <a:rPr lang="zh-TW" altLang="en-US" dirty="0"/>
+              <a:t>是</a:t>
+            </a:r>
+            <a:r>
+              <a:rPr lang="en-US" altLang="zh-TW" dirty="0"/>
+              <a:t> </a:t>
+            </a:r>
+            <a:r>
+              <a:rPr lang="zh-TW" altLang="en-US" dirty="0"/>
+              <a:t>實際為真和預測為真的比率</a:t>
+            </a:r>
             <a:endParaRPr lang="en-US" altLang="zh-TW" dirty="0"/>
           </a:p>
         </p:txBody>
@@ -558,7 +573,7 @@
     </p:spTree>
     <p:extLst>
       <p:ext uri="{BB962C8B-B14F-4D97-AF65-F5344CB8AC3E}">
-        <p14:creationId xmlns:p14="http://schemas.microsoft.com/office/powerpoint/2010/main" val="232721366"/>
+        <p14:creationId xmlns:p14="http://schemas.microsoft.com/office/powerpoint/2010/main" val="1252088746"/>
       </p:ext>
     </p:extLst>
   </p:cSld>
@@ -633,7 +648,7 @@
           <a:p>
             <a:fld id="{E4D2A8AB-168D-4B8D-9073-537FA9D0A0F3}" type="slidenum">
               <a:rPr lang="zh-TW" altLang="en-US" smtClean="0"/>
-              <a:t>9</a:t>
+              <a:t>3</a:t>
             </a:fld>
             <a:endParaRPr lang="zh-TW" altLang="en-US"/>
           </a:p>
@@ -642,7 +657,272 @@
     </p:spTree>
     <p:extLst>
       <p:ext uri="{BB962C8B-B14F-4D97-AF65-F5344CB8AC3E}">
-        <p14:creationId xmlns:p14="http://schemas.microsoft.com/office/powerpoint/2010/main" val="1252088746"/>
+        <p14:creationId xmlns:p14="http://schemas.microsoft.com/office/powerpoint/2010/main" val="1751350016"/>
+      </p:ext>
+    </p:extLst>
+  </p:cSld>
+  <p:clrMapOvr>
+    <a:masterClrMapping/>
+  </p:clrMapOvr>
+</p:notes>
+</file>
+
+<file path=ppt/notesSlides/notesSlide3.xml><?xml version="1.0" encoding="utf-8"?>
+<p:notes xmlns:a="http://schemas.openxmlformats.org/drawingml/2006/main" xmlns:r="http://schemas.openxmlformats.org/officeDocument/2006/relationships" xmlns:p="http://schemas.openxmlformats.org/presentationml/2006/main">
+  <p:cSld>
+    <p:spTree>
+      <p:nvGrpSpPr>
+        <p:cNvPr id="1" name=""/>
+        <p:cNvGrpSpPr/>
+        <p:nvPr/>
+      </p:nvGrpSpPr>
+      <p:grpSpPr>
+        <a:xfrm>
+          <a:off x="0" y="0"/>
+          <a:ext cx="0" cy="0"/>
+          <a:chOff x="0" y="0"/>
+          <a:chExt cx="0" cy="0"/>
+        </a:xfrm>
+      </p:grpSpPr>
+      <p:sp>
+        <p:nvSpPr>
+          <p:cNvPr id="2" name="投影片影像版面配置區 1"/>
+          <p:cNvSpPr>
+            <a:spLocks noGrp="1" noRot="1" noChangeAspect="1"/>
+          </p:cNvSpPr>
+          <p:nvPr>
+            <p:ph type="sldImg"/>
+          </p:nvPr>
+        </p:nvSpPr>
+        <p:spPr/>
+      </p:sp>
+      <p:sp>
+        <p:nvSpPr>
+          <p:cNvPr id="3" name="備忘稿版面配置區 2"/>
+          <p:cNvSpPr>
+            <a:spLocks noGrp="1"/>
+          </p:cNvSpPr>
+          <p:nvPr>
+            <p:ph type="body" idx="1"/>
+          </p:nvPr>
+        </p:nvSpPr>
+        <p:spPr/>
+        <p:txBody>
+          <a:bodyPr/>
+          <a:lstStyle/>
+          <a:p>
+            <a:r>
+              <a:rPr lang="en-US" dirty="0"/>
+              <a:t>KD tree</a:t>
+            </a:r>
+          </a:p>
+        </p:txBody>
+      </p:sp>
+      <p:sp>
+        <p:nvSpPr>
+          <p:cNvPr id="4" name="投影片編號版面配置區 3"/>
+          <p:cNvSpPr>
+            <a:spLocks noGrp="1"/>
+          </p:cNvSpPr>
+          <p:nvPr>
+            <p:ph type="sldNum" sz="quarter" idx="5"/>
+          </p:nvPr>
+        </p:nvSpPr>
+        <p:spPr/>
+        <p:txBody>
+          <a:bodyPr/>
+          <a:lstStyle/>
+          <a:p>
+            <a:fld id="{584B4530-7BEB-4AFA-AA01-3443AE7C94D3}" type="slidenum">
+              <a:rPr lang="en-US" smtClean="0"/>
+              <a:t>6</a:t>
+            </a:fld>
+            <a:endParaRPr lang="en-US"/>
+          </a:p>
+        </p:txBody>
+      </p:sp>
+    </p:spTree>
+    <p:extLst>
+      <p:ext uri="{BB962C8B-B14F-4D97-AF65-F5344CB8AC3E}">
+        <p14:creationId xmlns:p14="http://schemas.microsoft.com/office/powerpoint/2010/main" val="3212845684"/>
+      </p:ext>
+    </p:extLst>
+  </p:cSld>
+  <p:clrMapOvr>
+    <a:masterClrMapping/>
+  </p:clrMapOvr>
+</p:notes>
+</file>
+
+<file path=ppt/notesSlides/notesSlide4.xml><?xml version="1.0" encoding="utf-8"?>
+<p:notes xmlns:a="http://schemas.openxmlformats.org/drawingml/2006/main" xmlns:r="http://schemas.openxmlformats.org/officeDocument/2006/relationships" xmlns:p="http://schemas.openxmlformats.org/presentationml/2006/main">
+  <p:cSld>
+    <p:spTree>
+      <p:nvGrpSpPr>
+        <p:cNvPr id="1" name=""/>
+        <p:cNvGrpSpPr/>
+        <p:nvPr/>
+      </p:nvGrpSpPr>
+      <p:grpSpPr>
+        <a:xfrm>
+          <a:off x="0" y="0"/>
+          <a:ext cx="0" cy="0"/>
+          <a:chOff x="0" y="0"/>
+          <a:chExt cx="0" cy="0"/>
+        </a:xfrm>
+      </p:grpSpPr>
+      <p:sp>
+        <p:nvSpPr>
+          <p:cNvPr id="2" name="投影片影像版面配置區 1"/>
+          <p:cNvSpPr>
+            <a:spLocks noGrp="1" noRot="1" noChangeAspect="1"/>
+          </p:cNvSpPr>
+          <p:nvPr>
+            <p:ph type="sldImg"/>
+          </p:nvPr>
+        </p:nvSpPr>
+        <p:spPr/>
+      </p:sp>
+      <p:sp>
+        <p:nvSpPr>
+          <p:cNvPr id="3" name="備忘稿版面配置區 2"/>
+          <p:cNvSpPr>
+            <a:spLocks noGrp="1"/>
+          </p:cNvSpPr>
+          <p:nvPr>
+            <p:ph type="body" idx="1"/>
+          </p:nvPr>
+        </p:nvSpPr>
+        <p:spPr/>
+        <p:txBody>
+          <a:bodyPr/>
+          <a:lstStyle/>
+          <a:p>
+            <a:r>
+              <a:rPr lang="en-US" dirty="0"/>
+              <a:t>Loss function only –IG learning rate</a:t>
+            </a:r>
+          </a:p>
+        </p:txBody>
+      </p:sp>
+      <p:sp>
+        <p:nvSpPr>
+          <p:cNvPr id="4" name="投影片編號版面配置區 3"/>
+          <p:cNvSpPr>
+            <a:spLocks noGrp="1"/>
+          </p:cNvSpPr>
+          <p:nvPr>
+            <p:ph type="sldNum" sz="quarter" idx="5"/>
+          </p:nvPr>
+        </p:nvSpPr>
+        <p:spPr/>
+        <p:txBody>
+          <a:bodyPr/>
+          <a:lstStyle/>
+          <a:p>
+            <a:fld id="{584B4530-7BEB-4AFA-AA01-3443AE7C94D3}" type="slidenum">
+              <a:rPr lang="en-US" smtClean="0"/>
+              <a:t>7</a:t>
+            </a:fld>
+            <a:endParaRPr lang="en-US"/>
+          </a:p>
+        </p:txBody>
+      </p:sp>
+    </p:spTree>
+    <p:extLst>
+      <p:ext uri="{BB962C8B-B14F-4D97-AF65-F5344CB8AC3E}">
+        <p14:creationId xmlns:p14="http://schemas.microsoft.com/office/powerpoint/2010/main" val="19518977"/>
+      </p:ext>
+    </p:extLst>
+  </p:cSld>
+  <p:clrMapOvr>
+    <a:masterClrMapping/>
+  </p:clrMapOvr>
+</p:notes>
+</file>
+
+<file path=ppt/notesSlides/notesSlide5.xml><?xml version="1.0" encoding="utf-8"?>
+<p:notes xmlns:a="http://schemas.openxmlformats.org/drawingml/2006/main" xmlns:r="http://schemas.openxmlformats.org/officeDocument/2006/relationships" xmlns:p="http://schemas.openxmlformats.org/presentationml/2006/main">
+  <p:cSld>
+    <p:spTree>
+      <p:nvGrpSpPr>
+        <p:cNvPr id="1" name=""/>
+        <p:cNvGrpSpPr/>
+        <p:nvPr/>
+      </p:nvGrpSpPr>
+      <p:grpSpPr>
+        <a:xfrm>
+          <a:off x="0" y="0"/>
+          <a:ext cx="0" cy="0"/>
+          <a:chOff x="0" y="0"/>
+          <a:chExt cx="0" cy="0"/>
+        </a:xfrm>
+      </p:grpSpPr>
+      <p:sp>
+        <p:nvSpPr>
+          <p:cNvPr id="2" name="投影片影像版面配置區 1"/>
+          <p:cNvSpPr>
+            <a:spLocks noGrp="1" noRot="1" noChangeAspect="1"/>
+          </p:cNvSpPr>
+          <p:nvPr>
+            <p:ph type="sldImg"/>
+          </p:nvPr>
+        </p:nvSpPr>
+        <p:spPr/>
+      </p:sp>
+      <p:sp>
+        <p:nvSpPr>
+          <p:cNvPr id="3" name="備忘稿版面配置區 2"/>
+          <p:cNvSpPr>
+            <a:spLocks noGrp="1"/>
+          </p:cNvSpPr>
+          <p:nvPr>
+            <p:ph type="body" idx="1"/>
+          </p:nvPr>
+        </p:nvSpPr>
+        <p:spPr/>
+        <p:txBody>
+          <a:bodyPr/>
+          <a:lstStyle/>
+          <a:p>
+            <a:r>
+              <a:rPr lang="zh-TW" altLang="en-US" dirty="0"/>
+              <a:t>最近的方向和附近最大的</a:t>
+            </a:r>
+            <a:r>
+              <a:rPr lang="en-US" altLang="zh-TW"/>
+              <a:t>gradient</a:t>
+            </a:r>
+          </a:p>
+        </p:txBody>
+      </p:sp>
+      <p:sp>
+        <p:nvSpPr>
+          <p:cNvPr id="4" name="投影片編號版面配置區 3"/>
+          <p:cNvSpPr>
+            <a:spLocks noGrp="1"/>
+          </p:cNvSpPr>
+          <p:nvPr>
+            <p:ph type="sldNum" sz="quarter" idx="5"/>
+          </p:nvPr>
+        </p:nvSpPr>
+        <p:spPr/>
+        <p:txBody>
+          <a:bodyPr/>
+          <a:lstStyle/>
+          <a:p>
+            <a:fld id="{584B4530-7BEB-4AFA-AA01-3443AE7C94D3}" type="slidenum">
+              <a:rPr lang="en-US" smtClean="0"/>
+              <a:t>8</a:t>
+            </a:fld>
+            <a:endParaRPr lang="en-US"/>
+          </a:p>
+        </p:txBody>
+      </p:sp>
+    </p:spTree>
+    <p:extLst>
+      <p:ext uri="{BB962C8B-B14F-4D97-AF65-F5344CB8AC3E}">
+        <p14:creationId xmlns:p14="http://schemas.microsoft.com/office/powerpoint/2010/main" val="3526880829"/>
       </p:ext>
     </p:extLst>
   </p:cSld>
@@ -3960,7 +4240,7 @@
           <a:p>
             <a:r>
               <a:rPr lang="en-US" altLang="zh-TW" dirty="0"/>
-              <a:t>2022/12/01</a:t>
+              <a:t>2022/12/08</a:t>
             </a:r>
             <a:endParaRPr lang="zh-TW" altLang="en-US" dirty="0"/>
           </a:p>
@@ -3996,25 +4276,255 @@
           <a:chExt cx="0" cy="0"/>
         </a:xfrm>
       </p:grpSpPr>
-      <p:sp>
-        <p:nvSpPr>
-          <p:cNvPr id="2" name="標題 1">
-            <a:extLst>
-              <a:ext uri="{FF2B5EF4-FFF2-40B4-BE49-F238E27FC236}">
-                <a16:creationId xmlns:a16="http://schemas.microsoft.com/office/drawing/2014/main" id="{1ABEF3F8-54A4-4A41-9A76-71B4CDF183AA}"/>
-              </a:ext>
-            </a:extLst>
-          </p:cNvPr>
-          <p:cNvSpPr>
-            <a:spLocks noGrp="1"/>
-          </p:cNvSpPr>
-          <p:nvPr>
-            <p:ph type="title"/>
-          </p:nvPr>
-        </p:nvSpPr>
+      <p:pic>
+        <p:nvPicPr>
+          <p:cNvPr id="6" name="圖片 5">
+            <a:extLst>
+              <a:ext uri="{FF2B5EF4-FFF2-40B4-BE49-F238E27FC236}">
+                <a16:creationId xmlns:a16="http://schemas.microsoft.com/office/drawing/2014/main" id="{09B14DEB-A004-6607-824A-4241D1F7E0A2}"/>
+              </a:ext>
+            </a:extLst>
+          </p:cNvPr>
+          <p:cNvPicPr>
+            <a:picLocks noChangeAspect="1"/>
+          </p:cNvPicPr>
+          <p:nvPr/>
+        </p:nvPicPr>
+        <p:blipFill>
+          <a:blip r:embed="rId3">
+            <a:extLst>
+              <a:ext uri="{28A0092B-C50C-407E-A947-70E740481C1C}">
+                <a14:useLocalDpi xmlns:a14="http://schemas.microsoft.com/office/drawing/2010/main" val="0"/>
+              </a:ext>
+            </a:extLst>
+          </a:blip>
+          <a:stretch>
+            <a:fillRect/>
+          </a:stretch>
+        </p:blipFill>
         <p:spPr>
           <a:xfrm>
-            <a:off x="384974" y="153432"/>
+            <a:off x="242734" y="3056133"/>
+            <a:ext cx="5661660" cy="3703320"/>
+          </a:xfrm>
+          <a:prstGeom prst="rect">
+            <a:avLst/>
+          </a:prstGeom>
+        </p:spPr>
+      </p:pic>
+      <mc:AlternateContent xmlns:mc="http://schemas.openxmlformats.org/markup-compatibility/2006" xmlns:a14="http://schemas.microsoft.com/office/drawing/2010/main">
+        <mc:Choice Requires="a14">
+          <p:sp>
+            <p:nvSpPr>
+              <p:cNvPr id="4" name="內容版面配置區 3">
+                <a:extLst>
+                  <a:ext uri="{FF2B5EF4-FFF2-40B4-BE49-F238E27FC236}">
+                    <a16:creationId xmlns:a16="http://schemas.microsoft.com/office/drawing/2014/main" id="{1A7C13E0-E96A-B3DA-D40F-BD6A3D167F90}"/>
+                  </a:ext>
+                </a:extLst>
+              </p:cNvPr>
+              <p:cNvSpPr>
+                <a:spLocks noGrp="1"/>
+              </p:cNvSpPr>
+              <p:nvPr>
+                <p:ph idx="1"/>
+              </p:nvPr>
+            </p:nvSpPr>
+            <p:spPr>
+              <a:xfrm>
+                <a:off x="313854" y="1003300"/>
+                <a:ext cx="10968826" cy="4851400"/>
+              </a:xfrm>
+            </p:spPr>
+            <p:txBody>
+              <a:bodyPr>
+                <a:normAutofit/>
+              </a:bodyPr>
+              <a:lstStyle/>
+              <a:p>
+                <a:pPr marL="0" indent="0">
+                  <a:buNone/>
+                </a:pPr>
+                <a14:m>
+                  <m:oMathPara xmlns:m="http://schemas.openxmlformats.org/officeDocument/2006/math">
+                    <m:oMathParaPr>
+                      <m:jc m:val="centerGroup"/>
+                    </m:oMathParaPr>
+                    <m:oMath xmlns:m="http://schemas.openxmlformats.org/officeDocument/2006/math">
+                      <m:r>
+                        <a:rPr lang="en-US" b="0" i="1" smtClean="0">
+                          <a:latin typeface="Cambria Math" panose="02040503050406030204" pitchFamily="18" charset="0"/>
+                        </a:rPr>
+                        <m:t>𝑅𝑒𝑐𝑎𝑙𝑙</m:t>
+                      </m:r>
+                      <m:r>
+                        <a:rPr lang="en-US" b="0" i="1" smtClean="0">
+                          <a:latin typeface="Cambria Math" panose="02040503050406030204" pitchFamily="18" charset="0"/>
+                        </a:rPr>
+                        <m:t>=</m:t>
+                      </m:r>
+                      <m:f>
+                        <m:fPr>
+                          <m:ctrlPr>
+                            <a:rPr lang="en-US" b="0" i="1" smtClean="0">
+                              <a:latin typeface="Cambria Math" panose="02040503050406030204" pitchFamily="18" charset="0"/>
+                            </a:rPr>
+                          </m:ctrlPr>
+                        </m:fPr>
+                        <m:num>
+                          <m:r>
+                            <a:rPr lang="en-US" b="0" i="1" smtClean="0">
+                              <a:latin typeface="Cambria Math" panose="02040503050406030204" pitchFamily="18" charset="0"/>
+                            </a:rPr>
+                            <m:t>𝑇𝑃</m:t>
+                          </m:r>
+                        </m:num>
+                        <m:den>
+                          <m:r>
+                            <a:rPr lang="en-US" b="0" i="1" smtClean="0">
+                              <a:latin typeface="Cambria Math" panose="02040503050406030204" pitchFamily="18" charset="0"/>
+                            </a:rPr>
+                            <m:t>𝑇𝑃</m:t>
+                          </m:r>
+                          <m:r>
+                            <a:rPr lang="en-US" b="0" i="1" smtClean="0">
+                              <a:latin typeface="Cambria Math" panose="02040503050406030204" pitchFamily="18" charset="0"/>
+                            </a:rPr>
+                            <m:t>+</m:t>
+                          </m:r>
+                          <m:r>
+                            <a:rPr lang="en-US" b="0" i="1" smtClean="0">
+                              <a:latin typeface="Cambria Math" panose="02040503050406030204" pitchFamily="18" charset="0"/>
+                            </a:rPr>
+                            <m:t>𝐹𝑁</m:t>
+                          </m:r>
+                        </m:den>
+                      </m:f>
+                    </m:oMath>
+                  </m:oMathPara>
+                </a14:m>
+                <a:endParaRPr lang="en-US" b="0" dirty="0"/>
+              </a:p>
+              <a:p>
+                <a:pPr marL="0" indent="0">
+                  <a:buNone/>
+                </a:pPr>
+                <a:r>
+                  <a:rPr lang="zh-TW" altLang="en-US" dirty="0"/>
+                  <a:t>如果閥值設為</a:t>
+                </a:r>
+                <a:r>
+                  <a:rPr lang="en-US" altLang="zh-TW" dirty="0"/>
+                  <a:t>(0,0)</a:t>
+                </a:r>
+                <a:r>
+                  <a:rPr lang="zh-TW" altLang="en-US" dirty="0"/>
+                  <a:t>，則所有交易都在閥值右上角，我們預測所有交易都應該要報</a:t>
+                </a:r>
+                <a:r>
+                  <a:rPr lang="en-US" altLang="zh-TW" dirty="0"/>
+                  <a:t>SAM</a:t>
+                </a:r>
+                <a:r>
+                  <a:rPr lang="zh-TW" altLang="en-US" dirty="0"/>
+                  <a:t>，此時的 </a:t>
+                </a:r>
+                <a:r>
+                  <a:rPr lang="en-US" altLang="zh-TW" dirty="0"/>
+                  <a:t>FN=0</a:t>
+                </a:r>
+                <a:r>
+                  <a:rPr lang="zh-TW" altLang="en-US" dirty="0"/>
+                  <a:t>、</a:t>
+                </a:r>
+                <a:r>
+                  <a:rPr lang="en-US" altLang="zh-TW" dirty="0"/>
+                  <a:t>Recall= 1</a:t>
+                </a:r>
+                <a:r>
+                  <a:rPr lang="zh-TW" altLang="en-US" dirty="0"/>
+                  <a:t>，所以我們應該是把閥值往左下角調，而非右上角</a:t>
+                </a:r>
+                <a:endParaRPr lang="en-US" b="0" dirty="0"/>
+              </a:p>
+              <a:p>
+                <a:pPr marL="0" indent="0">
+                  <a:buNone/>
+                </a:pPr>
+                <a:endParaRPr lang="en-US" dirty="0"/>
+              </a:p>
+              <a:p>
+                <a:pPr marL="0" indent="0">
+                  <a:buNone/>
+                </a:pPr>
+                <a:endParaRPr lang="en-US" dirty="0"/>
+              </a:p>
+            </p:txBody>
+          </p:sp>
+        </mc:Choice>
+        <mc:Fallback xmlns="">
+          <p:sp>
+            <p:nvSpPr>
+              <p:cNvPr id="4" name="內容版面配置區 3">
+                <a:extLst>
+                  <a:ext uri="{FF2B5EF4-FFF2-40B4-BE49-F238E27FC236}">
+                    <a16:creationId xmlns:a16="http://schemas.microsoft.com/office/drawing/2014/main" id="{1A7C13E0-E96A-B3DA-D40F-BD6A3D167F90}"/>
+                  </a:ext>
+                </a:extLst>
+              </p:cNvPr>
+              <p:cNvSpPr>
+                <a:spLocks noGrp="1" noRot="1" noChangeAspect="1" noMove="1" noResize="1" noEditPoints="1" noAdjustHandles="1" noChangeArrowheads="1" noChangeShapeType="1" noTextEdit="1"/>
+              </p:cNvSpPr>
+              <p:nvPr>
+                <p:ph idx="1"/>
+              </p:nvPr>
+            </p:nvSpPr>
+            <p:spPr>
+              <a:xfrm>
+                <a:off x="313854" y="1003300"/>
+                <a:ext cx="10968826" cy="4851400"/>
+              </a:xfrm>
+              <a:blipFill>
+                <a:blip r:embed="rId4"/>
+                <a:stretch>
+                  <a:fillRect l="-1111"/>
+                </a:stretch>
+              </a:blipFill>
+            </p:spPr>
+            <p:txBody>
+              <a:bodyPr/>
+              <a:lstStyle/>
+              <a:p>
+                <a:r>
+                  <a:rPr lang="en-US">
+                    <a:noFill/>
+                  </a:rPr>
+                  <a:t> </a:t>
+                </a:r>
+              </a:p>
+            </p:txBody>
+          </p:sp>
+        </mc:Fallback>
+      </mc:AlternateContent>
+      <p:sp>
+        <p:nvSpPr>
+          <p:cNvPr id="2" name="標題 1">
+            <a:extLst>
+              <a:ext uri="{FF2B5EF4-FFF2-40B4-BE49-F238E27FC236}">
+                <a16:creationId xmlns:a16="http://schemas.microsoft.com/office/drawing/2014/main" id="{1ABEF3F8-54A4-4A41-9A76-71B4CDF183AA}"/>
+              </a:ext>
+            </a:extLst>
+          </p:cNvPr>
+          <p:cNvSpPr>
+            <a:spLocks noGrp="1"/>
+          </p:cNvSpPr>
+          <p:nvPr>
+            <p:ph type="title"/>
+          </p:nvPr>
+        </p:nvSpPr>
+        <p:spPr>
+          <a:xfrm>
+            <a:off x="384974" y="0"/>
             <a:ext cx="10968826" cy="1325563"/>
           </a:xfrm>
         </p:spPr>
@@ -4034,49 +4544,65 @@
                 <a:latin typeface="微軟正黑體" panose="020B0604030504040204" pitchFamily="34" charset="-120"/>
                 <a:ea typeface="微軟正黑體" panose="020B0604030504040204" pitchFamily="34" charset="-120"/>
               </a:rPr>
-              <a:t>Active Learning</a:t>
+              <a:t>Recall </a:t>
+            </a:r>
+            <a:r>
+              <a:rPr lang="zh-TW" altLang="en-US" sz="4000" dirty="0">
+                <a:latin typeface="微軟正黑體" panose="020B0604030504040204" pitchFamily="34" charset="-120"/>
+                <a:ea typeface="微軟正黑體" panose="020B0604030504040204" pitchFamily="34" charset="-120"/>
+              </a:rPr>
+              <a:t>高的地方</a:t>
+            </a:r>
+            <a:r>
+              <a:rPr lang="en-US" altLang="zh-TW" sz="4000" dirty="0">
+                <a:latin typeface="微軟正黑體" panose="020B0604030504040204" pitchFamily="34" charset="-120"/>
+                <a:ea typeface="微軟正黑體" panose="020B0604030504040204" pitchFamily="34" charset="-120"/>
+              </a:rPr>
+              <a:t> </a:t>
             </a:r>
           </a:p>
         </p:txBody>
       </p:sp>
       <p:pic>
         <p:nvPicPr>
-          <p:cNvPr id="6" name="內容版面配置區 9">
-            <a:extLst>
-              <a:ext uri="{FF2B5EF4-FFF2-40B4-BE49-F238E27FC236}">
-                <a16:creationId xmlns:a16="http://schemas.microsoft.com/office/drawing/2014/main" id="{A8676E25-9438-43D7-8B4C-025EF381E2A5}"/>
+          <p:cNvPr id="9" name="圖片 8">
+            <a:extLst>
+              <a:ext uri="{FF2B5EF4-FFF2-40B4-BE49-F238E27FC236}">
+                <a16:creationId xmlns:a16="http://schemas.microsoft.com/office/drawing/2014/main" id="{CD3FE509-B329-BC9D-2305-338B7DDC2F08}"/>
               </a:ext>
             </a:extLst>
           </p:cNvPr>
           <p:cNvPicPr>
-            <a:picLocks noGrp="1" noChangeAspect="1"/>
+            <a:picLocks noChangeAspect="1"/>
           </p:cNvPicPr>
-          <p:nvPr>
-            <p:ph idx="1"/>
-          </p:nvPr>
+          <p:nvPr/>
         </p:nvPicPr>
-        <p:blipFill rotWithShape="1">
-          <a:blip r:embed="rId3">
+        <p:blipFill>
+          <a:blip r:embed="rId5">
             <a:extLst>
               <a:ext uri="{28A0092B-C50C-407E-A947-70E740481C1C}">
                 <a14:useLocalDpi xmlns:a14="http://schemas.microsoft.com/office/drawing/2010/main" val="0"/>
               </a:ext>
             </a:extLst>
           </a:blip>
-          <a:srcRect l="2087" t="3707" r="2028" b="26017"/>
-          <a:stretch/>
+          <a:stretch>
+            <a:fillRect/>
+          </a:stretch>
         </p:blipFill>
         <p:spPr>
           <a:xfrm>
-            <a:off x="762209" y="1261637"/>
-            <a:ext cx="10387572" cy="4847542"/>
+            <a:off x="6583675" y="2928996"/>
+            <a:ext cx="3931926" cy="3830457"/>
           </a:xfrm>
+          <a:prstGeom prst="rect">
+            <a:avLst/>
+          </a:prstGeom>
         </p:spPr>
       </p:pic>
     </p:spTree>
     <p:extLst>
       <p:ext uri="{BB962C8B-B14F-4D97-AF65-F5344CB8AC3E}">
-        <p14:creationId xmlns:p14="http://schemas.microsoft.com/office/powerpoint/2010/main" val="1909286461"/>
+        <p14:creationId xmlns:p14="http://schemas.microsoft.com/office/powerpoint/2010/main" val="631341187"/>
       </p:ext>
     </p:extLst>
   </p:cSld>
@@ -4105,28 +4631,85 @@
       </p:grpSpPr>
       <p:sp>
         <p:nvSpPr>
-          <p:cNvPr id="2" name="標題 1">
-            <a:extLst>
-              <a:ext uri="{FF2B5EF4-FFF2-40B4-BE49-F238E27FC236}">
-                <a16:creationId xmlns:a16="http://schemas.microsoft.com/office/drawing/2014/main" id="{DC83E7B5-C32D-48E8-8F92-77ABD68633FC}"/>
-              </a:ext>
-            </a:extLst>
-          </p:cNvPr>
-          <p:cNvSpPr>
-            <a:spLocks noGrp="1"/>
-          </p:cNvSpPr>
-          <p:nvPr>
-            <p:ph type="title"/>
+          <p:cNvPr id="4" name="內容版面配置區 3">
+            <a:extLst>
+              <a:ext uri="{FF2B5EF4-FFF2-40B4-BE49-F238E27FC236}">
+                <a16:creationId xmlns:a16="http://schemas.microsoft.com/office/drawing/2014/main" id="{1A7C13E0-E96A-B3DA-D40F-BD6A3D167F90}"/>
+              </a:ext>
+            </a:extLst>
+          </p:cNvPr>
+          <p:cNvSpPr>
+            <a:spLocks noGrp="1"/>
+          </p:cNvSpPr>
+          <p:nvPr>
+            <p:ph idx="1"/>
           </p:nvPr>
         </p:nvSpPr>
         <p:spPr>
           <a:xfrm>
-            <a:off x="838200" y="131445"/>
-            <a:ext cx="10515600" cy="1325563"/>
+            <a:off x="384974" y="1325563"/>
+            <a:ext cx="10968826" cy="4851400"/>
           </a:xfrm>
         </p:spPr>
         <p:txBody>
-          <a:bodyPr/>
+          <a:bodyPr>
+            <a:normAutofit/>
+          </a:bodyPr>
+          <a:lstStyle/>
+          <a:p>
+            <a:pPr marL="0" indent="0">
+              <a:buNone/>
+            </a:pPr>
+            <a:r>
+              <a:rPr lang="zh-TW" altLang="en-US" dirty="0"/>
+              <a:t>因此我們應該針對 </a:t>
+            </a:r>
+            <a:r>
+              <a:rPr lang="en-US" altLang="zh-TW" dirty="0"/>
+              <a:t>TO_SAR=1</a:t>
+            </a:r>
+            <a:r>
+              <a:rPr lang="zh-TW" altLang="en-US" dirty="0"/>
+              <a:t>的資料去尋找，若離原點越近則會有比較高的 </a:t>
+            </a:r>
+            <a:r>
+              <a:rPr lang="en-US" altLang="zh-TW" dirty="0"/>
+              <a:t>Recall</a:t>
+            </a:r>
+            <a:r>
+              <a:rPr lang="zh-TW" altLang="en-US" dirty="0"/>
+              <a:t>，因此我們計算和原點的距離當成選取的標準</a:t>
+            </a:r>
+            <a:endParaRPr lang="en-US" dirty="0"/>
+          </a:p>
+        </p:txBody>
+      </p:sp>
+      <p:sp>
+        <p:nvSpPr>
+          <p:cNvPr id="2" name="標題 1">
+            <a:extLst>
+              <a:ext uri="{FF2B5EF4-FFF2-40B4-BE49-F238E27FC236}">
+                <a16:creationId xmlns:a16="http://schemas.microsoft.com/office/drawing/2014/main" id="{1ABEF3F8-54A4-4A41-9A76-71B4CDF183AA}"/>
+              </a:ext>
+            </a:extLst>
+          </p:cNvPr>
+          <p:cNvSpPr>
+            <a:spLocks noGrp="1"/>
+          </p:cNvSpPr>
+          <p:nvPr>
+            <p:ph type="title"/>
+          </p:nvPr>
+        </p:nvSpPr>
+        <p:spPr>
+          <a:xfrm>
+            <a:off x="384974" y="0"/>
+            <a:ext cx="10968826" cy="1325563"/>
+          </a:xfrm>
+        </p:spPr>
+        <p:txBody>
+          <a:bodyPr>
+            <a:normAutofit/>
+          </a:bodyPr>
           <a:lstStyle/>
           <a:p>
             <a:pPr>
@@ -4139,690 +4722,101 @@
                 <a:latin typeface="微軟正黑體" panose="020B0604030504040204" pitchFamily="34" charset="-120"/>
                 <a:ea typeface="微軟正黑體" panose="020B0604030504040204" pitchFamily="34" charset="-120"/>
               </a:rPr>
-              <a:t>Active Learning</a:t>
-            </a:r>
-            <a:endParaRPr lang="zh-TW" altLang="en-US" sz="4000" dirty="0">
-              <a:latin typeface="微軟正黑體" panose="020B0604030504040204" pitchFamily="34" charset="-120"/>
-              <a:ea typeface="微軟正黑體" panose="020B0604030504040204" pitchFamily="34" charset="-120"/>
-            </a:endParaRPr>
-          </a:p>
-        </p:txBody>
-      </p:sp>
-      <mc:AlternateContent xmlns:mc="http://schemas.openxmlformats.org/markup-compatibility/2006" xmlns:a14="http://schemas.microsoft.com/office/drawing/2010/main">
-        <mc:Choice Requires="a14">
-          <p:sp>
-            <p:nvSpPr>
-              <p:cNvPr id="3" name="內容版面配置區 2">
-                <a:extLst>
-                  <a:ext uri="{FF2B5EF4-FFF2-40B4-BE49-F238E27FC236}">
-                    <a16:creationId xmlns:a16="http://schemas.microsoft.com/office/drawing/2014/main" id="{932B7922-7C76-4C5C-A2CA-CABB1CB67E87}"/>
-                  </a:ext>
-                </a:extLst>
-              </p:cNvPr>
-              <p:cNvSpPr>
-                <a:spLocks noGrp="1"/>
-              </p:cNvSpPr>
-              <p:nvPr>
-                <p:ph idx="1"/>
-              </p:nvPr>
-            </p:nvSpPr>
-            <p:spPr>
-              <a:xfrm>
-                <a:off x="231058" y="1378584"/>
-                <a:ext cx="11729884" cy="5225415"/>
-              </a:xfrm>
-            </p:spPr>
-            <p:txBody>
-              <a:bodyPr/>
-              <a:lstStyle/>
-              <a:p>
-                <a:pPr marL="0" indent="0">
-                  <a:buNone/>
-                </a:pPr>
-                <a:r>
-                  <a:rPr lang="en-US" altLang="zh-TW" dirty="0"/>
-                  <a:t>Features : </a:t>
-                </a:r>
-                <a:r>
-                  <a:rPr lang="en-US" altLang="zh-TW" dirty="0" err="1"/>
-                  <a:t>Credit_Amt</a:t>
-                </a:r>
-                <a:r>
-                  <a:rPr lang="en-US" altLang="zh-TW" dirty="0"/>
-                  <a:t>, </a:t>
-                </a:r>
-                <a:r>
-                  <a:rPr lang="en-US" altLang="zh-TW" dirty="0" err="1"/>
-                  <a:t>number_of_Credit</a:t>
-                </a:r>
-                <a:r>
-                  <a:rPr lang="en-US" altLang="zh-TW" dirty="0"/>
-                  <a:t>, </a:t>
-                </a:r>
-                <a:r>
-                  <a:rPr lang="en-US" altLang="zh-TW" dirty="0" err="1"/>
-                  <a:t>Debit_Amt</a:t>
-                </a:r>
-                <a:r>
-                  <a:rPr lang="en-US" altLang="zh-TW" dirty="0"/>
-                  <a:t>, </a:t>
-                </a:r>
-                <a:r>
-                  <a:rPr lang="en-US" altLang="zh-TW" dirty="0" err="1"/>
-                  <a:t>number_of_Debit</a:t>
-                </a:r>
-                <a:endParaRPr lang="en-US" altLang="zh-TW" dirty="0"/>
-              </a:p>
-              <a:p>
-                <a:pPr marL="0" indent="0">
-                  <a:buNone/>
-                </a:pPr>
-                <a:r>
-                  <a:rPr lang="en-US" altLang="zh-TW" dirty="0"/>
-                  <a:t>Preprocessing : Normalization</a:t>
-                </a:r>
-              </a:p>
-              <a:p>
-                <a:pPr marL="0" indent="0">
-                  <a:buNone/>
-                </a:pPr>
-                <a:r>
-                  <a:rPr lang="en-US" altLang="zh-TW" dirty="0"/>
-                  <a:t>Query Strategy : </a:t>
-                </a:r>
-                <a:r>
-                  <a:rPr lang="en-US" altLang="zh-TW" dirty="0" err="1"/>
-                  <a:t>uncertainty_batch_sampling</a:t>
-                </a:r>
-                <a:endParaRPr lang="en-US" altLang="zh-TW" dirty="0"/>
-              </a:p>
-              <a:p>
-                <a:pPr marL="0" indent="0">
-                  <a:buNone/>
-                </a:pPr>
-                <a:r>
-                  <a:rPr lang="en-US" altLang="zh-TW" b="0" dirty="0"/>
-                  <a:t>	</a:t>
-                </a:r>
-                <a14:m>
-                  <m:oMath xmlns:m="http://schemas.openxmlformats.org/officeDocument/2006/math">
-                    <m:r>
-                      <m:rPr>
-                        <m:sty m:val="p"/>
-                      </m:rPr>
-                      <a:rPr lang="en-US" altLang="zh-TW">
-                        <a:latin typeface="Cambria Math" panose="02040503050406030204" pitchFamily="18" charset="0"/>
-                      </a:rPr>
-                      <m:t>uncertainty</m:t>
-                    </m:r>
-                    <m:r>
-                      <a:rPr lang="en-US" altLang="zh-TW" b="0" i="1" smtClean="0">
-                        <a:latin typeface="Cambria Math" panose="02040503050406030204" pitchFamily="18" charset="0"/>
-                      </a:rPr>
-                      <m:t>=1−</m:t>
-                    </m:r>
-                    <m:r>
-                      <m:rPr>
-                        <m:sty m:val="p"/>
-                      </m:rPr>
-                      <a:rPr lang="en-US" altLang="zh-TW" b="0" i="0" smtClean="0">
-                        <a:latin typeface="Cambria Math" panose="02040503050406030204" pitchFamily="18" charset="0"/>
-                      </a:rPr>
-                      <m:t>max</m:t>
-                    </m:r>
-                    <m:r>
-                      <a:rPr lang="en-US" altLang="zh-TW" b="0" i="1" smtClean="0">
-                        <a:latin typeface="Cambria Math" panose="02040503050406030204" pitchFamily="18" charset="0"/>
-                      </a:rPr>
-                      <m:t>⁡(</m:t>
-                    </m:r>
-                    <m:r>
-                      <a:rPr lang="en-US" altLang="zh-TW" b="0" i="1" smtClean="0">
-                        <a:latin typeface="Cambria Math" panose="02040503050406030204" pitchFamily="18" charset="0"/>
-                      </a:rPr>
-                      <m:t>𝑃</m:t>
-                    </m:r>
-                    <m:d>
-                      <m:dPr>
-                        <m:ctrlPr>
-                          <a:rPr lang="en-US" altLang="zh-TW" b="0" i="1" smtClean="0">
-                            <a:latin typeface="Cambria Math" panose="02040503050406030204" pitchFamily="18" charset="0"/>
-                          </a:rPr>
-                        </m:ctrlPr>
-                      </m:dPr>
-                      <m:e>
-                        <m:sSub>
-                          <m:sSubPr>
-                            <m:ctrlPr>
-                              <a:rPr lang="en-US" altLang="zh-TW" b="0" i="1" smtClean="0">
-                                <a:latin typeface="Cambria Math" panose="02040503050406030204" pitchFamily="18" charset="0"/>
-                              </a:rPr>
-                            </m:ctrlPr>
-                          </m:sSubPr>
-                          <m:e>
-                            <m:r>
-                              <a:rPr lang="en-US" altLang="zh-TW" b="0" i="1" smtClean="0">
-                                <a:latin typeface="Cambria Math" panose="02040503050406030204" pitchFamily="18" charset="0"/>
-                              </a:rPr>
-                              <m:t>𝐶</m:t>
-                            </m:r>
-                          </m:e>
-                          <m:sub>
-                            <m:r>
-                              <a:rPr lang="en-US" altLang="zh-TW" b="0" i="1" smtClean="0">
-                                <a:latin typeface="Cambria Math" panose="02040503050406030204" pitchFamily="18" charset="0"/>
-                              </a:rPr>
-                              <m:t>𝑘</m:t>
-                            </m:r>
-                          </m:sub>
-                        </m:sSub>
-                        <m:r>
-                          <a:rPr lang="en-US" altLang="zh-TW" b="0" i="1" smtClean="0">
-                            <a:latin typeface="Cambria Math" panose="02040503050406030204" pitchFamily="18" charset="0"/>
-                          </a:rPr>
-                          <m:t>|</m:t>
-                        </m:r>
-                        <m:r>
-                          <a:rPr lang="en-US" altLang="zh-TW" b="0" i="1" smtClean="0">
-                            <a:latin typeface="Cambria Math" panose="02040503050406030204" pitchFamily="18" charset="0"/>
-                          </a:rPr>
-                          <m:t>𝑥</m:t>
-                        </m:r>
-                      </m:e>
-                    </m:d>
-                    <m:r>
-                      <a:rPr lang="en-US" altLang="zh-TW" b="0" i="1" smtClean="0">
-                        <a:latin typeface="Cambria Math" panose="02040503050406030204" pitchFamily="18" charset="0"/>
-                      </a:rPr>
-                      <m:t>)</m:t>
-                    </m:r>
-                  </m:oMath>
-                </a14:m>
-                <a:endParaRPr lang="en-US" altLang="zh-TW" dirty="0"/>
-              </a:p>
-              <a:p>
-                <a:pPr marL="0" indent="0">
-                  <a:buNone/>
-                </a:pPr>
-                <a:r>
-                  <a:rPr lang="zh-TW" altLang="en-US" dirty="0"/>
-                  <a:t>每次</a:t>
-                </a:r>
-                <a:r>
-                  <a:rPr lang="en-US" altLang="zh-TW" dirty="0"/>
-                  <a:t> query 100</a:t>
-                </a:r>
-                <a:r>
-                  <a:rPr lang="zh-TW" altLang="en-US" dirty="0"/>
-                  <a:t>筆，總共查詢 </a:t>
-                </a:r>
-                <a:r>
-                  <a:rPr lang="en-US" altLang="zh-TW" dirty="0"/>
-                  <a:t>10</a:t>
-                </a:r>
-                <a:r>
-                  <a:rPr lang="zh-TW" altLang="en-US" dirty="0"/>
-                  <a:t> 次</a:t>
-                </a:r>
-                <a:endParaRPr lang="en-US" altLang="zh-TW" dirty="0"/>
-              </a:p>
-              <a:p>
-                <a:pPr marL="0" indent="0">
-                  <a:buNone/>
-                </a:pPr>
-                <a:endParaRPr lang="en-US" altLang="zh-TW" dirty="0"/>
-              </a:p>
-              <a:p>
-                <a:pPr marL="0" indent="0">
-                  <a:buNone/>
-                </a:pPr>
-                <a:endParaRPr lang="en-US" altLang="zh-TW" dirty="0"/>
-              </a:p>
-              <a:p>
-                <a:pPr marL="0" indent="0">
-                  <a:buNone/>
-                </a:pPr>
-                <a:endParaRPr lang="en-US" altLang="zh-TW" dirty="0"/>
-              </a:p>
-              <a:p>
-                <a:pPr marL="0" indent="0">
-                  <a:buNone/>
-                </a:pPr>
-                <a:endParaRPr lang="en-US" altLang="zh-TW" dirty="0"/>
-              </a:p>
-            </p:txBody>
-          </p:sp>
-        </mc:Choice>
-        <mc:Fallback xmlns="">
-          <p:sp>
-            <p:nvSpPr>
-              <p:cNvPr id="3" name="內容版面配置區 2">
-                <a:extLst>
-                  <a:ext uri="{FF2B5EF4-FFF2-40B4-BE49-F238E27FC236}">
-                    <a16:creationId xmlns:a16="http://schemas.microsoft.com/office/drawing/2014/main" id="{932B7922-7C76-4C5C-A2CA-CABB1CB67E87}"/>
-                  </a:ext>
-                </a:extLst>
-              </p:cNvPr>
-              <p:cNvSpPr>
-                <a:spLocks noGrp="1" noRot="1" noChangeAspect="1" noMove="1" noResize="1" noEditPoints="1" noAdjustHandles="1" noChangeArrowheads="1" noChangeShapeType="1" noTextEdit="1"/>
-              </p:cNvSpPr>
-              <p:nvPr>
-                <p:ph idx="1"/>
-              </p:nvPr>
-            </p:nvSpPr>
-            <p:spPr>
-              <a:xfrm>
-                <a:off x="231058" y="1378584"/>
-                <a:ext cx="11729884" cy="5225415"/>
-              </a:xfrm>
-              <a:blipFill>
-                <a:blip r:embed="rId2"/>
-                <a:stretch>
-                  <a:fillRect l="-1091" t="-1867"/>
-                </a:stretch>
-              </a:blipFill>
-            </p:spPr>
-            <p:txBody>
-              <a:bodyPr/>
-              <a:lstStyle/>
-              <a:p>
-                <a:r>
-                  <a:rPr lang="zh-TW" altLang="en-US">
-                    <a:noFill/>
-                  </a:rPr>
-                  <a:t> </a:t>
-                </a:r>
-              </a:p>
-            </p:txBody>
-          </p:sp>
-        </mc:Fallback>
-      </mc:AlternateContent>
-      <p:grpSp>
-        <p:nvGrpSpPr>
-          <p:cNvPr id="13" name="群組 12">
-            <a:extLst>
-              <a:ext uri="{FF2B5EF4-FFF2-40B4-BE49-F238E27FC236}">
-                <a16:creationId xmlns:a16="http://schemas.microsoft.com/office/drawing/2014/main" id="{E1C6C9AA-F809-4138-A12D-CC1AF9A82A2E}"/>
-              </a:ext>
-            </a:extLst>
-          </p:cNvPr>
-          <p:cNvGrpSpPr/>
+              <a:t>Recall </a:t>
+            </a:r>
+            <a:r>
+              <a:rPr lang="zh-TW" altLang="en-US" sz="4000" dirty="0">
+                <a:latin typeface="微軟正黑體" panose="020B0604030504040204" pitchFamily="34" charset="-120"/>
+                <a:ea typeface="微軟正黑體" panose="020B0604030504040204" pitchFamily="34" charset="-120"/>
+              </a:rPr>
+              <a:t>高的地方</a:t>
+            </a:r>
+            <a:r>
+              <a:rPr lang="en-US" altLang="zh-TW" sz="4000" dirty="0">
+                <a:latin typeface="微軟正黑體" panose="020B0604030504040204" pitchFamily="34" charset="-120"/>
+                <a:ea typeface="微軟正黑體" panose="020B0604030504040204" pitchFamily="34" charset="-120"/>
+              </a:rPr>
+              <a:t> </a:t>
+            </a:r>
+          </a:p>
+        </p:txBody>
+      </p:sp>
+      <p:pic>
+        <p:nvPicPr>
+          <p:cNvPr id="8" name="圖片 7" descr="一張含有 文字 的圖片&#10;&#10;自動產生的描述">
+            <a:extLst>
+              <a:ext uri="{FF2B5EF4-FFF2-40B4-BE49-F238E27FC236}">
+                <a16:creationId xmlns:a16="http://schemas.microsoft.com/office/drawing/2014/main" id="{3989D0D9-1EF9-6689-2432-71DEEED1B46D}"/>
+              </a:ext>
+            </a:extLst>
+          </p:cNvPr>
+          <p:cNvPicPr>
+            <a:picLocks noChangeAspect="1"/>
+          </p:cNvPicPr>
           <p:nvPr/>
-        </p:nvGrpSpPr>
-        <p:grpSpPr>
+        </p:nvPicPr>
+        <p:blipFill>
+          <a:blip r:embed="rId3">
+            <a:extLst>
+              <a:ext uri="{28A0092B-C50C-407E-A947-70E740481C1C}">
+                <a14:useLocalDpi xmlns:a14="http://schemas.microsoft.com/office/drawing/2010/main" val="0"/>
+              </a:ext>
+            </a:extLst>
+          </a:blip>
+          <a:stretch>
+            <a:fillRect/>
+          </a:stretch>
+        </p:blipFill>
+        <p:spPr>
           <a:xfrm>
-            <a:off x="5987845" y="1920838"/>
-            <a:ext cx="6351636" cy="4219331"/>
-            <a:chOff x="137652" y="2300746"/>
-            <a:chExt cx="6351636" cy="4219331"/>
+            <a:off x="6304116" y="2651126"/>
+            <a:ext cx="5502910" cy="3370649"/>
           </a:xfrm>
-        </p:grpSpPr>
-        <p:grpSp>
-          <p:nvGrpSpPr>
-            <p:cNvPr id="9" name="群組 8">
-              <a:extLst>
-                <a:ext uri="{FF2B5EF4-FFF2-40B4-BE49-F238E27FC236}">
-                  <a16:creationId xmlns:a16="http://schemas.microsoft.com/office/drawing/2014/main" id="{C55D94E3-6B49-4326-91CB-C78DA6B9BBC0}"/>
-                </a:ext>
-              </a:extLst>
-            </p:cNvPr>
-            <p:cNvGrpSpPr/>
-            <p:nvPr/>
-          </p:nvGrpSpPr>
-          <p:grpSpPr>
-            <a:xfrm>
-              <a:off x="2163096" y="2300746"/>
-              <a:ext cx="2300748" cy="4219331"/>
-              <a:chOff x="1307690" y="2261417"/>
-              <a:chExt cx="2300748" cy="4219331"/>
-            </a:xfrm>
-          </p:grpSpPr>
-          <p:grpSp>
-            <p:nvGrpSpPr>
-              <p:cNvPr id="6" name="群組 5">
-                <a:extLst>
-                  <a:ext uri="{FF2B5EF4-FFF2-40B4-BE49-F238E27FC236}">
-                    <a16:creationId xmlns:a16="http://schemas.microsoft.com/office/drawing/2014/main" id="{CD32439D-37E9-404E-92AE-A97259D6EEFF}"/>
-                  </a:ext>
-                </a:extLst>
-              </p:cNvPr>
-              <p:cNvGrpSpPr/>
-              <p:nvPr/>
-            </p:nvGrpSpPr>
-            <p:grpSpPr>
-              <a:xfrm>
-                <a:off x="1307690" y="2261417"/>
-                <a:ext cx="2300748" cy="4219331"/>
-                <a:chOff x="1288026" y="2507224"/>
-                <a:chExt cx="2300748" cy="4219331"/>
-              </a:xfrm>
-            </p:grpSpPr>
-            <p:sp>
-              <p:nvSpPr>
-                <p:cNvPr id="4" name="矩形 3">
-                  <a:extLst>
-                    <a:ext uri="{FF2B5EF4-FFF2-40B4-BE49-F238E27FC236}">
-                      <a16:creationId xmlns:a16="http://schemas.microsoft.com/office/drawing/2014/main" id="{5D5D0D4D-602C-4464-B21F-6D8B20997214}"/>
-                    </a:ext>
-                  </a:extLst>
-                </p:cNvPr>
-                <p:cNvSpPr/>
-                <p:nvPr/>
-              </p:nvSpPr>
-              <p:spPr>
-                <a:xfrm>
-                  <a:off x="1288026" y="2507224"/>
-                  <a:ext cx="2300748" cy="786581"/>
-                </a:xfrm>
-                <a:prstGeom prst="rect">
-                  <a:avLst/>
-                </a:prstGeom>
-                <a:noFill/>
-                <a:ln w="38100">
-                  <a:solidFill>
-                    <a:srgbClr val="0070C0"/>
-                  </a:solidFill>
-                </a:ln>
-              </p:spPr>
-              <p:style>
-                <a:lnRef idx="2">
-                  <a:schemeClr val="accent1">
-                    <a:shade val="50000"/>
-                  </a:schemeClr>
-                </a:lnRef>
-                <a:fillRef idx="1">
-                  <a:schemeClr val="accent1"/>
-                </a:fillRef>
-                <a:effectRef idx="0">
-                  <a:schemeClr val="accent1"/>
-                </a:effectRef>
-                <a:fontRef idx="minor">
-                  <a:schemeClr val="lt1"/>
-                </a:fontRef>
-              </p:style>
-              <p:txBody>
-                <a:bodyPr rtlCol="0" anchor="ctr"/>
-                <a:lstStyle/>
-                <a:p>
-                  <a:pPr algn="ctr"/>
-                  <a:endParaRPr lang="zh-TW" altLang="en-US" dirty="0"/>
-                </a:p>
-              </p:txBody>
-            </p:sp>
-            <p:sp>
-              <p:nvSpPr>
-                <p:cNvPr id="5" name="矩形 4">
-                  <a:extLst>
-                    <a:ext uri="{FF2B5EF4-FFF2-40B4-BE49-F238E27FC236}">
-                      <a16:creationId xmlns:a16="http://schemas.microsoft.com/office/drawing/2014/main" id="{8450C201-A592-4F04-94F3-E5FDF4E68A10}"/>
-                    </a:ext>
-                  </a:extLst>
-                </p:cNvPr>
-                <p:cNvSpPr/>
-                <p:nvPr/>
-              </p:nvSpPr>
-              <p:spPr>
-                <a:xfrm>
-                  <a:off x="1288026" y="3293805"/>
-                  <a:ext cx="2300748" cy="3432750"/>
-                </a:xfrm>
-                <a:prstGeom prst="rect">
-                  <a:avLst/>
-                </a:prstGeom>
-                <a:noFill/>
-                <a:ln w="38100">
-                  <a:solidFill>
-                    <a:srgbClr val="0070C0"/>
-                  </a:solidFill>
-                </a:ln>
-              </p:spPr>
-              <p:style>
-                <a:lnRef idx="2">
-                  <a:schemeClr val="accent1">
-                    <a:shade val="50000"/>
-                  </a:schemeClr>
-                </a:lnRef>
-                <a:fillRef idx="1">
-                  <a:schemeClr val="accent1"/>
-                </a:fillRef>
-                <a:effectRef idx="0">
-                  <a:schemeClr val="accent1"/>
-                </a:effectRef>
-                <a:fontRef idx="minor">
-                  <a:schemeClr val="lt1"/>
-                </a:fontRef>
-              </p:style>
-              <p:txBody>
-                <a:bodyPr rtlCol="0" anchor="ctr"/>
-                <a:lstStyle/>
-                <a:p>
-                  <a:pPr algn="ctr"/>
-                  <a:endParaRPr lang="zh-TW" altLang="en-US"/>
-                </a:p>
-              </p:txBody>
-            </p:sp>
-          </p:grpSp>
-          <p:sp>
-            <p:nvSpPr>
-              <p:cNvPr id="7" name="文字方塊 6">
-                <a:extLst>
-                  <a:ext uri="{FF2B5EF4-FFF2-40B4-BE49-F238E27FC236}">
-                    <a16:creationId xmlns:a16="http://schemas.microsoft.com/office/drawing/2014/main" id="{847E72A1-D723-465E-94B1-FA43771F958C}"/>
-                  </a:ext>
-                </a:extLst>
-              </p:cNvPr>
-              <p:cNvSpPr txBox="1"/>
-              <p:nvPr/>
-            </p:nvSpPr>
-            <p:spPr>
-              <a:xfrm>
-                <a:off x="1307690" y="2451640"/>
-                <a:ext cx="2300748" cy="400110"/>
-              </a:xfrm>
-              <a:prstGeom prst="rect">
-                <a:avLst/>
-              </a:prstGeom>
-              <a:noFill/>
-            </p:spPr>
-            <p:txBody>
-              <a:bodyPr wrap="square" rtlCol="0">
-                <a:spAutoFit/>
-              </a:bodyPr>
-              <a:lstStyle/>
-              <a:p>
-                <a:pPr algn="ctr"/>
-                <a:r>
-                  <a:rPr lang="en-US" altLang="zh-TW" sz="2000" dirty="0"/>
-                  <a:t>Initial data</a:t>
-                </a:r>
-                <a:endParaRPr lang="zh-TW" altLang="en-US" sz="2000" dirty="0"/>
-              </a:p>
-            </p:txBody>
-          </p:sp>
-          <p:sp>
-            <p:nvSpPr>
-              <p:cNvPr id="8" name="文字方塊 7">
-                <a:extLst>
-                  <a:ext uri="{FF2B5EF4-FFF2-40B4-BE49-F238E27FC236}">
-                    <a16:creationId xmlns:a16="http://schemas.microsoft.com/office/drawing/2014/main" id="{C0E339C6-C847-4002-A759-3AA3CCB9403A}"/>
-                  </a:ext>
-                </a:extLst>
-              </p:cNvPr>
-              <p:cNvSpPr txBox="1"/>
-              <p:nvPr/>
-            </p:nvSpPr>
-            <p:spPr>
-              <a:xfrm>
-                <a:off x="1307690" y="4364263"/>
-                <a:ext cx="2300748" cy="400110"/>
-              </a:xfrm>
-              <a:prstGeom prst="rect">
-                <a:avLst/>
-              </a:prstGeom>
-              <a:noFill/>
-            </p:spPr>
-            <p:txBody>
-              <a:bodyPr wrap="square" rtlCol="0">
-                <a:spAutoFit/>
-              </a:bodyPr>
-              <a:lstStyle/>
-              <a:p>
-                <a:pPr algn="ctr"/>
-                <a:r>
-                  <a:rPr lang="en-US" altLang="zh-TW" sz="2000" dirty="0" err="1"/>
-                  <a:t>Unlabel</a:t>
-                </a:r>
-                <a:r>
-                  <a:rPr lang="en-US" altLang="zh-TW" sz="2000" dirty="0"/>
-                  <a:t> data</a:t>
-                </a:r>
-                <a:endParaRPr lang="zh-TW" altLang="en-US" sz="2000" dirty="0"/>
-              </a:p>
-            </p:txBody>
-          </p:sp>
-        </p:grpSp>
-        <p:sp>
-          <p:nvSpPr>
-            <p:cNvPr id="10" name="文字方塊 9">
-              <a:extLst>
-                <a:ext uri="{FF2B5EF4-FFF2-40B4-BE49-F238E27FC236}">
-                  <a16:creationId xmlns:a16="http://schemas.microsoft.com/office/drawing/2014/main" id="{F19A4FF2-4BA9-4F5C-B037-D66193607473}"/>
-                </a:ext>
-              </a:extLst>
-            </p:cNvPr>
-            <p:cNvSpPr txBox="1"/>
-            <p:nvPr/>
-          </p:nvSpPr>
-          <p:spPr>
-            <a:xfrm>
-              <a:off x="4188540" y="3895761"/>
-              <a:ext cx="2300748" cy="707886"/>
-            </a:xfrm>
-            <a:prstGeom prst="rect">
-              <a:avLst/>
-            </a:prstGeom>
-            <a:noFill/>
-          </p:spPr>
-          <p:txBody>
-            <a:bodyPr wrap="square" rtlCol="0">
-              <a:spAutoFit/>
-            </a:bodyPr>
-            <a:lstStyle/>
-            <a:p>
-              <a:pPr algn="ctr"/>
-              <a:r>
-                <a:rPr lang="en-US" altLang="zh-TW" sz="2000" dirty="0"/>
-                <a:t>Total train set</a:t>
-              </a:r>
-            </a:p>
-            <a:p>
-              <a:pPr algn="ctr"/>
-              <a:r>
-                <a:rPr lang="en-US" altLang="zh-TW" sz="2000" dirty="0"/>
-                <a:t>52060</a:t>
-              </a:r>
-              <a:r>
-                <a:rPr lang="zh-TW" altLang="en-US" sz="2000" dirty="0"/>
-                <a:t>筆</a:t>
-              </a:r>
-              <a:endParaRPr lang="en-US" altLang="zh-TW" sz="2000" dirty="0"/>
-            </a:p>
-          </p:txBody>
-        </p:sp>
-        <p:sp>
-          <p:nvSpPr>
-            <p:cNvPr id="11" name="文字方塊 10">
-              <a:extLst>
-                <a:ext uri="{FF2B5EF4-FFF2-40B4-BE49-F238E27FC236}">
-                  <a16:creationId xmlns:a16="http://schemas.microsoft.com/office/drawing/2014/main" id="{B53EC899-D0B4-480D-A3C4-2CE0800FAF38}"/>
-                </a:ext>
-              </a:extLst>
-            </p:cNvPr>
-            <p:cNvSpPr txBox="1"/>
-            <p:nvPr/>
-          </p:nvSpPr>
-          <p:spPr>
-            <a:xfrm>
-              <a:off x="437536" y="2556687"/>
-              <a:ext cx="2300748" cy="400110"/>
-            </a:xfrm>
-            <a:prstGeom prst="rect">
-              <a:avLst/>
-            </a:prstGeom>
-            <a:noFill/>
-          </p:spPr>
-          <p:txBody>
-            <a:bodyPr wrap="square" rtlCol="0">
-              <a:spAutoFit/>
-            </a:bodyPr>
-            <a:lstStyle/>
-            <a:p>
-              <a:pPr algn="ctr"/>
-              <a:r>
-                <a:rPr lang="en-US" altLang="zh-TW" sz="2000" dirty="0"/>
-                <a:t>1000 </a:t>
-              </a:r>
-              <a:r>
-                <a:rPr lang="zh-TW" altLang="en-US" sz="2000" dirty="0"/>
-                <a:t>筆</a:t>
-              </a:r>
-              <a:endParaRPr lang="en-US" altLang="zh-TW" sz="2000" dirty="0"/>
-            </a:p>
-          </p:txBody>
-        </p:sp>
-        <p:sp>
-          <p:nvSpPr>
-            <p:cNvPr id="12" name="文字方塊 11">
-              <a:extLst>
-                <a:ext uri="{FF2B5EF4-FFF2-40B4-BE49-F238E27FC236}">
-                  <a16:creationId xmlns:a16="http://schemas.microsoft.com/office/drawing/2014/main" id="{429EA1BA-E026-4675-AAF7-B2B187482D74}"/>
-                </a:ext>
-              </a:extLst>
-            </p:cNvPr>
-            <p:cNvSpPr txBox="1"/>
-            <p:nvPr/>
-          </p:nvSpPr>
-          <p:spPr>
-            <a:xfrm>
-              <a:off x="137652" y="4334466"/>
-              <a:ext cx="2300748" cy="707886"/>
-            </a:xfrm>
-            <a:prstGeom prst="rect">
-              <a:avLst/>
-            </a:prstGeom>
-            <a:noFill/>
-          </p:spPr>
-          <p:txBody>
-            <a:bodyPr wrap="square" rtlCol="0">
-              <a:spAutoFit/>
-            </a:bodyPr>
-            <a:lstStyle/>
-            <a:p>
-              <a:pPr algn="ctr"/>
-              <a:r>
-                <a:rPr lang="en-US" altLang="zh-TW" sz="2000" dirty="0"/>
-                <a:t>Total train set</a:t>
-              </a:r>
-            </a:p>
-            <a:p>
-              <a:pPr algn="ctr"/>
-              <a:r>
-                <a:rPr lang="en-US" altLang="zh-TW" sz="2000" dirty="0"/>
-                <a:t>51060</a:t>
-              </a:r>
-              <a:r>
-                <a:rPr lang="zh-TW" altLang="en-US" sz="2000" dirty="0"/>
-                <a:t>筆</a:t>
-              </a:r>
-              <a:endParaRPr lang="en-US" altLang="zh-TW" sz="2000" dirty="0"/>
-            </a:p>
-          </p:txBody>
-        </p:sp>
-      </p:grpSp>
+          <a:prstGeom prst="rect">
+            <a:avLst/>
+          </a:prstGeom>
+        </p:spPr>
+      </p:pic>
+      <p:pic>
+        <p:nvPicPr>
+          <p:cNvPr id="10" name="圖片 9" descr="一張含有 文字 的圖片&#10;&#10;自動產生的描述">
+            <a:extLst>
+              <a:ext uri="{FF2B5EF4-FFF2-40B4-BE49-F238E27FC236}">
+                <a16:creationId xmlns:a16="http://schemas.microsoft.com/office/drawing/2014/main" id="{449BEE69-258E-381A-7FDA-CCE4A06449C8}"/>
+              </a:ext>
+            </a:extLst>
+          </p:cNvPr>
+          <p:cNvPicPr>
+            <a:picLocks noChangeAspect="1"/>
+          </p:cNvPicPr>
+          <p:nvPr/>
+        </p:nvPicPr>
+        <p:blipFill>
+          <a:blip r:embed="rId4">
+            <a:extLst>
+              <a:ext uri="{28A0092B-C50C-407E-A947-70E740481C1C}">
+                <a14:useLocalDpi xmlns:a14="http://schemas.microsoft.com/office/drawing/2010/main" val="0"/>
+              </a:ext>
+            </a:extLst>
+          </a:blip>
+          <a:stretch>
+            <a:fillRect/>
+          </a:stretch>
+        </p:blipFill>
+        <p:spPr>
+          <a:xfrm>
+            <a:off x="304372" y="2651125"/>
+            <a:ext cx="5583513" cy="3370649"/>
+          </a:xfrm>
+          <a:prstGeom prst="rect">
+            <a:avLst/>
+          </a:prstGeom>
+        </p:spPr>
+      </p:pic>
     </p:spTree>
     <p:extLst>
       <p:ext uri="{BB962C8B-B14F-4D97-AF65-F5344CB8AC3E}">
-        <p14:creationId xmlns:p14="http://schemas.microsoft.com/office/powerpoint/2010/main" val="3459763206"/>
+        <p14:creationId xmlns:p14="http://schemas.microsoft.com/office/powerpoint/2010/main" val="1154008514"/>
       </p:ext>
     </p:extLst>
   </p:cSld>
@@ -4854,7 +4848,7 @@
           <p:cNvPr id="2" name="標題 1">
             <a:extLst>
               <a:ext uri="{FF2B5EF4-FFF2-40B4-BE49-F238E27FC236}">
-                <a16:creationId xmlns:a16="http://schemas.microsoft.com/office/drawing/2014/main" id="{DC83E7B5-C32D-48E8-8F92-77ABD68633FC}"/>
+                <a16:creationId xmlns:a16="http://schemas.microsoft.com/office/drawing/2014/main" id="{9AF73832-AC5E-BAE8-CA32-685DE61F4F6E}"/>
               </a:ext>
             </a:extLst>
           </p:cNvPr>
@@ -4867,175 +4861,71 @@
         </p:nvSpPr>
         <p:spPr>
           <a:xfrm>
-            <a:off x="838200" y="131445"/>
-            <a:ext cx="10515600" cy="1325563"/>
+            <a:off x="0" y="365125"/>
+            <a:ext cx="11353800" cy="1325563"/>
           </a:xfrm>
         </p:spPr>
         <p:txBody>
           <a:bodyPr/>
           <a:lstStyle/>
           <a:p>
-            <a:pPr>
-              <a:lnSpc>
-                <a:spcPts val="4000"/>
-              </a:lnSpc>
-            </a:pPr>
-            <a:r>
-              <a:rPr lang="en-US" altLang="zh-TW" sz="4000" dirty="0">
+            <a:r>
+              <a:rPr lang="zh-TW" altLang="en-US" dirty="0">
                 <a:latin typeface="微軟正黑體" panose="020B0604030504040204" pitchFamily="34" charset="-120"/>
                 <a:ea typeface="微軟正黑體" panose="020B0604030504040204" pitchFamily="34" charset="-120"/>
               </a:rPr>
-              <a:t>Active Learning</a:t>
-            </a:r>
-            <a:endParaRPr lang="zh-TW" altLang="en-US" sz="4000" dirty="0">
-              <a:latin typeface="微軟正黑體" panose="020B0604030504040204" pitchFamily="34" charset="-120"/>
-              <a:ea typeface="微軟正黑體" panose="020B0604030504040204" pitchFamily="34" charset="-120"/>
-            </a:endParaRPr>
-          </a:p>
-        </p:txBody>
-      </p:sp>
-      <p:sp>
-        <p:nvSpPr>
-          <p:cNvPr id="3" name="內容版面配置區 2">
-            <a:extLst>
-              <a:ext uri="{FF2B5EF4-FFF2-40B4-BE49-F238E27FC236}">
-                <a16:creationId xmlns:a16="http://schemas.microsoft.com/office/drawing/2014/main" id="{932B7922-7C76-4C5C-A2CA-CABB1CB67E87}"/>
-              </a:ext>
-            </a:extLst>
-          </p:cNvPr>
-          <p:cNvSpPr>
-            <a:spLocks noGrp="1"/>
-          </p:cNvSpPr>
+              <a:t>同時考慮 </a:t>
+            </a:r>
+            <a:r>
+              <a:rPr lang="en-US" altLang="zh-TW" dirty="0">
+                <a:latin typeface="微軟正黑體" panose="020B0604030504040204" pitchFamily="34" charset="-120"/>
+                <a:ea typeface="微軟正黑體" panose="020B0604030504040204" pitchFamily="34" charset="-120"/>
+              </a:rPr>
+              <a:t>Credit and Debit</a:t>
+            </a:r>
+            <a:endParaRPr lang="en-US" dirty="0"/>
+          </a:p>
+        </p:txBody>
+      </p:sp>
+      <p:pic>
+        <p:nvPicPr>
+          <p:cNvPr id="5" name="內容版面配置區 4" descr="一張含有 文字, 計分板 的圖片&#10;&#10;自動產生的描述">
+            <a:extLst>
+              <a:ext uri="{FF2B5EF4-FFF2-40B4-BE49-F238E27FC236}">
+                <a16:creationId xmlns:a16="http://schemas.microsoft.com/office/drawing/2014/main" id="{25431326-7662-D0BB-CECB-AFA3C135A271}"/>
+              </a:ext>
+            </a:extLst>
+          </p:cNvPr>
+          <p:cNvPicPr>
+            <a:picLocks noGrp="1" noChangeAspect="1"/>
+          </p:cNvPicPr>
           <p:nvPr>
             <p:ph idx="1"/>
           </p:nvPr>
-        </p:nvSpPr>
+        </p:nvPicPr>
+        <p:blipFill>
+          <a:blip r:embed="rId2">
+            <a:extLst>
+              <a:ext uri="{28A0092B-C50C-407E-A947-70E740481C1C}">
+                <a14:useLocalDpi xmlns:a14="http://schemas.microsoft.com/office/drawing/2010/main" val="0"/>
+              </a:ext>
+            </a:extLst>
+          </a:blip>
+          <a:stretch>
+            <a:fillRect/>
+          </a:stretch>
+        </p:blipFill>
         <p:spPr>
           <a:xfrm>
-            <a:off x="231058" y="1378584"/>
-            <a:ext cx="11729884" cy="5225415"/>
+            <a:off x="838200" y="1773517"/>
+            <a:ext cx="10294620" cy="4719358"/>
           </a:xfrm>
         </p:spPr>
-        <p:txBody>
-          <a:bodyPr/>
-          <a:lstStyle/>
-          <a:p>
-            <a:pPr marL="0" indent="0">
-              <a:buNone/>
-            </a:pPr>
-            <a:r>
-              <a:rPr lang="en-US" altLang="zh-TW" dirty="0"/>
-              <a:t>Model </a:t>
-            </a:r>
-          </a:p>
-          <a:p>
-            <a:pPr marL="514350" indent="-514350">
-              <a:buAutoNum type="arabicPeriod"/>
-            </a:pPr>
-            <a:r>
-              <a:rPr lang="en-US" altLang="zh-TW" dirty="0"/>
-              <a:t>Random Forest(n= 100)</a:t>
-            </a:r>
-          </a:p>
-          <a:p>
-            <a:pPr marL="514350" indent="-514350">
-              <a:buAutoNum type="arabicPeriod"/>
-            </a:pPr>
-            <a:r>
-              <a:rPr lang="en-US" altLang="zh-TW" dirty="0" err="1"/>
-              <a:t>XGBoot</a:t>
-            </a:r>
-            <a:r>
-              <a:rPr lang="en-US" altLang="zh-TW" dirty="0"/>
-              <a:t> (n= 100)</a:t>
-            </a:r>
-          </a:p>
-          <a:p>
-            <a:pPr marL="0" indent="0">
-              <a:buNone/>
-            </a:pPr>
-            <a:r>
-              <a:rPr lang="zh-TW" altLang="en-US" dirty="0"/>
-              <a:t>實驗有兩種，第一個比較使用 </a:t>
-            </a:r>
-            <a:r>
-              <a:rPr lang="en-US" altLang="zh-TW" dirty="0" err="1"/>
-              <a:t>Query_strategy</a:t>
-            </a:r>
-            <a:r>
-              <a:rPr lang="en-US" altLang="zh-TW" dirty="0"/>
-              <a:t> </a:t>
-            </a:r>
-            <a:r>
-              <a:rPr lang="zh-TW" altLang="en-US" dirty="0"/>
-              <a:t>和 </a:t>
-            </a:r>
-            <a:r>
-              <a:rPr lang="en-US" altLang="zh-TW" dirty="0"/>
-              <a:t>random sampling </a:t>
-            </a:r>
-            <a:r>
-              <a:rPr lang="zh-TW" altLang="en-US" dirty="0"/>
-              <a:t>的差異</a:t>
-            </a:r>
-            <a:endParaRPr lang="en-US" altLang="zh-TW" dirty="0"/>
-          </a:p>
-          <a:p>
-            <a:pPr marL="0" indent="0">
-              <a:buNone/>
-            </a:pPr>
-            <a:r>
-              <a:rPr lang="zh-TW" altLang="en-US" dirty="0"/>
-              <a:t>第二部分比較再都使用 </a:t>
-            </a:r>
-            <a:r>
-              <a:rPr lang="en-US" altLang="zh-TW" dirty="0" err="1"/>
-              <a:t>Query_strategy</a:t>
-            </a:r>
-            <a:r>
-              <a:rPr lang="en-US" altLang="zh-TW" dirty="0"/>
-              <a:t> </a:t>
-            </a:r>
-            <a:r>
-              <a:rPr lang="zh-TW" altLang="en-US" dirty="0"/>
-              <a:t>下 </a:t>
-            </a:r>
-            <a:r>
-              <a:rPr lang="en-US" altLang="zh-TW" dirty="0"/>
-              <a:t>Random Forest </a:t>
-            </a:r>
-            <a:r>
-              <a:rPr lang="zh-TW" altLang="en-US" dirty="0"/>
-              <a:t>和 </a:t>
-            </a:r>
-            <a:r>
-              <a:rPr lang="en-US" altLang="zh-TW" dirty="0" err="1"/>
-              <a:t>XGboost</a:t>
-            </a:r>
-            <a:r>
-              <a:rPr lang="zh-TW" altLang="en-US" dirty="0"/>
-              <a:t>的差異</a:t>
-            </a:r>
-            <a:endParaRPr lang="en-US" altLang="zh-TW" dirty="0"/>
-          </a:p>
-          <a:p>
-            <a:pPr marL="0" indent="0">
-              <a:buNone/>
-            </a:pPr>
-            <a:endParaRPr lang="en-US" altLang="zh-TW" dirty="0"/>
-          </a:p>
-          <a:p>
-            <a:pPr marL="0" indent="0">
-              <a:buNone/>
-            </a:pPr>
-            <a:endParaRPr lang="en-US" altLang="zh-TW" dirty="0"/>
-          </a:p>
-        </p:txBody>
-      </p:sp>
+      </p:pic>
     </p:spTree>
     <p:extLst>
       <p:ext uri="{BB962C8B-B14F-4D97-AF65-F5344CB8AC3E}">
-        <p14:creationId xmlns:p14="http://schemas.microsoft.com/office/powerpoint/2010/main" val="3514049023"/>
+        <p14:creationId xmlns:p14="http://schemas.microsoft.com/office/powerpoint/2010/main" val="80389125"/>
       </p:ext>
     </p:extLst>
   </p:cSld>
@@ -5062,48 +4952,12 @@
           <a:chExt cx="0" cy="0"/>
         </a:xfrm>
       </p:grpSpPr>
-      <p:pic>
-        <p:nvPicPr>
-          <p:cNvPr id="9" name="圖片 8">
-            <a:extLst>
-              <a:ext uri="{FF2B5EF4-FFF2-40B4-BE49-F238E27FC236}">
-                <a16:creationId xmlns:a16="http://schemas.microsoft.com/office/drawing/2014/main" id="{0DFDFE02-6F2C-4C5B-AA35-1B69304B13FF}"/>
-              </a:ext>
-            </a:extLst>
-          </p:cNvPr>
-          <p:cNvPicPr>
-            <a:picLocks noChangeAspect="1"/>
-          </p:cNvPicPr>
-          <p:nvPr/>
-        </p:nvPicPr>
-        <p:blipFill>
-          <a:blip r:embed="rId2">
-            <a:extLst>
-              <a:ext uri="{28A0092B-C50C-407E-A947-70E740481C1C}">
-                <a14:useLocalDpi xmlns:a14="http://schemas.microsoft.com/office/drawing/2010/main" val="0"/>
-              </a:ext>
-            </a:extLst>
-          </a:blip>
-          <a:stretch>
-            <a:fillRect/>
-          </a:stretch>
-        </p:blipFill>
-        <p:spPr>
-          <a:xfrm>
-            <a:off x="3805085" y="883333"/>
-            <a:ext cx="8155857" cy="5747077"/>
-          </a:xfrm>
-          <a:prstGeom prst="rect">
-            <a:avLst/>
-          </a:prstGeom>
-        </p:spPr>
-      </p:pic>
       <p:sp>
         <p:nvSpPr>
           <p:cNvPr id="2" name="標題 1">
             <a:extLst>
               <a:ext uri="{FF2B5EF4-FFF2-40B4-BE49-F238E27FC236}">
-                <a16:creationId xmlns:a16="http://schemas.microsoft.com/office/drawing/2014/main" id="{DC83E7B5-C32D-48E8-8F92-77ABD68633FC}"/>
+                <a16:creationId xmlns:a16="http://schemas.microsoft.com/office/drawing/2014/main" id="{E4E5D37E-B87A-9D2E-557F-ADBB78E6AD26}"/>
               </a:ext>
             </a:extLst>
           </p:cNvPr>
@@ -5114,147 +4968,432 @@
             <p:ph type="title"/>
           </p:nvPr>
         </p:nvSpPr>
-        <p:spPr>
-          <a:xfrm>
-            <a:off x="147484" y="-194605"/>
-            <a:ext cx="11206316" cy="1325563"/>
-          </a:xfrm>
-        </p:spPr>
-        <p:txBody>
-          <a:bodyPr>
-            <a:normAutofit/>
-          </a:bodyPr>
-          <a:lstStyle/>
-          <a:p>
-            <a:pPr>
-              <a:lnSpc>
-                <a:spcPts val="4000"/>
-              </a:lnSpc>
-            </a:pPr>
-            <a:r>
-              <a:rPr lang="en-US" altLang="zh-TW" sz="3800" dirty="0" err="1">
+        <p:spPr/>
+        <p:txBody>
+          <a:bodyPr/>
+          <a:lstStyle/>
+          <a:p>
+            <a:r>
+              <a:rPr lang="en-US" dirty="0">
                 <a:latin typeface="微軟正黑體" panose="020B0604030504040204" pitchFamily="34" charset="-120"/>
                 <a:ea typeface="微軟正黑體" panose="020B0604030504040204" pitchFamily="34" charset="-120"/>
               </a:rPr>
-              <a:t>Query_strategy</a:t>
-            </a:r>
-            <a:r>
-              <a:rPr lang="en-US" altLang="zh-TW" sz="3800" dirty="0">
+              <a:t>Gradient </a:t>
+            </a:r>
+            <a:r>
+              <a:rPr lang="zh-TW" altLang="en-US" dirty="0">
                 <a:latin typeface="微軟正黑體" panose="020B0604030504040204" pitchFamily="34" charset="-120"/>
                 <a:ea typeface="微軟正黑體" panose="020B0604030504040204" pitchFamily="34" charset="-120"/>
               </a:rPr>
-              <a:t> </a:t>
-            </a:r>
-            <a:r>
-              <a:rPr lang="zh-TW" altLang="en-US" sz="3800" dirty="0">
-                <a:latin typeface="微軟正黑體" panose="020B0604030504040204" pitchFamily="34" charset="-120"/>
-                <a:ea typeface="微軟正黑體" panose="020B0604030504040204" pitchFamily="34" charset="-120"/>
-              </a:rPr>
-              <a:t>和 </a:t>
-            </a:r>
-            <a:r>
-              <a:rPr lang="en-US" altLang="zh-TW" sz="3800" dirty="0">
-                <a:latin typeface="微軟正黑體" panose="020B0604030504040204" pitchFamily="34" charset="-120"/>
-                <a:ea typeface="微軟正黑體" panose="020B0604030504040204" pitchFamily="34" charset="-120"/>
-              </a:rPr>
-              <a:t>random sampling </a:t>
-            </a:r>
-            <a:r>
-              <a:rPr lang="zh-TW" altLang="en-US" sz="3800" dirty="0">
-                <a:latin typeface="微軟正黑體" panose="020B0604030504040204" pitchFamily="34" charset="-120"/>
-                <a:ea typeface="微軟正黑體" panose="020B0604030504040204" pitchFamily="34" charset="-120"/>
-              </a:rPr>
-              <a:t>的比較</a:t>
-            </a:r>
-          </a:p>
-        </p:txBody>
-      </p:sp>
-      <p:sp>
-        <p:nvSpPr>
-          <p:cNvPr id="3" name="內容版面配置區 2">
-            <a:extLst>
-              <a:ext uri="{FF2B5EF4-FFF2-40B4-BE49-F238E27FC236}">
-                <a16:creationId xmlns:a16="http://schemas.microsoft.com/office/drawing/2014/main" id="{932B7922-7C76-4C5C-A2CA-CABB1CB67E87}"/>
-              </a:ext>
-            </a:extLst>
-          </p:cNvPr>
-          <p:cNvSpPr>
-            <a:spLocks noGrp="1"/>
-          </p:cNvSpPr>
-          <p:nvPr>
-            <p:ph idx="1"/>
-          </p:nvPr>
-        </p:nvSpPr>
-        <p:spPr>
-          <a:xfrm>
-            <a:off x="231058" y="749252"/>
-            <a:ext cx="11729884" cy="5225415"/>
-          </a:xfrm>
-        </p:spPr>
-        <p:txBody>
-          <a:bodyPr>
-            <a:normAutofit/>
-          </a:bodyPr>
-          <a:lstStyle/>
-          <a:p>
-            <a:pPr marL="0" indent="0">
-              <a:buNone/>
-            </a:pPr>
-            <a:r>
-              <a:rPr lang="en-US" altLang="zh-TW" sz="2400" dirty="0"/>
-              <a:t>Model : Random </a:t>
-            </a:r>
-            <a:r>
-              <a:rPr lang="en-US" altLang="zh-TW" sz="2400" dirty="0" err="1"/>
-              <a:t>Forset</a:t>
-            </a:r>
-            <a:endParaRPr lang="en-US" altLang="zh-TW" sz="2400" dirty="0"/>
-          </a:p>
-          <a:p>
-            <a:pPr marL="0" indent="0">
-              <a:buNone/>
-            </a:pPr>
-            <a:r>
-              <a:rPr lang="en-US" altLang="zh-TW" sz="2400" dirty="0"/>
-              <a:t>model0</a:t>
-            </a:r>
-            <a:r>
-              <a:rPr lang="zh-TW" altLang="en-US" sz="2400" dirty="0"/>
-              <a:t> </a:t>
-            </a:r>
-            <a:r>
-              <a:rPr lang="en-US" altLang="zh-TW" sz="2400" dirty="0"/>
-              <a:t>: </a:t>
-            </a:r>
-            <a:r>
-              <a:rPr lang="zh-TW" altLang="en-US" sz="2400" dirty="0"/>
-              <a:t>有 </a:t>
-            </a:r>
-            <a:r>
-              <a:rPr lang="en-US" altLang="zh-TW" sz="2400" dirty="0" err="1"/>
-              <a:t>query_strayegy</a:t>
-            </a:r>
-            <a:r>
-              <a:rPr lang="zh-TW" altLang="en-US" sz="2400" dirty="0"/>
-              <a:t> </a:t>
-            </a:r>
-            <a:endParaRPr lang="en-US" altLang="zh-TW" sz="2400" dirty="0"/>
-          </a:p>
-          <a:p>
-            <a:pPr marL="0" indent="0">
-              <a:buNone/>
-            </a:pPr>
-            <a:r>
-              <a:rPr lang="en-US" altLang="zh-TW" sz="2400" dirty="0"/>
-              <a:t>Model1: random sampling</a:t>
-            </a:r>
-          </a:p>
-        </p:txBody>
-      </p:sp>
+              <a:t>分子為零的可能</a:t>
+            </a:r>
+            <a:endParaRPr lang="en-US" dirty="0">
+              <a:latin typeface="微軟正黑體" panose="020B0604030504040204" pitchFamily="34" charset="-120"/>
+              <a:ea typeface="微軟正黑體" panose="020B0604030504040204" pitchFamily="34" charset="-120"/>
+            </a:endParaRPr>
+          </a:p>
+        </p:txBody>
+      </p:sp>
+      <mc:AlternateContent xmlns:mc="http://schemas.openxmlformats.org/markup-compatibility/2006" xmlns:a14="http://schemas.microsoft.com/office/drawing/2010/main">
+        <mc:Choice Requires="a14">
+          <p:sp>
+            <p:nvSpPr>
+              <p:cNvPr id="3" name="內容版面配置區 2">
+                <a:extLst>
+                  <a:ext uri="{FF2B5EF4-FFF2-40B4-BE49-F238E27FC236}">
+                    <a16:creationId xmlns:a16="http://schemas.microsoft.com/office/drawing/2014/main" id="{BF24D7FA-42E9-58BF-9C86-614227E46AC9}"/>
+                  </a:ext>
+                </a:extLst>
+              </p:cNvPr>
+              <p:cNvSpPr>
+                <a:spLocks noGrp="1"/>
+              </p:cNvSpPr>
+              <p:nvPr>
+                <p:ph idx="1"/>
+              </p:nvPr>
+            </p:nvSpPr>
+            <p:spPr>
+              <a:xfrm>
+                <a:off x="838200" y="1442720"/>
+                <a:ext cx="10515600" cy="4734243"/>
+              </a:xfrm>
+            </p:spPr>
+            <p:txBody>
+              <a:bodyPr/>
+              <a:lstStyle/>
+              <a:p>
+                <a:pPr marL="0" indent="0">
+                  <a:buNone/>
+                </a:pPr>
+                <a14:m>
+                  <m:oMathPara xmlns:m="http://schemas.openxmlformats.org/officeDocument/2006/math">
+                    <m:oMathParaPr>
+                      <m:jc m:val="centerGroup"/>
+                    </m:oMathParaPr>
+                    <m:oMath xmlns:m="http://schemas.openxmlformats.org/officeDocument/2006/math">
+                      <m:r>
+                        <m:rPr>
+                          <m:sty m:val="p"/>
+                        </m:rPr>
+                        <a:rPr lang="en-US" b="0" i="0" smtClean="0">
+                          <a:latin typeface="Cambria Math" panose="02040503050406030204" pitchFamily="18" charset="0"/>
+                        </a:rPr>
+                        <m:t>∇f</m:t>
+                      </m:r>
+                      <m:d>
+                        <m:dPr>
+                          <m:ctrlPr>
+                            <a:rPr lang="en-US" b="0" i="1" smtClean="0">
+                              <a:latin typeface="Cambria Math" panose="02040503050406030204" pitchFamily="18" charset="0"/>
+                            </a:rPr>
+                          </m:ctrlPr>
+                        </m:dPr>
+                        <m:e>
+                          <m:r>
+                            <a:rPr lang="en-US" b="0" i="1" smtClean="0">
+                              <a:latin typeface="Cambria Math" panose="02040503050406030204" pitchFamily="18" charset="0"/>
+                            </a:rPr>
+                            <m:t>𝑥</m:t>
+                          </m:r>
+                          <m:r>
+                            <a:rPr lang="en-US" b="0" i="1" smtClean="0">
+                              <a:latin typeface="Cambria Math" panose="02040503050406030204" pitchFamily="18" charset="0"/>
+                            </a:rPr>
+                            <m:t>,</m:t>
+                          </m:r>
+                          <m:r>
+                            <a:rPr lang="en-US" b="0" i="1" smtClean="0">
+                              <a:latin typeface="Cambria Math" panose="02040503050406030204" pitchFamily="18" charset="0"/>
+                            </a:rPr>
+                            <m:t>𝑦</m:t>
+                          </m:r>
+                        </m:e>
+                      </m:d>
+                      <m:r>
+                        <a:rPr lang="en-US" b="0" i="1" smtClean="0">
+                          <a:latin typeface="Cambria Math" panose="02040503050406030204" pitchFamily="18" charset="0"/>
+                        </a:rPr>
+                        <m:t>=</m:t>
+                      </m:r>
+                      <m:m>
+                        <m:mPr>
+                          <m:mcs>
+                            <m:mc>
+                              <m:mcPr>
+                                <m:count m:val="1"/>
+                                <m:mcJc m:val="center"/>
+                              </m:mcPr>
+                            </m:mc>
+                          </m:mcs>
+                          <m:ctrlPr>
+                            <a:rPr lang="en-US" b="0" i="1" smtClean="0">
+                              <a:latin typeface="Cambria Math" panose="02040503050406030204" pitchFamily="18" charset="0"/>
+                            </a:rPr>
+                          </m:ctrlPr>
+                        </m:mPr>
+                        <m:mr>
+                          <m:e>
+                            <m:f>
+                              <m:fPr>
+                                <m:ctrlPr>
+                                  <a:rPr lang="en-US" i="1">
+                                    <a:latin typeface="Cambria Math" panose="02040503050406030204" pitchFamily="18" charset="0"/>
+                                  </a:rPr>
+                                </m:ctrlPr>
+                              </m:fPr>
+                              <m:num>
+                                <m:r>
+                                  <m:rPr>
+                                    <m:sty m:val="p"/>
+                                  </m:rPr>
+                                  <a:rPr lang="en-US">
+                                    <a:latin typeface="Cambria Math" panose="02040503050406030204" pitchFamily="18" charset="0"/>
+                                  </a:rPr>
+                                  <m:t>Δ</m:t>
+                                </m:r>
+                                <m:r>
+                                  <a:rPr lang="en-US" i="1">
+                                    <a:latin typeface="Cambria Math" panose="02040503050406030204" pitchFamily="18" charset="0"/>
+                                  </a:rPr>
+                                  <m:t>𝑓</m:t>
+                                </m:r>
+                                <m:r>
+                                  <a:rPr lang="en-US" i="1">
+                                    <a:latin typeface="Cambria Math" panose="02040503050406030204" pitchFamily="18" charset="0"/>
+                                  </a:rPr>
+                                  <m:t>(</m:t>
+                                </m:r>
+                                <m:r>
+                                  <a:rPr lang="en-US" i="1">
+                                    <a:latin typeface="Cambria Math" panose="02040503050406030204" pitchFamily="18" charset="0"/>
+                                  </a:rPr>
+                                  <m:t>𝑥</m:t>
+                                </m:r>
+                                <m:r>
+                                  <a:rPr lang="en-US" i="1">
+                                    <a:latin typeface="Cambria Math" panose="02040503050406030204" pitchFamily="18" charset="0"/>
+                                  </a:rPr>
+                                  <m:t>,</m:t>
+                                </m:r>
+                                <m:r>
+                                  <a:rPr lang="en-US" i="1">
+                                    <a:latin typeface="Cambria Math" panose="02040503050406030204" pitchFamily="18" charset="0"/>
+                                  </a:rPr>
+                                  <m:t>𝑦</m:t>
+                                </m:r>
+                                <m:r>
+                                  <a:rPr lang="en-US" i="1">
+                                    <a:latin typeface="Cambria Math" panose="02040503050406030204" pitchFamily="18" charset="0"/>
+                                  </a:rPr>
+                                  <m:t>)</m:t>
+                                </m:r>
+                              </m:num>
+                              <m:den>
+                                <m:r>
+                                  <m:rPr>
+                                    <m:sty m:val="p"/>
+                                  </m:rPr>
+                                  <a:rPr lang="en-US">
+                                    <a:latin typeface="Cambria Math" panose="02040503050406030204" pitchFamily="18" charset="0"/>
+                                  </a:rPr>
+                                  <m:t>Δ</m:t>
+                                </m:r>
+                                <m:r>
+                                  <a:rPr lang="en-US" i="1">
+                                    <a:latin typeface="Cambria Math" panose="02040503050406030204" pitchFamily="18" charset="0"/>
+                                  </a:rPr>
+                                  <m:t>𝑥</m:t>
+                                </m:r>
+                              </m:den>
+                            </m:f>
+                          </m:e>
+                        </m:mr>
+                        <m:mr>
+                          <m:e>
+                            <m:f>
+                              <m:fPr>
+                                <m:ctrlPr>
+                                  <a:rPr lang="en-US" b="0" i="1" smtClean="0">
+                                    <a:latin typeface="Cambria Math" panose="02040503050406030204" pitchFamily="18" charset="0"/>
+                                  </a:rPr>
+                                </m:ctrlPr>
+                              </m:fPr>
+                              <m:num>
+                                <m:r>
+                                  <m:rPr>
+                                    <m:sty m:val="p"/>
+                                  </m:rPr>
+                                  <a:rPr lang="en-US" b="0" i="0" smtClean="0">
+                                    <a:latin typeface="Cambria Math" panose="02040503050406030204" pitchFamily="18" charset="0"/>
+                                  </a:rPr>
+                                  <m:t>Δ</m:t>
+                                </m:r>
+                                <m:r>
+                                  <a:rPr lang="en-US" b="0" i="1" smtClean="0">
+                                    <a:latin typeface="Cambria Math" panose="02040503050406030204" pitchFamily="18" charset="0"/>
+                                  </a:rPr>
+                                  <m:t>𝑓</m:t>
+                                </m:r>
+                                <m:r>
+                                  <a:rPr lang="en-US" b="0" i="1" smtClean="0">
+                                    <a:latin typeface="Cambria Math" panose="02040503050406030204" pitchFamily="18" charset="0"/>
+                                  </a:rPr>
+                                  <m:t>(</m:t>
+                                </m:r>
+                                <m:r>
+                                  <a:rPr lang="en-US" b="0" i="1" smtClean="0">
+                                    <a:latin typeface="Cambria Math" panose="02040503050406030204" pitchFamily="18" charset="0"/>
+                                  </a:rPr>
+                                  <m:t>𝑥</m:t>
+                                </m:r>
+                                <m:r>
+                                  <a:rPr lang="en-US" b="0" i="1" smtClean="0">
+                                    <a:latin typeface="Cambria Math" panose="02040503050406030204" pitchFamily="18" charset="0"/>
+                                  </a:rPr>
+                                  <m:t>,</m:t>
+                                </m:r>
+                                <m:r>
+                                  <a:rPr lang="en-US" b="0" i="1" smtClean="0">
+                                    <a:latin typeface="Cambria Math" panose="02040503050406030204" pitchFamily="18" charset="0"/>
+                                  </a:rPr>
+                                  <m:t>𝑦</m:t>
+                                </m:r>
+                                <m:r>
+                                  <a:rPr lang="en-US" b="0" i="1" smtClean="0">
+                                    <a:latin typeface="Cambria Math" panose="02040503050406030204" pitchFamily="18" charset="0"/>
+                                  </a:rPr>
+                                  <m:t>)</m:t>
+                                </m:r>
+                              </m:num>
+                              <m:den>
+                                <m:r>
+                                  <m:rPr>
+                                    <m:sty m:val="p"/>
+                                  </m:rPr>
+                                  <a:rPr lang="en-US" b="0" i="0" smtClean="0">
+                                    <a:latin typeface="Cambria Math" panose="02040503050406030204" pitchFamily="18" charset="0"/>
+                                  </a:rPr>
+                                  <m:t>Δ</m:t>
+                                </m:r>
+                                <m:r>
+                                  <a:rPr lang="en-US" b="0" i="1" smtClean="0">
+                                    <a:latin typeface="Cambria Math" panose="02040503050406030204" pitchFamily="18" charset="0"/>
+                                  </a:rPr>
+                                  <m:t>𝑦</m:t>
+                                </m:r>
+                              </m:den>
+                            </m:f>
+                          </m:e>
+                        </m:mr>
+                      </m:m>
+                    </m:oMath>
+                  </m:oMathPara>
+                </a14:m>
+                <a:endParaRPr lang="en-US" dirty="0"/>
+              </a:p>
+              <a:p>
+                <a:pPr marL="0" indent="0">
+                  <a:buNone/>
+                </a:pPr>
+                <a:endParaRPr lang="en-US" dirty="0"/>
+              </a:p>
+              <a:p>
+                <a:pPr marL="0" indent="0">
+                  <a:buNone/>
+                </a:pPr>
+                <a:r>
+                  <a:rPr lang="zh-TW" altLang="en-US" dirty="0">
+                    <a:latin typeface="Microsoft JhengHei" panose="020B0604030504040204" pitchFamily="34" charset="-120"/>
+                    <a:ea typeface="Microsoft JhengHei" panose="020B0604030504040204" pitchFamily="34" charset="-120"/>
+                  </a:rPr>
+                  <a:t>過去是分別對 </a:t>
+                </a:r>
+                <a:r>
+                  <a:rPr lang="en-US" altLang="zh-TW" dirty="0">
+                    <a:latin typeface="Microsoft JhengHei" panose="020B0604030504040204" pitchFamily="34" charset="-120"/>
+                    <a:ea typeface="Microsoft JhengHei" panose="020B0604030504040204" pitchFamily="34" charset="-120"/>
+                  </a:rPr>
+                  <a:t>x, y</a:t>
+                </a:r>
+                <a:r>
+                  <a:rPr lang="zh-TW" altLang="en-US" dirty="0">
+                    <a:latin typeface="Microsoft JhengHei" panose="020B0604030504040204" pitchFamily="34" charset="-120"/>
+                    <a:ea typeface="Microsoft JhengHei" panose="020B0604030504040204" pitchFamily="34" charset="-120"/>
+                  </a:rPr>
+                  <a:t> 找輔助點計算斜率，但這樣做可能存在沒有交易從 </a:t>
+                </a:r>
+                <a:r>
+                  <a:rPr lang="en-US" altLang="zh-TW" dirty="0">
+                    <a:latin typeface="Microsoft JhengHei" panose="020B0604030504040204" pitchFamily="34" charset="-120"/>
+                    <a:ea typeface="Microsoft JhengHei" panose="020B0604030504040204" pitchFamily="34" charset="-120"/>
+                  </a:rPr>
+                  <a:t>TO_SAM=0</a:t>
+                </a:r>
+                <a:r>
+                  <a:rPr lang="zh-TW" altLang="en-US" dirty="0">
+                    <a:latin typeface="Microsoft JhengHei" panose="020B0604030504040204" pitchFamily="34" charset="-120"/>
+                    <a:ea typeface="Microsoft JhengHei" panose="020B0604030504040204" pitchFamily="34" charset="-120"/>
+                  </a:rPr>
+                  <a:t> 移到 </a:t>
+                </a:r>
+                <a:r>
+                  <a:rPr lang="en-US" altLang="zh-TW" dirty="0">
+                    <a:latin typeface="Microsoft JhengHei" panose="020B0604030504040204" pitchFamily="34" charset="-120"/>
+                    <a:ea typeface="Microsoft JhengHei" panose="020B0604030504040204" pitchFamily="34" charset="-120"/>
+                  </a:rPr>
+                  <a:t>TO_SAM=1</a:t>
+                </a:r>
+                <a:r>
+                  <a:rPr lang="zh-TW" altLang="en-US" dirty="0">
+                    <a:latin typeface="Microsoft JhengHei" panose="020B0604030504040204" pitchFamily="34" charset="-120"/>
+                    <a:ea typeface="Microsoft JhengHei" panose="020B0604030504040204" pitchFamily="34" charset="-120"/>
+                  </a:rPr>
+                  <a:t>，或相反，使 </a:t>
+                </a:r>
+                <a:r>
+                  <a:rPr lang="en-US" altLang="zh-TW" dirty="0">
+                    <a:latin typeface="Microsoft JhengHei" panose="020B0604030504040204" pitchFamily="34" charset="-120"/>
+                    <a:ea typeface="Microsoft JhengHei" panose="020B0604030504040204" pitchFamily="34" charset="-120"/>
+                  </a:rPr>
+                  <a:t>information gain </a:t>
+                </a:r>
+                <a:r>
+                  <a:rPr lang="zh-TW" altLang="en-US" dirty="0">
+                    <a:latin typeface="Microsoft JhengHei" panose="020B0604030504040204" pitchFamily="34" charset="-120"/>
+                    <a:ea typeface="Microsoft JhengHei" panose="020B0604030504040204" pitchFamily="34" charset="-120"/>
+                  </a:rPr>
+                  <a:t>沒變，因此我們應該綜合考慮 </a:t>
+                </a:r>
+                <a:r>
+                  <a:rPr lang="en-US" altLang="zh-TW" dirty="0">
+                    <a:latin typeface="Microsoft JhengHei" panose="020B0604030504040204" pitchFamily="34" charset="-120"/>
+                    <a:ea typeface="Microsoft JhengHei" panose="020B0604030504040204" pitchFamily="34" charset="-120"/>
+                  </a:rPr>
+                  <a:t>x, y</a:t>
+                </a:r>
+                <a:r>
+                  <a:rPr lang="zh-TW" altLang="en-US" dirty="0">
+                    <a:latin typeface="Microsoft JhengHei" panose="020B0604030504040204" pitchFamily="34" charset="-120"/>
+                    <a:ea typeface="Microsoft JhengHei" panose="020B0604030504040204" pitchFamily="34" charset="-120"/>
+                  </a:rPr>
+                  <a:t>，去選擇輔助點</a:t>
+                </a:r>
+                <a:endParaRPr lang="en-US" dirty="0">
+                  <a:latin typeface="Microsoft JhengHei" panose="020B0604030504040204" pitchFamily="34" charset="-120"/>
+                  <a:ea typeface="Microsoft JhengHei" panose="020B0604030504040204" pitchFamily="34" charset="-120"/>
+                </a:endParaRPr>
+              </a:p>
+            </p:txBody>
+          </p:sp>
+        </mc:Choice>
+        <mc:Fallback xmlns="">
+          <p:sp>
+            <p:nvSpPr>
+              <p:cNvPr id="3" name="內容版面配置區 2">
+                <a:extLst>
+                  <a:ext uri="{FF2B5EF4-FFF2-40B4-BE49-F238E27FC236}">
+                    <a16:creationId xmlns:a16="http://schemas.microsoft.com/office/drawing/2014/main" id="{BF24D7FA-42E9-58BF-9C86-614227E46AC9}"/>
+                  </a:ext>
+                </a:extLst>
+              </p:cNvPr>
+              <p:cNvSpPr>
+                <a:spLocks noGrp="1" noRot="1" noChangeAspect="1" noMove="1" noResize="1" noEditPoints="1" noAdjustHandles="1" noChangeArrowheads="1" noChangeShapeType="1" noTextEdit="1"/>
+              </p:cNvSpPr>
+              <p:nvPr>
+                <p:ph idx="1"/>
+              </p:nvPr>
+            </p:nvSpPr>
+            <p:spPr>
+              <a:xfrm>
+                <a:off x="838200" y="1442720"/>
+                <a:ext cx="10515600" cy="4734243"/>
+              </a:xfrm>
+              <a:blipFill>
+                <a:blip r:embed="rId2"/>
+                <a:stretch>
+                  <a:fillRect l="-1217" t="-644" r="-638"/>
+                </a:stretch>
+              </a:blipFill>
+            </p:spPr>
+            <p:txBody>
+              <a:bodyPr/>
+              <a:lstStyle/>
+              <a:p>
+                <a:r>
+                  <a:rPr lang="en-US">
+                    <a:noFill/>
+                  </a:rPr>
+                  <a:t> </a:t>
+                </a:r>
+              </a:p>
+            </p:txBody>
+          </p:sp>
+        </mc:Fallback>
+      </mc:AlternateContent>
     </p:spTree>
     <p:extLst>
       <p:ext uri="{BB962C8B-B14F-4D97-AF65-F5344CB8AC3E}">
-        <p14:creationId xmlns:p14="http://schemas.microsoft.com/office/powerpoint/2010/main" val="842649845"/>
+        <p14:creationId xmlns:p14="http://schemas.microsoft.com/office/powerpoint/2010/main" val="274656467"/>
       </p:ext>
     </p:extLst>
   </p:cSld>
@@ -5286,7 +5425,7 @@
           <p:cNvPr id="2" name="標題 1">
             <a:extLst>
               <a:ext uri="{FF2B5EF4-FFF2-40B4-BE49-F238E27FC236}">
-                <a16:creationId xmlns:a16="http://schemas.microsoft.com/office/drawing/2014/main" id="{DC83E7B5-C32D-48E8-8F92-77ABD68633FC}"/>
+                <a16:creationId xmlns:a16="http://schemas.microsoft.com/office/drawing/2014/main" id="{1FF7759E-4B0A-B51E-E825-BE0A57285048}"/>
               </a:ext>
             </a:extLst>
           </p:cNvPr>
@@ -5297,51 +5436,29 @@
             <p:ph type="title"/>
           </p:nvPr>
         </p:nvSpPr>
-        <p:spPr>
-          <a:xfrm>
-            <a:off x="147484" y="-194605"/>
-            <a:ext cx="11206316" cy="1325563"/>
-          </a:xfrm>
-        </p:spPr>
-        <p:txBody>
-          <a:bodyPr>
-            <a:normAutofit/>
-          </a:bodyPr>
-          <a:lstStyle/>
-          <a:p>
-            <a:pPr>
-              <a:lnSpc>
-                <a:spcPts val="4000"/>
-              </a:lnSpc>
-            </a:pPr>
-            <a:r>
-              <a:rPr lang="en-US" altLang="zh-TW" sz="3800" dirty="0">
+        <p:spPr/>
+        <p:txBody>
+          <a:bodyPr/>
+          <a:lstStyle/>
+          <a:p>
+            <a:r>
+              <a:rPr lang="en-US" dirty="0">
                 <a:latin typeface="微軟正黑體" panose="020B0604030504040204" pitchFamily="34" charset="-120"/>
                 <a:ea typeface="微軟正黑體" panose="020B0604030504040204" pitchFamily="34" charset="-120"/>
               </a:rPr>
-              <a:t>Random Forest </a:t>
-            </a:r>
-            <a:r>
-              <a:rPr lang="zh-TW" altLang="en-US" sz="3800" dirty="0">
+              <a:t>Gradient </a:t>
+            </a:r>
+            <a:r>
+              <a:rPr lang="zh-TW" altLang="en-US" dirty="0">
                 <a:latin typeface="微軟正黑體" panose="020B0604030504040204" pitchFamily="34" charset="-120"/>
                 <a:ea typeface="微軟正黑體" panose="020B0604030504040204" pitchFamily="34" charset="-120"/>
               </a:rPr>
-              <a:t>和 </a:t>
-            </a:r>
-            <a:r>
-              <a:rPr lang="en-US" altLang="zh-TW" sz="3800" dirty="0" err="1">
-                <a:latin typeface="微軟正黑體" panose="020B0604030504040204" pitchFamily="34" charset="-120"/>
-                <a:ea typeface="微軟正黑體" panose="020B0604030504040204" pitchFamily="34" charset="-120"/>
-              </a:rPr>
-              <a:t>XGboost</a:t>
-            </a:r>
-            <a:r>
-              <a:rPr lang="zh-TW" altLang="en-US" sz="3800" dirty="0">
-                <a:latin typeface="微軟正黑體" panose="020B0604030504040204" pitchFamily="34" charset="-120"/>
-                <a:ea typeface="微軟正黑體" panose="020B0604030504040204" pitchFamily="34" charset="-120"/>
-              </a:rPr>
-              <a:t>的差異</a:t>
-            </a:r>
+              <a:t>分子為零的可能</a:t>
+            </a:r>
+            <a:endParaRPr lang="en-US" dirty="0">
+              <a:latin typeface="微軟正黑體" panose="020B0604030504040204" pitchFamily="34" charset="-120"/>
+              <a:ea typeface="微軟正黑體" panose="020B0604030504040204" pitchFamily="34" charset="-120"/>
+            </a:endParaRPr>
           </a:p>
         </p:txBody>
       </p:sp>
@@ -5350,7 +5467,7 @@
           <p:cNvPr id="3" name="內容版面配置區 2">
             <a:extLst>
               <a:ext uri="{FF2B5EF4-FFF2-40B4-BE49-F238E27FC236}">
-                <a16:creationId xmlns:a16="http://schemas.microsoft.com/office/drawing/2014/main" id="{932B7922-7C76-4C5C-A2CA-CABB1CB67E87}"/>
+                <a16:creationId xmlns:a16="http://schemas.microsoft.com/office/drawing/2014/main" id="{FD5CE32D-B7BD-1B39-1795-6DDEB4399F95}"/>
               </a:ext>
             </a:extLst>
           </p:cNvPr>
@@ -5363,93 +5480,49 @@
         </p:nvSpPr>
         <p:spPr>
           <a:xfrm>
-            <a:off x="231058" y="749252"/>
-            <a:ext cx="11729884" cy="5225415"/>
+            <a:off x="447040" y="1320800"/>
+            <a:ext cx="10906760" cy="4856163"/>
           </a:xfrm>
         </p:spPr>
         <p:txBody>
-          <a:bodyPr>
-            <a:normAutofit/>
-          </a:bodyPr>
+          <a:bodyPr/>
           <a:lstStyle/>
           <a:p>
             <a:pPr marL="0" indent="0">
               <a:buNone/>
             </a:pPr>
             <a:r>
-              <a:rPr lang="en-US" altLang="zh-TW" sz="2400" dirty="0"/>
-              <a:t>model0</a:t>
-            </a:r>
-            <a:r>
-              <a:rPr lang="zh-TW" altLang="en-US" sz="2400" dirty="0"/>
-              <a:t> </a:t>
-            </a:r>
-            <a:r>
-              <a:rPr lang="en-US" altLang="zh-TW" sz="2400" dirty="0"/>
-              <a:t>: Random </a:t>
-            </a:r>
-            <a:r>
-              <a:rPr lang="en-US" altLang="zh-TW" sz="2400" dirty="0" err="1"/>
-              <a:t>Forset</a:t>
-            </a:r>
-            <a:endParaRPr lang="en-US" altLang="zh-TW" sz="2400" dirty="0"/>
-          </a:p>
-          <a:p>
-            <a:pPr marL="0" indent="0">
-              <a:buNone/>
-            </a:pPr>
-            <a:r>
-              <a:rPr lang="en-US" altLang="zh-TW" sz="2400" dirty="0"/>
-              <a:t>Model1: </a:t>
-            </a:r>
-            <a:r>
-              <a:rPr lang="en-US" altLang="zh-TW" sz="2400" dirty="0" err="1"/>
-              <a:t>XGBoost</a:t>
-            </a:r>
-            <a:endParaRPr lang="en-US" altLang="zh-TW" sz="2400" dirty="0"/>
-          </a:p>
-        </p:txBody>
-      </p:sp>
-      <p:pic>
-        <p:nvPicPr>
-          <p:cNvPr id="5" name="圖片 4">
-            <a:extLst>
-              <a:ext uri="{FF2B5EF4-FFF2-40B4-BE49-F238E27FC236}">
-                <a16:creationId xmlns:a16="http://schemas.microsoft.com/office/drawing/2014/main" id="{C3152EE2-F868-4D64-A30A-4ADC28B72BAF}"/>
-              </a:ext>
-            </a:extLst>
-          </p:cNvPr>
-          <p:cNvPicPr>
-            <a:picLocks noChangeAspect="1"/>
-          </p:cNvPicPr>
-          <p:nvPr/>
-        </p:nvPicPr>
-        <p:blipFill>
-          <a:blip r:embed="rId2">
-            <a:extLst>
-              <a:ext uri="{28A0092B-C50C-407E-A947-70E740481C1C}">
-                <a14:useLocalDpi xmlns:a14="http://schemas.microsoft.com/office/drawing/2010/main" val="0"/>
-              </a:ext>
-            </a:extLst>
-          </a:blip>
-          <a:stretch>
-            <a:fillRect/>
-          </a:stretch>
-        </p:blipFill>
-        <p:spPr>
-          <a:xfrm>
-            <a:off x="3747263" y="983225"/>
-            <a:ext cx="8213679" cy="5525729"/>
-          </a:xfrm>
-          <a:prstGeom prst="rect">
-            <a:avLst/>
-          </a:prstGeom>
-        </p:spPr>
-      </p:pic>
+              <a:rPr lang="zh-TW" altLang="en-US" dirty="0">
+                <a:latin typeface="Microsoft JhengHei" panose="020B0604030504040204" pitchFamily="34" charset="-120"/>
+                <a:ea typeface="Microsoft JhengHei" panose="020B0604030504040204" pitchFamily="34" charset="-120"/>
+              </a:rPr>
+              <a:t>延續之前距離的想法，我們找輔助點應該選取距離當下點最近的交易計算斜率，確保一定有交易點改變，進而保證 </a:t>
+            </a:r>
+            <a:r>
+              <a:rPr lang="en-US" altLang="zh-TW" dirty="0">
+                <a:latin typeface="Microsoft JhengHei" panose="020B0604030504040204" pitchFamily="34" charset="-120"/>
+                <a:ea typeface="Microsoft JhengHei" panose="020B0604030504040204" pitchFamily="34" charset="-120"/>
+              </a:rPr>
+              <a:t>information gain </a:t>
+            </a:r>
+            <a:r>
+              <a:rPr lang="zh-TW" altLang="en-US" dirty="0">
+                <a:latin typeface="Microsoft JhengHei" panose="020B0604030504040204" pitchFamily="34" charset="-120"/>
+                <a:ea typeface="Microsoft JhengHei" panose="020B0604030504040204" pitchFamily="34" charset="-120"/>
+              </a:rPr>
+              <a:t>的不同</a:t>
+            </a:r>
+            <a:endParaRPr lang="en-US" altLang="zh-TW" dirty="0">
+              <a:latin typeface="Microsoft JhengHei" panose="020B0604030504040204" pitchFamily="34" charset="-120"/>
+              <a:ea typeface="Microsoft JhengHei" panose="020B0604030504040204" pitchFamily="34" charset="-120"/>
+            </a:endParaRPr>
+          </a:p>
+        </p:txBody>
+      </p:sp>
     </p:spTree>
     <p:extLst>
       <p:ext uri="{BB962C8B-B14F-4D97-AF65-F5344CB8AC3E}">
-        <p14:creationId xmlns:p14="http://schemas.microsoft.com/office/powerpoint/2010/main" val="3549876942"/>
+        <p14:creationId xmlns:p14="http://schemas.microsoft.com/office/powerpoint/2010/main" val="3935667145"/>
       </p:ext>
     </p:extLst>
   </p:cSld>
@@ -5481,7 +5554,7 @@
           <p:cNvPr id="2" name="標題 1">
             <a:extLst>
               <a:ext uri="{FF2B5EF4-FFF2-40B4-BE49-F238E27FC236}">
-                <a16:creationId xmlns:a16="http://schemas.microsoft.com/office/drawing/2014/main" id="{DC83E7B5-C32D-48E8-8F92-77ABD68633FC}"/>
+                <a16:creationId xmlns:a16="http://schemas.microsoft.com/office/drawing/2014/main" id="{AEEAD755-B8A7-49C2-3101-8F3282217D5F}"/>
               </a:ext>
             </a:extLst>
           </p:cNvPr>
@@ -5494,280 +5567,144 @@
         </p:nvSpPr>
         <p:spPr>
           <a:xfrm>
-            <a:off x="147484" y="-194605"/>
-            <a:ext cx="12044516" cy="1325563"/>
+            <a:off x="314960" y="365125"/>
+            <a:ext cx="11511280" cy="1325563"/>
           </a:xfrm>
         </p:spPr>
         <p:txBody>
-          <a:bodyPr>
-            <a:normAutofit/>
-          </a:bodyPr>
-          <a:lstStyle/>
-          <a:p>
-            <a:pPr>
-              <a:lnSpc>
-                <a:spcPts val="4000"/>
-              </a:lnSpc>
-            </a:pPr>
-            <a:r>
-              <a:rPr lang="zh-TW" altLang="en-US" sz="3800" dirty="0">
+          <a:bodyPr/>
+          <a:lstStyle/>
+          <a:p>
+            <a:r>
+              <a:rPr lang="zh-TW" altLang="en-US" dirty="0">
                 <a:latin typeface="微軟正黑體" panose="020B0604030504040204" pitchFamily="34" charset="-120"/>
                 <a:ea typeface="微軟正黑體" panose="020B0604030504040204" pitchFamily="34" charset="-120"/>
               </a:rPr>
-              <a:t>找大於</a:t>
-            </a:r>
-            <a:r>
-              <a:rPr lang="en-US" altLang="zh-TW" sz="3800" dirty="0">
+              <a:t>同時考慮 </a:t>
+            </a:r>
+            <a:r>
+              <a:rPr lang="en-US" altLang="zh-TW" dirty="0">
                 <a:latin typeface="微軟正黑體" panose="020B0604030504040204" pitchFamily="34" charset="-120"/>
                 <a:ea typeface="微軟正黑體" panose="020B0604030504040204" pitchFamily="34" charset="-120"/>
               </a:rPr>
-              <a:t>0.8</a:t>
-            </a:r>
-            <a:r>
-              <a:rPr lang="zh-TW" altLang="en-US" sz="3800" dirty="0">
+              <a:t>4</a:t>
+            </a:r>
+            <a:r>
+              <a:rPr lang="zh-TW" altLang="en-US" dirty="0">
                 <a:latin typeface="微軟正黑體" panose="020B0604030504040204" pitchFamily="34" charset="-120"/>
                 <a:ea typeface="微軟正黑體" panose="020B0604030504040204" pitchFamily="34" charset="-120"/>
               </a:rPr>
-              <a:t>的初始點</a:t>
-            </a:r>
-          </a:p>
-        </p:txBody>
-      </p:sp>
-      <p:sp>
-        <p:nvSpPr>
-          <p:cNvPr id="4" name="文字方塊 3">
-            <a:extLst>
-              <a:ext uri="{FF2B5EF4-FFF2-40B4-BE49-F238E27FC236}">
-                <a16:creationId xmlns:a16="http://schemas.microsoft.com/office/drawing/2014/main" id="{9F025F21-D3BE-42E2-AE02-2896A18E0159}"/>
-              </a:ext>
-            </a:extLst>
-          </p:cNvPr>
-          <p:cNvSpPr txBox="1"/>
-          <p:nvPr/>
+              <a:t> 個閥值</a:t>
+            </a:r>
+            <a:endParaRPr lang="en-US" dirty="0">
+              <a:latin typeface="微軟正黑體" panose="020B0604030504040204" pitchFamily="34" charset="-120"/>
+              <a:ea typeface="微軟正黑體" panose="020B0604030504040204" pitchFamily="34" charset="-120"/>
+            </a:endParaRPr>
+          </a:p>
+        </p:txBody>
+      </p:sp>
+      <p:sp>
+        <p:nvSpPr>
+          <p:cNvPr id="3" name="內容版面配置區 2">
+            <a:extLst>
+              <a:ext uri="{FF2B5EF4-FFF2-40B4-BE49-F238E27FC236}">
+                <a16:creationId xmlns:a16="http://schemas.microsoft.com/office/drawing/2014/main" id="{EA2BDD32-D309-2320-4588-0E506366B61D}"/>
+              </a:ext>
+            </a:extLst>
+          </p:cNvPr>
+          <p:cNvSpPr>
+            <a:spLocks noGrp="1"/>
+          </p:cNvSpPr>
+          <p:nvPr>
+            <p:ph idx="1"/>
+          </p:nvPr>
         </p:nvSpPr>
         <p:spPr>
           <a:xfrm>
-            <a:off x="521110" y="1130958"/>
-            <a:ext cx="4424516" cy="369332"/>
+            <a:off x="314960" y="1381760"/>
+            <a:ext cx="11511280" cy="4795203"/>
           </a:xfrm>
-          <a:prstGeom prst="rect">
-            <a:avLst/>
-          </a:prstGeom>
-          <a:noFill/>
         </p:spPr>
         <p:txBody>
-          <a:bodyPr wrap="square" rtlCol="0">
-            <a:spAutoFit/>
-          </a:bodyPr>
-          <a:lstStyle/>
-          <a:p>
+          <a:bodyPr/>
+          <a:lstStyle/>
+          <a:p>
+            <a:pPr marL="0" indent="0">
+              <a:buNone/>
+            </a:pPr>
+            <a:r>
+              <a:rPr lang="en-US" dirty="0"/>
+              <a:t>Feature = [</a:t>
+            </a:r>
+            <a:r>
+              <a:rPr lang="en-US" dirty="0" err="1"/>
+              <a:t>Credit_Amt</a:t>
+            </a:r>
+            <a:r>
+              <a:rPr lang="en-US" dirty="0"/>
+              <a:t>, </a:t>
+            </a:r>
+            <a:r>
+              <a:rPr lang="en-US" dirty="0" err="1"/>
+              <a:t>number_of_Credit</a:t>
+            </a:r>
+            <a:r>
+              <a:rPr lang="en-US" dirty="0"/>
+              <a:t>, </a:t>
+            </a:r>
+            <a:r>
+              <a:rPr lang="en-US" dirty="0" err="1"/>
+              <a:t>Debit_Amt</a:t>
+            </a:r>
+            <a:r>
+              <a:rPr lang="en-US" dirty="0"/>
+              <a:t>, </a:t>
+            </a:r>
+            <a:r>
+              <a:rPr lang="en-US" dirty="0" err="1"/>
+              <a:t>number_of_Debit</a:t>
+            </a:r>
+            <a:r>
+              <a:rPr lang="en-US" dirty="0"/>
+              <a:t>]</a:t>
+            </a:r>
+          </a:p>
+          <a:p>
+            <a:pPr marL="0" indent="0">
+              <a:buNone/>
+            </a:pPr>
+            <a:r>
+              <a:rPr lang="en-US" dirty="0" err="1"/>
+              <a:t>Initial_point</a:t>
+            </a:r>
+            <a:r>
+              <a:rPr lang="en-US" dirty="0"/>
+              <a:t> = [0, 0, 2462.0, 0]</a:t>
+            </a:r>
+            <a:r>
+              <a:rPr lang="zh-TW" altLang="en-US" dirty="0"/>
+              <a:t>，</a:t>
+            </a:r>
+            <a:r>
+              <a:rPr lang="en-US" altLang="zh-TW" dirty="0"/>
+              <a:t>recall = </a:t>
+            </a:r>
+            <a:r>
+              <a:rPr lang="en-US" dirty="0"/>
+              <a:t>0.812734, filter rate = 0.362063</a:t>
+            </a:r>
+          </a:p>
+          <a:p>
+            <a:pPr marL="0" indent="0">
+              <a:buNone/>
+            </a:pPr>
+            <a:r>
+              <a:rPr lang="zh-TW" altLang="en-US" dirty="0"/>
+              <a:t>這裡為了配合之後的 </a:t>
+            </a:r>
             <a:r>
               <a:rPr lang="en-US" altLang="zh-TW" dirty="0" err="1"/>
-              <a:t>Credit_Amt</a:t>
-            </a:r>
-            <a:r>
-              <a:rPr lang="en-US" altLang="zh-TW" dirty="0"/>
-              <a:t> and </a:t>
-            </a:r>
-            <a:r>
-              <a:rPr lang="en-US" altLang="zh-TW" dirty="0" err="1"/>
-              <a:t>number_of_Credit</a:t>
-            </a:r>
-            <a:endParaRPr lang="zh-TW" altLang="en-US" dirty="0"/>
-          </a:p>
-        </p:txBody>
-      </p:sp>
-      <p:sp>
-        <p:nvSpPr>
-          <p:cNvPr id="6" name="文字方塊 5">
-            <a:extLst>
-              <a:ext uri="{FF2B5EF4-FFF2-40B4-BE49-F238E27FC236}">
-                <a16:creationId xmlns:a16="http://schemas.microsoft.com/office/drawing/2014/main" id="{6AA3D07B-100A-4FF0-98CC-5DAE7134691B}"/>
-              </a:ext>
-            </a:extLst>
-          </p:cNvPr>
-          <p:cNvSpPr txBox="1"/>
-          <p:nvPr/>
-        </p:nvSpPr>
-        <p:spPr>
-          <a:xfrm>
-            <a:off x="6710517" y="1130958"/>
-            <a:ext cx="4424516" cy="369332"/>
-          </a:xfrm>
-          <a:prstGeom prst="rect">
-            <a:avLst/>
-          </a:prstGeom>
-          <a:noFill/>
-        </p:spPr>
-        <p:txBody>
-          <a:bodyPr wrap="square" rtlCol="0">
-            <a:spAutoFit/>
-          </a:bodyPr>
-          <a:lstStyle/>
-          <a:p>
-            <a:r>
-              <a:rPr lang="en-US" altLang="zh-TW" dirty="0" err="1"/>
-              <a:t>Debit_Amt</a:t>
-            </a:r>
-            <a:r>
-              <a:rPr lang="en-US" altLang="zh-TW" dirty="0"/>
-              <a:t> and </a:t>
-            </a:r>
-            <a:r>
-              <a:rPr lang="en-US" altLang="zh-TW" dirty="0" err="1"/>
-              <a:t>number_of_Debit</a:t>
-            </a:r>
-            <a:endParaRPr lang="zh-TW" altLang="en-US" dirty="0"/>
-          </a:p>
-        </p:txBody>
-      </p:sp>
-      <p:pic>
-        <p:nvPicPr>
-          <p:cNvPr id="8" name="圖片 7">
-            <a:extLst>
-              <a:ext uri="{FF2B5EF4-FFF2-40B4-BE49-F238E27FC236}">
-                <a16:creationId xmlns:a16="http://schemas.microsoft.com/office/drawing/2014/main" id="{7D6E2D5E-6F33-4116-B1FD-6C1839D436FD}"/>
-              </a:ext>
-            </a:extLst>
-          </p:cNvPr>
-          <p:cNvPicPr>
-            <a:picLocks noChangeAspect="1"/>
-          </p:cNvPicPr>
-          <p:nvPr/>
-        </p:nvPicPr>
-        <p:blipFill>
-          <a:blip r:embed="rId2">
-            <a:extLst>
-              <a:ext uri="{28A0092B-C50C-407E-A947-70E740481C1C}">
-                <a14:useLocalDpi xmlns:a14="http://schemas.microsoft.com/office/drawing/2010/main" val="0"/>
-              </a:ext>
-            </a:extLst>
-          </a:blip>
-          <a:stretch>
-            <a:fillRect/>
-          </a:stretch>
-        </p:blipFill>
-        <p:spPr>
-          <a:xfrm>
-            <a:off x="147484" y="1718935"/>
-            <a:ext cx="5499112" cy="2213836"/>
-          </a:xfrm>
-          <a:prstGeom prst="rect">
-            <a:avLst/>
-          </a:prstGeom>
-        </p:spPr>
-      </p:pic>
-      <p:pic>
-        <p:nvPicPr>
-          <p:cNvPr id="10" name="圖片 9">
-            <a:extLst>
-              <a:ext uri="{FF2B5EF4-FFF2-40B4-BE49-F238E27FC236}">
-                <a16:creationId xmlns:a16="http://schemas.microsoft.com/office/drawing/2014/main" id="{43B06090-2FE3-4B9C-A93E-38014C3B2BCC}"/>
-              </a:ext>
-            </a:extLst>
-          </p:cNvPr>
-          <p:cNvPicPr>
-            <a:picLocks noChangeAspect="1"/>
-          </p:cNvPicPr>
-          <p:nvPr/>
-        </p:nvPicPr>
-        <p:blipFill>
-          <a:blip r:embed="rId3">
-            <a:extLst>
-              <a:ext uri="{28A0092B-C50C-407E-A947-70E740481C1C}">
-                <a14:useLocalDpi xmlns:a14="http://schemas.microsoft.com/office/drawing/2010/main" val="0"/>
-              </a:ext>
-            </a:extLst>
-          </a:blip>
-          <a:stretch>
-            <a:fillRect/>
-          </a:stretch>
-        </p:blipFill>
-        <p:spPr>
-          <a:xfrm>
-            <a:off x="6396526" y="1682754"/>
-            <a:ext cx="5052498" cy="2286198"/>
-          </a:xfrm>
-          <a:prstGeom prst="rect">
-            <a:avLst/>
-          </a:prstGeom>
-        </p:spPr>
-      </p:pic>
-      <p:pic>
-        <p:nvPicPr>
-          <p:cNvPr id="12" name="圖片 11">
-            <a:extLst>
-              <a:ext uri="{FF2B5EF4-FFF2-40B4-BE49-F238E27FC236}">
-                <a16:creationId xmlns:a16="http://schemas.microsoft.com/office/drawing/2014/main" id="{916FACF1-0294-424C-9841-63633476ECCC}"/>
-              </a:ext>
-            </a:extLst>
-          </p:cNvPr>
-          <p:cNvPicPr>
-            <a:picLocks noChangeAspect="1"/>
-          </p:cNvPicPr>
-          <p:nvPr/>
-        </p:nvPicPr>
-        <p:blipFill>
-          <a:blip r:embed="rId4">
-            <a:extLst>
-              <a:ext uri="{28A0092B-C50C-407E-A947-70E740481C1C}">
-                <a14:useLocalDpi xmlns:a14="http://schemas.microsoft.com/office/drawing/2010/main" val="0"/>
-              </a:ext>
-            </a:extLst>
-          </a:blip>
-          <a:stretch>
-            <a:fillRect/>
-          </a:stretch>
-        </p:blipFill>
-        <p:spPr>
-          <a:xfrm>
-            <a:off x="4466200" y="4028578"/>
-            <a:ext cx="6790666" cy="2670403"/>
-          </a:xfrm>
-          <a:prstGeom prst="rect">
-            <a:avLst/>
-          </a:prstGeom>
-        </p:spPr>
-      </p:pic>
-      <p:sp>
-        <p:nvSpPr>
-          <p:cNvPr id="13" name="文字方塊 12">
-            <a:extLst>
-              <a:ext uri="{FF2B5EF4-FFF2-40B4-BE49-F238E27FC236}">
-                <a16:creationId xmlns:a16="http://schemas.microsoft.com/office/drawing/2014/main" id="{639535D6-3BC3-47E6-B488-14C3F1937241}"/>
-              </a:ext>
-            </a:extLst>
-          </p:cNvPr>
-          <p:cNvSpPr txBox="1"/>
-          <p:nvPr/>
-        </p:nvSpPr>
-        <p:spPr>
-          <a:xfrm>
-            <a:off x="281659" y="5087119"/>
-            <a:ext cx="4424516" cy="923330"/>
-          </a:xfrm>
-          <a:prstGeom prst="rect">
-            <a:avLst/>
-          </a:prstGeom>
-          <a:noFill/>
-        </p:spPr>
-        <p:txBody>
-          <a:bodyPr wrap="square" rtlCol="0">
-            <a:spAutoFit/>
-          </a:bodyPr>
-          <a:lstStyle/>
-          <a:p>
-            <a:r>
-              <a:rPr lang="en-US" altLang="zh-TW" dirty="0" err="1"/>
-              <a:t>Credit_Amt</a:t>
-            </a:r>
-            <a:r>
-              <a:rPr lang="en-US" altLang="zh-TW" dirty="0"/>
-              <a:t> and </a:t>
-            </a:r>
-            <a:r>
-              <a:rPr lang="en-US" altLang="zh-TW" dirty="0" err="1"/>
-              <a:t>number_of_Credit</a:t>
+              <a:t>Adagrad</a:t>
             </a:r>
             <a:r>
               <a:rPr lang="en-US" altLang="zh-TW" dirty="0"/>
@@ -5775,34 +5712,40 @@
             </a:r>
             <a:r>
               <a:rPr lang="zh-TW" altLang="en-US" dirty="0"/>
-              <a:t>和</a:t>
-            </a:r>
-            <a:endParaRPr lang="en-US" altLang="zh-TW" dirty="0"/>
-          </a:p>
-          <a:p>
-            <a:r>
-              <a:rPr lang="en-US" altLang="zh-TW" dirty="0" err="1"/>
-              <a:t>Debit_Amt</a:t>
+              <a:t>或 </a:t>
             </a:r>
             <a:r>
               <a:rPr lang="en-US" altLang="zh-TW" dirty="0"/>
-              <a:t> and </a:t>
-            </a:r>
-            <a:r>
-              <a:rPr lang="en-US" altLang="zh-TW" dirty="0" err="1"/>
-              <a:t>number_of_Debit</a:t>
-            </a:r>
-            <a:endParaRPr lang="zh-TW" altLang="en-US" dirty="0"/>
-          </a:p>
-          <a:p>
-            <a:endParaRPr lang="zh-TW" altLang="en-US" dirty="0"/>
+              <a:t>Adam </a:t>
+            </a:r>
+            <a:r>
+              <a:rPr lang="zh-TW" altLang="en-US" dirty="0"/>
+              <a:t>，所以只使用 </a:t>
+            </a:r>
+            <a:r>
+              <a:rPr lang="en-US" altLang="zh-TW" dirty="0"/>
+              <a:t>gradient descent(</a:t>
+            </a:r>
+            <a:r>
+              <a:rPr lang="zh-TW" altLang="en-US" dirty="0"/>
+              <a:t>沒有 </a:t>
+            </a:r>
+            <a:r>
+              <a:rPr lang="en-US" altLang="zh-TW" dirty="0"/>
+              <a:t>hessian matrix)</a:t>
+            </a:r>
+            <a:r>
+              <a:rPr lang="zh-TW" altLang="en-US" dirty="0"/>
+              <a:t>，也沒有約束條件</a:t>
+            </a:r>
+            <a:endParaRPr lang="en-US" dirty="0"/>
           </a:p>
         </p:txBody>
       </p:sp>
     </p:spTree>
     <p:extLst>
       <p:ext uri="{BB962C8B-B14F-4D97-AF65-F5344CB8AC3E}">
-        <p14:creationId xmlns:p14="http://schemas.microsoft.com/office/powerpoint/2010/main" val="3966077987"/>
+        <p14:creationId xmlns:p14="http://schemas.microsoft.com/office/powerpoint/2010/main" val="99852391"/>
       </p:ext>
     </p:extLst>
   </p:cSld>
@@ -5834,7 +5777,7 @@
           <p:cNvPr id="2" name="標題 1">
             <a:extLst>
               <a:ext uri="{FF2B5EF4-FFF2-40B4-BE49-F238E27FC236}">
-                <a16:creationId xmlns:a16="http://schemas.microsoft.com/office/drawing/2014/main" id="{DC83E7B5-C32D-48E8-8F92-77ABD68633FC}"/>
+                <a16:creationId xmlns:a16="http://schemas.microsoft.com/office/drawing/2014/main" id="{AEEAD755-B8A7-49C2-3101-8F3282217D5F}"/>
               </a:ext>
             </a:extLst>
           </p:cNvPr>
@@ -5847,350 +5790,221 @@
         </p:nvSpPr>
         <p:spPr>
           <a:xfrm>
-            <a:off x="147484" y="-194605"/>
-            <a:ext cx="12044516" cy="1325563"/>
+            <a:off x="200511" y="0"/>
+            <a:ext cx="11511280" cy="1325563"/>
           </a:xfrm>
         </p:spPr>
         <p:txBody>
-          <a:bodyPr>
-            <a:normAutofit/>
-          </a:bodyPr>
-          <a:lstStyle/>
-          <a:p>
-            <a:pPr>
-              <a:lnSpc>
-                <a:spcPts val="4000"/>
-              </a:lnSpc>
-            </a:pPr>
-            <a:r>
-              <a:rPr lang="en-US" altLang="zh-TW" sz="3800" dirty="0">
+          <a:bodyPr/>
+          <a:lstStyle/>
+          <a:p>
+            <a:r>
+              <a:rPr lang="zh-TW" altLang="en-US" dirty="0">
                 <a:latin typeface="微軟正黑體" panose="020B0604030504040204" pitchFamily="34" charset="-120"/>
                 <a:ea typeface="微軟正黑體" panose="020B0604030504040204" pitchFamily="34" charset="-120"/>
               </a:rPr>
-              <a:t>Normalization</a:t>
-            </a:r>
-            <a:endParaRPr lang="zh-TW" altLang="en-US" sz="3800" dirty="0">
+              <a:t>同時考慮 </a:t>
+            </a:r>
+            <a:r>
+              <a:rPr lang="en-US" altLang="zh-TW" dirty="0">
+                <a:latin typeface="微軟正黑體" panose="020B0604030504040204" pitchFamily="34" charset="-120"/>
+                <a:ea typeface="微軟正黑體" panose="020B0604030504040204" pitchFamily="34" charset="-120"/>
+              </a:rPr>
+              <a:t>4</a:t>
+            </a:r>
+            <a:r>
+              <a:rPr lang="zh-TW" altLang="en-US" dirty="0">
+                <a:latin typeface="微軟正黑體" panose="020B0604030504040204" pitchFamily="34" charset="-120"/>
+                <a:ea typeface="微軟正黑體" panose="020B0604030504040204" pitchFamily="34" charset="-120"/>
+              </a:rPr>
+              <a:t> 個閥值</a:t>
+            </a:r>
+            <a:endParaRPr lang="en-US" dirty="0">
               <a:latin typeface="微軟正黑體" panose="020B0604030504040204" pitchFamily="34" charset="-120"/>
               <a:ea typeface="微軟正黑體" panose="020B0604030504040204" pitchFamily="34" charset="-120"/>
             </a:endParaRPr>
           </a:p>
         </p:txBody>
       </p:sp>
-      <mc:AlternateContent xmlns:mc="http://schemas.openxmlformats.org/markup-compatibility/2006" xmlns:a14="http://schemas.microsoft.com/office/drawing/2010/main">
-        <mc:Choice Requires="a14">
-          <p:sp>
-            <p:nvSpPr>
-              <p:cNvPr id="3" name="文字方塊 2">
-                <a:extLst>
-                  <a:ext uri="{FF2B5EF4-FFF2-40B4-BE49-F238E27FC236}">
-                    <a16:creationId xmlns:a16="http://schemas.microsoft.com/office/drawing/2014/main" id="{D44A0D35-992F-44DF-A322-AF3B68A288F5}"/>
-                  </a:ext>
-                </a:extLst>
-              </p:cNvPr>
-              <p:cNvSpPr txBox="1"/>
-              <p:nvPr/>
-            </p:nvSpPr>
-            <p:spPr>
-              <a:xfrm>
-                <a:off x="344129" y="786581"/>
-                <a:ext cx="11238271" cy="6061211"/>
-              </a:xfrm>
-              <a:prstGeom prst="rect">
-                <a:avLst/>
-              </a:prstGeom>
-              <a:noFill/>
-            </p:spPr>
-            <p:txBody>
-              <a:bodyPr wrap="square" rtlCol="0">
-                <a:spAutoFit/>
-              </a:bodyPr>
-              <a:lstStyle/>
-              <a:p>
-                <a:r>
-                  <a:rPr lang="zh-TW" altLang="en-US" sz="2800" dirty="0"/>
-                  <a:t>分別對 </a:t>
-                </a:r>
-                <a:r>
-                  <a:rPr lang="en-US" altLang="zh-TW" sz="2800" dirty="0" err="1"/>
-                  <a:t>number_of_Credit</a:t>
-                </a:r>
-                <a:r>
-                  <a:rPr lang="en-US" altLang="zh-TW" sz="2800" dirty="0"/>
-                  <a:t> </a:t>
-                </a:r>
-                <a:r>
-                  <a:rPr lang="zh-TW" altLang="en-US" sz="2800" dirty="0"/>
-                  <a:t>和 </a:t>
-                </a:r>
-                <a:r>
-                  <a:rPr lang="en-US" altLang="zh-TW" sz="2800" dirty="0" err="1"/>
-                  <a:t>Credit_Amt</a:t>
-                </a:r>
-                <a:r>
-                  <a:rPr lang="en-US" altLang="zh-TW" sz="2800" dirty="0"/>
-                  <a:t> </a:t>
-                </a:r>
-                <a:r>
-                  <a:rPr lang="zh-TW" altLang="en-US" sz="2800" dirty="0"/>
-                  <a:t>做 </a:t>
-                </a:r>
-                <a:r>
-                  <a:rPr lang="en-US" altLang="zh-TW" sz="2800" dirty="0"/>
-                  <a:t>normalization</a:t>
-                </a:r>
-              </a:p>
-              <a:p>
-                <a:pPr/>
-                <a14:m>
-                  <m:oMathPara xmlns:m="http://schemas.openxmlformats.org/officeDocument/2006/math">
-                    <m:oMathParaPr>
-                      <m:jc m:val="centerGroup"/>
-                    </m:oMathParaPr>
-                    <m:oMath xmlns:m="http://schemas.openxmlformats.org/officeDocument/2006/math">
-                      <m:f>
-                        <m:fPr>
-                          <m:ctrlPr>
-                            <a:rPr lang="en-US" altLang="zh-TW" b="0" i="1" smtClean="0">
-                              <a:latin typeface="Cambria Math" panose="02040503050406030204" pitchFamily="18" charset="0"/>
-                            </a:rPr>
-                          </m:ctrlPr>
-                        </m:fPr>
-                        <m:num>
-                          <m:r>
-                            <a:rPr lang="en-US" altLang="zh-TW" b="0" i="1" smtClean="0">
-                              <a:latin typeface="Cambria Math" panose="02040503050406030204" pitchFamily="18" charset="0"/>
-                            </a:rPr>
-                            <m:t>𝑥</m:t>
-                          </m:r>
-                          <m:r>
-                            <a:rPr lang="en-US" altLang="zh-TW" b="0" i="1" smtClean="0">
-                              <a:latin typeface="Cambria Math" panose="02040503050406030204" pitchFamily="18" charset="0"/>
-                            </a:rPr>
-                            <m:t>−</m:t>
-                          </m:r>
-                          <m:sSub>
-                            <m:sSubPr>
-                              <m:ctrlPr>
-                                <a:rPr lang="en-US" altLang="zh-TW" b="0" i="1" smtClean="0">
-                                  <a:latin typeface="Cambria Math" panose="02040503050406030204" pitchFamily="18" charset="0"/>
-                                </a:rPr>
-                              </m:ctrlPr>
-                            </m:sSubPr>
-                            <m:e>
-                              <m:r>
-                                <a:rPr lang="en-US" altLang="zh-TW" b="0" i="1" smtClean="0">
-                                  <a:latin typeface="Cambria Math" panose="02040503050406030204" pitchFamily="18" charset="0"/>
-                                </a:rPr>
-                                <m:t>𝑥</m:t>
-                              </m:r>
-                            </m:e>
-                            <m:sub>
-                              <m:r>
-                                <a:rPr lang="en-US" altLang="zh-TW" b="0" i="1" smtClean="0">
-                                  <a:latin typeface="Cambria Math" panose="02040503050406030204" pitchFamily="18" charset="0"/>
-                                </a:rPr>
-                                <m:t>𝑚𝑖𝑛</m:t>
-                              </m:r>
-                            </m:sub>
-                          </m:sSub>
-                        </m:num>
-                        <m:den>
-                          <m:sSub>
-                            <m:sSubPr>
-                              <m:ctrlPr>
-                                <a:rPr lang="en-US" altLang="zh-TW" b="0" i="1" smtClean="0">
-                                  <a:latin typeface="Cambria Math" panose="02040503050406030204" pitchFamily="18" charset="0"/>
-                                </a:rPr>
-                              </m:ctrlPr>
-                            </m:sSubPr>
-                            <m:e>
-                              <m:r>
-                                <a:rPr lang="en-US" altLang="zh-TW" b="0" i="1" smtClean="0">
-                                  <a:latin typeface="Cambria Math" panose="02040503050406030204" pitchFamily="18" charset="0"/>
-                                </a:rPr>
-                                <m:t>𝑥</m:t>
-                              </m:r>
-                            </m:e>
-                            <m:sub>
-                              <m:r>
-                                <a:rPr lang="en-US" altLang="zh-TW" b="0" i="1" smtClean="0">
-                                  <a:latin typeface="Cambria Math" panose="02040503050406030204" pitchFamily="18" charset="0"/>
-                                </a:rPr>
-                                <m:t>𝑚𝑎𝑥</m:t>
-                              </m:r>
-                            </m:sub>
-                          </m:sSub>
-                          <m:r>
-                            <a:rPr lang="en-US" altLang="zh-TW" b="0" i="1" smtClean="0">
-                              <a:latin typeface="Cambria Math" panose="02040503050406030204" pitchFamily="18" charset="0"/>
-                            </a:rPr>
-                            <m:t>−</m:t>
-                          </m:r>
-                          <m:sSub>
-                            <m:sSubPr>
-                              <m:ctrlPr>
-                                <a:rPr lang="en-US" altLang="zh-TW" b="0" i="1" smtClean="0">
-                                  <a:latin typeface="Cambria Math" panose="02040503050406030204" pitchFamily="18" charset="0"/>
-                                </a:rPr>
-                              </m:ctrlPr>
-                            </m:sSubPr>
-                            <m:e>
-                              <m:r>
-                                <a:rPr lang="en-US" altLang="zh-TW" b="0" i="1" smtClean="0">
-                                  <a:latin typeface="Cambria Math" panose="02040503050406030204" pitchFamily="18" charset="0"/>
-                                </a:rPr>
-                                <m:t>𝑥</m:t>
-                              </m:r>
-                            </m:e>
-                            <m:sub>
-                              <m:r>
-                                <a:rPr lang="en-US" altLang="zh-TW" b="0" i="1" smtClean="0">
-                                  <a:latin typeface="Cambria Math" panose="02040503050406030204" pitchFamily="18" charset="0"/>
-                                </a:rPr>
-                                <m:t>𝑚𝑖𝑛</m:t>
-                              </m:r>
-                            </m:sub>
-                          </m:sSub>
-                        </m:den>
-                      </m:f>
-                    </m:oMath>
-                  </m:oMathPara>
-                </a14:m>
-                <a:endParaRPr lang="en-US" altLang="zh-TW" dirty="0"/>
-              </a:p>
-              <a:p>
-                <a:endParaRPr lang="en-US" altLang="zh-TW" dirty="0"/>
-              </a:p>
-              <a:p>
-                <a:r>
-                  <a:rPr lang="en-US" altLang="zh-TW" sz="2800" dirty="0" err="1"/>
-                  <a:t>step_size</a:t>
-                </a:r>
-                <a:r>
-                  <a:rPr lang="en-US" altLang="zh-TW" sz="2800" dirty="0"/>
-                  <a:t> = 0.001, </a:t>
-                </a:r>
-                <a:r>
-                  <a:rPr lang="en-US" altLang="zh-TW" sz="2800" dirty="0" err="1"/>
-                  <a:t>sigmoid_b</a:t>
-                </a:r>
-                <a:r>
-                  <a:rPr lang="en-US" altLang="zh-TW" sz="2800" dirty="0"/>
-                  <a:t> = 0.8, </a:t>
-                </a:r>
-                <a:r>
-                  <a:rPr lang="en-US" altLang="zh-TW" sz="2800" dirty="0" err="1"/>
-                  <a:t>sigmoid_w</a:t>
-                </a:r>
-                <a:r>
-                  <a:rPr lang="en-US" altLang="zh-TW" sz="2800" dirty="0"/>
-                  <a:t> =5</a:t>
-                </a:r>
-                <a:r>
-                  <a:rPr lang="zh-TW" altLang="en-US" sz="2800" dirty="0"/>
-                  <a:t>，初始點則用前面找到的點做 </a:t>
-                </a:r>
-                <a:r>
-                  <a:rPr lang="en-US" altLang="zh-TW" sz="2800" dirty="0"/>
-                  <a:t>transform</a:t>
-                </a:r>
-              </a:p>
-              <a:p>
-                <a:endParaRPr lang="en-US" altLang="zh-TW" dirty="0"/>
-              </a:p>
-              <a:p>
-                <a:endParaRPr lang="en-US" altLang="zh-TW" dirty="0"/>
-              </a:p>
-              <a:p>
-                <a:endParaRPr lang="en-US" altLang="zh-TW" dirty="0"/>
-              </a:p>
-              <a:p>
-                <a:endParaRPr lang="en-US" altLang="zh-TW" dirty="0"/>
-              </a:p>
-              <a:p>
-                <a:endParaRPr lang="en-US" altLang="zh-TW" dirty="0"/>
-              </a:p>
-              <a:p>
-                <a:endParaRPr lang="en-US" altLang="zh-TW" dirty="0"/>
-              </a:p>
-              <a:p>
-                <a:endParaRPr lang="en-US" altLang="zh-TW" dirty="0"/>
-              </a:p>
-              <a:p>
-                <a:endParaRPr lang="en-US" altLang="zh-TW" dirty="0"/>
-              </a:p>
-              <a:p>
-                <a:endParaRPr lang="en-US" altLang="zh-TW" dirty="0"/>
-              </a:p>
-              <a:p>
-                <a:endParaRPr lang="en-US" altLang="zh-TW" dirty="0"/>
-              </a:p>
-              <a:p>
-                <a:endParaRPr lang="en-US" altLang="zh-TW" dirty="0"/>
-              </a:p>
-              <a:p>
-                <a:endParaRPr lang="en-US" altLang="zh-TW" dirty="0"/>
-              </a:p>
-              <a:p>
-                <a:endParaRPr lang="en-US" altLang="zh-TW" dirty="0"/>
-              </a:p>
-              <a:p>
-                <a:endParaRPr lang="en-US" altLang="zh-TW" dirty="0"/>
-              </a:p>
-            </p:txBody>
-          </p:sp>
-        </mc:Choice>
-        <mc:Fallback xmlns="">
-          <p:sp>
-            <p:nvSpPr>
-              <p:cNvPr id="3" name="文字方塊 2">
-                <a:extLst>
-                  <a:ext uri="{FF2B5EF4-FFF2-40B4-BE49-F238E27FC236}">
-                    <a16:creationId xmlns:a16="http://schemas.microsoft.com/office/drawing/2014/main" id="{D44A0D35-992F-44DF-A322-AF3B68A288F5}"/>
-                  </a:ext>
-                </a:extLst>
-              </p:cNvPr>
-              <p:cNvSpPr txBox="1">
-                <a:spLocks noRot="1" noChangeAspect="1" noMove="1" noResize="1" noEditPoints="1" noAdjustHandles="1" noChangeArrowheads="1" noChangeShapeType="1" noTextEdit="1"/>
-              </p:cNvSpPr>
-              <p:nvPr/>
-            </p:nvSpPr>
-            <p:spPr>
-              <a:xfrm>
-                <a:off x="344129" y="786581"/>
-                <a:ext cx="11238271" cy="6061211"/>
-              </a:xfrm>
-              <a:prstGeom prst="rect">
-                <a:avLst/>
-              </a:prstGeom>
-              <a:blipFill>
-                <a:blip r:embed="rId2"/>
-                <a:stretch>
-                  <a:fillRect l="-1085" t="-1107" r="-434"/>
-                </a:stretch>
-              </a:blipFill>
-            </p:spPr>
-            <p:txBody>
-              <a:bodyPr/>
-              <a:lstStyle/>
-              <a:p>
-                <a:r>
-                  <a:rPr lang="zh-TW" altLang="en-US">
-                    <a:noFill/>
-                  </a:rPr>
-                  <a:t> </a:t>
-                </a:r>
-              </a:p>
-            </p:txBody>
-          </p:sp>
-        </mc:Fallback>
-      </mc:AlternateContent>
+      <p:sp>
+        <p:nvSpPr>
+          <p:cNvPr id="3" name="內容版面配置區 2">
+            <a:extLst>
+              <a:ext uri="{FF2B5EF4-FFF2-40B4-BE49-F238E27FC236}">
+                <a16:creationId xmlns:a16="http://schemas.microsoft.com/office/drawing/2014/main" id="{EA2BDD32-D309-2320-4588-0E506366B61D}"/>
+              </a:ext>
+            </a:extLst>
+          </p:cNvPr>
+          <p:cNvSpPr>
+            <a:spLocks noGrp="1"/>
+          </p:cNvSpPr>
+          <p:nvPr>
+            <p:ph idx="1"/>
+          </p:nvPr>
+        </p:nvSpPr>
+        <p:spPr>
+          <a:xfrm>
+            <a:off x="314960" y="1031398"/>
+            <a:ext cx="11511280" cy="4795203"/>
+          </a:xfrm>
+        </p:spPr>
+        <p:txBody>
+          <a:bodyPr/>
+          <a:lstStyle/>
+          <a:p>
+            <a:pPr marL="0" indent="0">
+              <a:buNone/>
+            </a:pPr>
+            <a:r>
+              <a:rPr lang="en-US" dirty="0"/>
+              <a:t>Feature = [</a:t>
+            </a:r>
+            <a:r>
+              <a:rPr lang="en-US" dirty="0" err="1"/>
+              <a:t>Credit_Amt</a:t>
+            </a:r>
+            <a:r>
+              <a:rPr lang="en-US" dirty="0"/>
+              <a:t>, </a:t>
+            </a:r>
+            <a:r>
+              <a:rPr lang="en-US" dirty="0" err="1"/>
+              <a:t>number_of_Credit</a:t>
+            </a:r>
+            <a:r>
+              <a:rPr lang="en-US" dirty="0"/>
+              <a:t>, </a:t>
+            </a:r>
+            <a:r>
+              <a:rPr lang="en-US" dirty="0" err="1"/>
+              <a:t>Debit_Amt</a:t>
+            </a:r>
+            <a:r>
+              <a:rPr lang="en-US" dirty="0"/>
+              <a:t>, </a:t>
+            </a:r>
+            <a:r>
+              <a:rPr lang="en-US" dirty="0" err="1"/>
+              <a:t>number_of_Debit</a:t>
+            </a:r>
+            <a:r>
+              <a:rPr lang="en-US" dirty="0"/>
+              <a:t>]</a:t>
+            </a:r>
+          </a:p>
+          <a:p>
+            <a:pPr marL="0" indent="0">
+              <a:buNone/>
+            </a:pPr>
+            <a:r>
+              <a:rPr lang="en-US" dirty="0" err="1"/>
+              <a:t>Initial_point</a:t>
+            </a:r>
+            <a:r>
+              <a:rPr lang="en-US" dirty="0"/>
+              <a:t> = [0, 0, 2462.0, 0]</a:t>
+            </a:r>
+          </a:p>
+        </p:txBody>
+      </p:sp>
+      <p:grpSp>
+        <p:nvGrpSpPr>
+          <p:cNvPr id="8" name="群組 7">
+            <a:extLst>
+              <a:ext uri="{FF2B5EF4-FFF2-40B4-BE49-F238E27FC236}">
+                <a16:creationId xmlns:a16="http://schemas.microsoft.com/office/drawing/2014/main" id="{3A77AC98-7468-8436-A1BC-8465A5096551}"/>
+              </a:ext>
+            </a:extLst>
+          </p:cNvPr>
+          <p:cNvGrpSpPr/>
+          <p:nvPr/>
+        </p:nvGrpSpPr>
+        <p:grpSpPr>
+          <a:xfrm>
+            <a:off x="251311" y="2180055"/>
+            <a:ext cx="11574929" cy="1248944"/>
+            <a:chOff x="1591310" y="2781141"/>
+            <a:chExt cx="9159240" cy="998220"/>
+          </a:xfrm>
+        </p:grpSpPr>
+        <p:pic>
+          <p:nvPicPr>
+            <p:cNvPr id="5" name="圖片 4">
+              <a:extLst>
+                <a:ext uri="{FF2B5EF4-FFF2-40B4-BE49-F238E27FC236}">
+                  <a16:creationId xmlns:a16="http://schemas.microsoft.com/office/drawing/2014/main" id="{F03D22EE-9BCA-CAAB-BD43-7AAD5B9A3D24}"/>
+                </a:ext>
+              </a:extLst>
+            </p:cNvPr>
+            <p:cNvPicPr>
+              <a:picLocks noChangeAspect="1"/>
+            </p:cNvPicPr>
+            <p:nvPr/>
+          </p:nvPicPr>
+          <p:blipFill rotWithShape="1">
+            <a:blip r:embed="rId3">
+              <a:extLst>
+                <a:ext uri="{28A0092B-C50C-407E-A947-70E740481C1C}">
+                  <a14:useLocalDpi xmlns:a14="http://schemas.microsoft.com/office/drawing/2010/main" val="0"/>
+                </a:ext>
+              </a:extLst>
+            </a:blip>
+            <a:srcRect r="85671"/>
+            <a:stretch/>
+          </p:blipFill>
+          <p:spPr>
+            <a:xfrm>
+              <a:off x="1591310" y="2781141"/>
+              <a:ext cx="723900" cy="998220"/>
+            </a:xfrm>
+            <a:prstGeom prst="rect">
+              <a:avLst/>
+            </a:prstGeom>
+          </p:spPr>
+        </p:pic>
+        <p:pic>
+          <p:nvPicPr>
+            <p:cNvPr id="7" name="圖片 6">
+              <a:extLst>
+                <a:ext uri="{FF2B5EF4-FFF2-40B4-BE49-F238E27FC236}">
+                  <a16:creationId xmlns:a16="http://schemas.microsoft.com/office/drawing/2014/main" id="{7593A5B0-603B-3328-8BA4-5C2D2CEFB377}"/>
+                </a:ext>
+              </a:extLst>
+            </p:cNvPr>
+            <p:cNvPicPr>
+              <a:picLocks noChangeAspect="1"/>
+            </p:cNvPicPr>
+            <p:nvPr/>
+          </p:nvPicPr>
+          <p:blipFill>
+            <a:blip r:embed="rId4">
+              <a:extLst>
+                <a:ext uri="{28A0092B-C50C-407E-A947-70E740481C1C}">
+                  <a14:useLocalDpi xmlns:a14="http://schemas.microsoft.com/office/drawing/2010/main" val="0"/>
+                </a:ext>
+              </a:extLst>
+            </a:blip>
+            <a:stretch>
+              <a:fillRect/>
+            </a:stretch>
+          </p:blipFill>
+          <p:spPr>
+            <a:xfrm>
+              <a:off x="2315210" y="2781141"/>
+              <a:ext cx="8435340" cy="998220"/>
+            </a:xfrm>
+            <a:prstGeom prst="rect">
+              <a:avLst/>
+            </a:prstGeom>
+          </p:spPr>
+        </p:pic>
+      </p:grpSp>
       <p:pic>
         <p:nvPicPr>
-          <p:cNvPr id="7" name="圖片 6">
-            <a:extLst>
-              <a:ext uri="{FF2B5EF4-FFF2-40B4-BE49-F238E27FC236}">
-                <a16:creationId xmlns:a16="http://schemas.microsoft.com/office/drawing/2014/main" id="{1612C50D-9387-4B79-8982-473264F50BB1}"/>
+          <p:cNvPr id="10" name="圖片 9">
+            <a:extLst>
+              <a:ext uri="{FF2B5EF4-FFF2-40B4-BE49-F238E27FC236}">
+                <a16:creationId xmlns:a16="http://schemas.microsoft.com/office/drawing/2014/main" id="{BF370467-9906-6A40-EB46-340E7426D910}"/>
               </a:ext>
             </a:extLst>
           </p:cNvPr>
@@ -6199,21 +6013,58 @@
           </p:cNvPicPr>
           <p:nvPr/>
         </p:nvPicPr>
-        <p:blipFill rotWithShape="1">
-          <a:blip r:embed="rId3">
+        <p:blipFill>
+          <a:blip r:embed="rId5">
             <a:extLst>
               <a:ext uri="{28A0092B-C50C-407E-A947-70E740481C1C}">
                 <a14:useLocalDpi xmlns:a14="http://schemas.microsoft.com/office/drawing/2010/main" val="0"/>
               </a:ext>
             </a:extLst>
           </a:blip>
-          <a:srcRect l="4665"/>
-          <a:stretch/>
+          <a:stretch>
+            <a:fillRect/>
+          </a:stretch>
         </p:blipFill>
         <p:spPr>
           <a:xfrm>
-            <a:off x="432620" y="3429000"/>
-            <a:ext cx="10979760" cy="2374803"/>
+            <a:off x="622661" y="3553558"/>
+            <a:ext cx="5186468" cy="3127535"/>
+          </a:xfrm>
+          <a:prstGeom prst="rect">
+            <a:avLst/>
+          </a:prstGeom>
+        </p:spPr>
+      </p:pic>
+      <p:pic>
+        <p:nvPicPr>
+          <p:cNvPr id="12" name="圖片 11">
+            <a:extLst>
+              <a:ext uri="{FF2B5EF4-FFF2-40B4-BE49-F238E27FC236}">
+                <a16:creationId xmlns:a16="http://schemas.microsoft.com/office/drawing/2014/main" id="{AFD52AC2-A471-4536-1A18-AD62BBE1A185}"/>
+              </a:ext>
+            </a:extLst>
+          </p:cNvPr>
+          <p:cNvPicPr>
+            <a:picLocks noChangeAspect="1"/>
+          </p:cNvPicPr>
+          <p:nvPr/>
+        </p:nvPicPr>
+        <p:blipFill>
+          <a:blip r:embed="rId6">
+            <a:extLst>
+              <a:ext uri="{28A0092B-C50C-407E-A947-70E740481C1C}">
+                <a14:useLocalDpi xmlns:a14="http://schemas.microsoft.com/office/drawing/2010/main" val="0"/>
+              </a:ext>
+            </a:extLst>
+          </a:blip>
+          <a:stretch>
+            <a:fillRect/>
+          </a:stretch>
+        </p:blipFill>
+        <p:spPr>
+          <a:xfrm>
+            <a:off x="6095999" y="3460210"/>
+            <a:ext cx="5615791" cy="3325252"/>
           </a:xfrm>
           <a:prstGeom prst="rect">
             <a:avLst/>
@@ -6223,165 +6074,7 @@
     </p:spTree>
     <p:extLst>
       <p:ext uri="{BB962C8B-B14F-4D97-AF65-F5344CB8AC3E}">
-        <p14:creationId xmlns:p14="http://schemas.microsoft.com/office/powerpoint/2010/main" val="2855082483"/>
-      </p:ext>
-    </p:extLst>
-  </p:cSld>
-  <p:clrMapOvr>
-    <a:masterClrMapping/>
-  </p:clrMapOvr>
-</p:sld>
-</file>
-
-<file path=ppt/slides/slide9.xml><?xml version="1.0" encoding="utf-8"?>
-<p:sld xmlns:a="http://schemas.openxmlformats.org/drawingml/2006/main" xmlns:r="http://schemas.openxmlformats.org/officeDocument/2006/relationships" xmlns:p="http://schemas.openxmlformats.org/presentationml/2006/main">
-  <p:cSld>
-    <p:spTree>
-      <p:nvGrpSpPr>
-        <p:cNvPr id="1" name=""/>
-        <p:cNvGrpSpPr/>
-        <p:nvPr/>
-      </p:nvGrpSpPr>
-      <p:grpSpPr>
-        <a:xfrm>
-          <a:off x="0" y="0"/>
-          <a:ext cx="0" cy="0"/>
-          <a:chOff x="0" y="0"/>
-          <a:chExt cx="0" cy="0"/>
-        </a:xfrm>
-      </p:grpSpPr>
-      <p:sp>
-        <p:nvSpPr>
-          <p:cNvPr id="2" name="標題 1">
-            <a:extLst>
-              <a:ext uri="{FF2B5EF4-FFF2-40B4-BE49-F238E27FC236}">
-                <a16:creationId xmlns:a16="http://schemas.microsoft.com/office/drawing/2014/main" id="{1ABEF3F8-54A4-4A41-9A76-71B4CDF183AA}"/>
-              </a:ext>
-            </a:extLst>
-          </p:cNvPr>
-          <p:cNvSpPr>
-            <a:spLocks noGrp="1"/>
-          </p:cNvSpPr>
-          <p:nvPr>
-            <p:ph type="title"/>
-          </p:nvPr>
-        </p:nvSpPr>
-        <p:spPr>
-          <a:xfrm>
-            <a:off x="384974" y="0"/>
-            <a:ext cx="10968826" cy="1325563"/>
-          </a:xfrm>
-        </p:spPr>
-        <p:txBody>
-          <a:bodyPr>
-            <a:normAutofit/>
-          </a:bodyPr>
-          <a:lstStyle/>
-          <a:p>
-            <a:pPr>
-              <a:lnSpc>
-                <a:spcPts val="4000"/>
-              </a:lnSpc>
-            </a:pPr>
-            <a:r>
-              <a:rPr lang="en-US" altLang="zh-TW" sz="4000" dirty="0">
-                <a:latin typeface="微軟正黑體" panose="020B0604030504040204" pitchFamily="34" charset="-120"/>
-                <a:ea typeface="微軟正黑體" panose="020B0604030504040204" pitchFamily="34" charset="-120"/>
-              </a:rPr>
-              <a:t>Newton method result </a:t>
-            </a:r>
-            <a:r>
-              <a:rPr lang="en-US" altLang="zh-TW" sz="4000" dirty="0" err="1">
-                <a:latin typeface="微軟正黑體" panose="020B0604030504040204" pitchFamily="34" charset="-120"/>
-                <a:ea typeface="微軟正黑體" panose="020B0604030504040204" pitchFamily="34" charset="-120"/>
-              </a:rPr>
-              <a:t>step_size</a:t>
-            </a:r>
-            <a:r>
-              <a:rPr lang="en-US" altLang="zh-TW" sz="4000" dirty="0">
-                <a:latin typeface="微軟正黑體" panose="020B0604030504040204" pitchFamily="34" charset="-120"/>
-                <a:ea typeface="微軟正黑體" panose="020B0604030504040204" pitchFamily="34" charset="-120"/>
-              </a:rPr>
-              <a:t> = 0.001</a:t>
-            </a:r>
-          </a:p>
-        </p:txBody>
-      </p:sp>
-      <p:pic>
-        <p:nvPicPr>
-          <p:cNvPr id="7" name="內容版面配置區 6">
-            <a:extLst>
-              <a:ext uri="{FF2B5EF4-FFF2-40B4-BE49-F238E27FC236}">
-                <a16:creationId xmlns:a16="http://schemas.microsoft.com/office/drawing/2014/main" id="{5C567E26-7686-4E8F-891B-97A99345B31A}"/>
-              </a:ext>
-            </a:extLst>
-          </p:cNvPr>
-          <p:cNvPicPr>
-            <a:picLocks noGrp="1" noChangeAspect="1"/>
-          </p:cNvPicPr>
-          <p:nvPr>
-            <p:ph idx="1"/>
-          </p:nvPr>
-        </p:nvPicPr>
-        <p:blipFill>
-          <a:blip r:embed="rId3">
-            <a:extLst>
-              <a:ext uri="{28A0092B-C50C-407E-A947-70E740481C1C}">
-                <a14:useLocalDpi xmlns:a14="http://schemas.microsoft.com/office/drawing/2010/main" val="0"/>
-              </a:ext>
-            </a:extLst>
-          </a:blip>
-          <a:stretch>
-            <a:fillRect/>
-          </a:stretch>
-        </p:blipFill>
-        <p:spPr>
-          <a:xfrm>
-            <a:off x="489450" y="2180486"/>
-            <a:ext cx="4723809" cy="3326984"/>
-          </a:xfrm>
-        </p:spPr>
-      </p:pic>
-      <p:pic>
-        <p:nvPicPr>
-          <p:cNvPr id="10" name="圖片 9">
-            <a:extLst>
-              <a:ext uri="{FF2B5EF4-FFF2-40B4-BE49-F238E27FC236}">
-                <a16:creationId xmlns:a16="http://schemas.microsoft.com/office/drawing/2014/main" id="{F55888A3-4137-4957-8F32-D7808699977E}"/>
-              </a:ext>
-            </a:extLst>
-          </p:cNvPr>
-          <p:cNvPicPr>
-            <a:picLocks noChangeAspect="1"/>
-          </p:cNvPicPr>
-          <p:nvPr/>
-        </p:nvPicPr>
-        <p:blipFill>
-          <a:blip r:embed="rId4">
-            <a:extLst>
-              <a:ext uri="{28A0092B-C50C-407E-A947-70E740481C1C}">
-                <a14:useLocalDpi xmlns:a14="http://schemas.microsoft.com/office/drawing/2010/main" val="0"/>
-              </a:ext>
-            </a:extLst>
-          </a:blip>
-          <a:stretch>
-            <a:fillRect/>
-          </a:stretch>
-        </p:blipFill>
-        <p:spPr>
-          <a:xfrm>
-            <a:off x="5869387" y="1867532"/>
-            <a:ext cx="5384127" cy="3555555"/>
-          </a:xfrm>
-          <a:prstGeom prst="rect">
-            <a:avLst/>
-          </a:prstGeom>
-        </p:spPr>
-      </p:pic>
-    </p:spTree>
-    <p:extLst>
-      <p:ext uri="{BB962C8B-B14F-4D97-AF65-F5344CB8AC3E}">
-        <p14:creationId xmlns:p14="http://schemas.microsoft.com/office/powerpoint/2010/main" val="631341187"/>
+        <p14:creationId xmlns:p14="http://schemas.microsoft.com/office/powerpoint/2010/main" val="3174559624"/>
       </p:ext>
     </p:extLst>
   </p:cSld>

--- a/ppt/20221208.pptx
+++ b/ppt/20221208.pptx
@@ -215,7 +215,7 @@
           <a:p>
             <a:fld id="{2AB1D983-CE9B-4B3A-A34B-F6DCA6FD30F0}" type="datetimeFigureOut">
               <a:rPr lang="en-US" smtClean="0"/>
-              <a:t>12/8/2022</a:t>
+              <a:t>12/9/2022</a:t>
             </a:fld>
             <a:endParaRPr lang="en-US"/>
           </a:p>
@@ -1081,7 +1081,7 @@
           <a:p>
             <a:fld id="{2E449354-5907-40C9-91E4-4ECB16F709B1}" type="datetimeFigureOut">
               <a:rPr lang="en-US" smtClean="0"/>
-              <a:t>12/8/2022</a:t>
+              <a:t>12/9/2022</a:t>
             </a:fld>
             <a:endParaRPr lang="en-US"/>
           </a:p>
@@ -1281,7 +1281,7 @@
           <a:p>
             <a:fld id="{2E449354-5907-40C9-91E4-4ECB16F709B1}" type="datetimeFigureOut">
               <a:rPr lang="en-US" smtClean="0"/>
-              <a:t>12/8/2022</a:t>
+              <a:t>12/9/2022</a:t>
             </a:fld>
             <a:endParaRPr lang="en-US"/>
           </a:p>
@@ -1491,7 +1491,7 @@
           <a:p>
             <a:fld id="{2E449354-5907-40C9-91E4-4ECB16F709B1}" type="datetimeFigureOut">
               <a:rPr lang="en-US" smtClean="0"/>
-              <a:t>12/8/2022</a:t>
+              <a:t>12/9/2022</a:t>
             </a:fld>
             <a:endParaRPr lang="en-US"/>
           </a:p>
@@ -1691,7 +1691,7 @@
           <a:p>
             <a:fld id="{2E449354-5907-40C9-91E4-4ECB16F709B1}" type="datetimeFigureOut">
               <a:rPr lang="en-US" smtClean="0"/>
-              <a:t>12/8/2022</a:t>
+              <a:t>12/9/2022</a:t>
             </a:fld>
             <a:endParaRPr lang="en-US"/>
           </a:p>
@@ -1967,7 +1967,7 @@
           <a:p>
             <a:fld id="{2E449354-5907-40C9-91E4-4ECB16F709B1}" type="datetimeFigureOut">
               <a:rPr lang="en-US" smtClean="0"/>
-              <a:t>12/8/2022</a:t>
+              <a:t>12/9/2022</a:t>
             </a:fld>
             <a:endParaRPr lang="en-US"/>
           </a:p>
@@ -2235,7 +2235,7 @@
           <a:p>
             <a:fld id="{2E449354-5907-40C9-91E4-4ECB16F709B1}" type="datetimeFigureOut">
               <a:rPr lang="en-US" smtClean="0"/>
-              <a:t>12/8/2022</a:t>
+              <a:t>12/9/2022</a:t>
             </a:fld>
             <a:endParaRPr lang="en-US"/>
           </a:p>
@@ -2650,7 +2650,7 @@
           <a:p>
             <a:fld id="{2E449354-5907-40C9-91E4-4ECB16F709B1}" type="datetimeFigureOut">
               <a:rPr lang="en-US" smtClean="0"/>
-              <a:t>12/8/2022</a:t>
+              <a:t>12/9/2022</a:t>
             </a:fld>
             <a:endParaRPr lang="en-US"/>
           </a:p>
@@ -2792,7 +2792,7 @@
           <a:p>
             <a:fld id="{2E449354-5907-40C9-91E4-4ECB16F709B1}" type="datetimeFigureOut">
               <a:rPr lang="en-US" smtClean="0"/>
-              <a:t>12/8/2022</a:t>
+              <a:t>12/9/2022</a:t>
             </a:fld>
             <a:endParaRPr lang="en-US"/>
           </a:p>
@@ -2905,7 +2905,7 @@
           <a:p>
             <a:fld id="{2E449354-5907-40C9-91E4-4ECB16F709B1}" type="datetimeFigureOut">
               <a:rPr lang="en-US" smtClean="0"/>
-              <a:t>12/8/2022</a:t>
+              <a:t>12/9/2022</a:t>
             </a:fld>
             <a:endParaRPr lang="en-US"/>
           </a:p>
@@ -3218,7 +3218,7 @@
           <a:p>
             <a:fld id="{2E449354-5907-40C9-91E4-4ECB16F709B1}" type="datetimeFigureOut">
               <a:rPr lang="en-US" smtClean="0"/>
-              <a:t>12/8/2022</a:t>
+              <a:t>12/9/2022</a:t>
             </a:fld>
             <a:endParaRPr lang="en-US"/>
           </a:p>
@@ -3507,7 +3507,7 @@
           <a:p>
             <a:fld id="{2E449354-5907-40C9-91E4-4ECB16F709B1}" type="datetimeFigureOut">
               <a:rPr lang="en-US" smtClean="0"/>
-              <a:t>12/8/2022</a:t>
+              <a:t>12/9/2022</a:t>
             </a:fld>
             <a:endParaRPr lang="en-US"/>
           </a:p>
@@ -3750,7 +3750,7 @@
           <a:p>
             <a:fld id="{2E449354-5907-40C9-91E4-4ECB16F709B1}" type="datetimeFigureOut">
               <a:rPr lang="en-US" smtClean="0"/>
-              <a:t>12/8/2022</a:t>
+              <a:t>12/9/2022</a:t>
             </a:fld>
             <a:endParaRPr lang="en-US"/>
           </a:p>
@@ -4312,8 +4312,8 @@
           </a:prstGeom>
         </p:spPr>
       </p:pic>
-      <mc:AlternateContent xmlns:mc="http://schemas.openxmlformats.org/markup-compatibility/2006" xmlns:a14="http://schemas.microsoft.com/office/drawing/2010/main">
-        <mc:Choice Requires="a14">
+      <mc:AlternateContent xmlns:mc="http://schemas.openxmlformats.org/markup-compatibility/2006">
+        <mc:Choice xmlns:a14="http://schemas.microsoft.com/office/drawing/2010/main" Requires="a14">
           <p:sp>
             <p:nvSpPr>
               <p:cNvPr id="4" name="內容版面配置區 3">
@@ -4410,42 +4410,72 @@
                   <a:buNone/>
                 </a:pPr>
                 <a:r>
-                  <a:rPr lang="zh-TW" altLang="en-US" dirty="0"/>
+                  <a:rPr lang="zh-TW" altLang="en-US" dirty="0">
+                    <a:latin typeface="Microsoft JhengHei" panose="020B0604030504040204" pitchFamily="34" charset="-120"/>
+                    <a:ea typeface="Microsoft JhengHei" panose="020B0604030504040204" pitchFamily="34" charset="-120"/>
+                  </a:rPr>
                   <a:t>如果閥值設為</a:t>
                 </a:r>
                 <a:r>
-                  <a:rPr lang="en-US" altLang="zh-TW" dirty="0"/>
+                  <a:rPr lang="en-US" altLang="zh-TW" dirty="0">
+                    <a:latin typeface="Microsoft JhengHei" panose="020B0604030504040204" pitchFamily="34" charset="-120"/>
+                    <a:ea typeface="Microsoft JhengHei" panose="020B0604030504040204" pitchFamily="34" charset="-120"/>
+                  </a:rPr>
                   <a:t>(0,0)</a:t>
                 </a:r>
                 <a:r>
-                  <a:rPr lang="zh-TW" altLang="en-US" dirty="0"/>
+                  <a:rPr lang="zh-TW" altLang="en-US" dirty="0">
+                    <a:latin typeface="Microsoft JhengHei" panose="020B0604030504040204" pitchFamily="34" charset="-120"/>
+                    <a:ea typeface="Microsoft JhengHei" panose="020B0604030504040204" pitchFamily="34" charset="-120"/>
+                  </a:rPr>
                   <a:t>，則所有交易都在閥值右上角，我們預測所有交易都應該要報</a:t>
                 </a:r>
                 <a:r>
-                  <a:rPr lang="en-US" altLang="zh-TW" dirty="0"/>
+                  <a:rPr lang="en-US" altLang="zh-TW" dirty="0">
+                    <a:latin typeface="Microsoft JhengHei" panose="020B0604030504040204" pitchFamily="34" charset="-120"/>
+                    <a:ea typeface="Microsoft JhengHei" panose="020B0604030504040204" pitchFamily="34" charset="-120"/>
+                  </a:rPr>
                   <a:t>SAM</a:t>
                 </a:r>
                 <a:r>
-                  <a:rPr lang="zh-TW" altLang="en-US" dirty="0"/>
+                  <a:rPr lang="zh-TW" altLang="en-US" dirty="0">
+                    <a:latin typeface="Microsoft JhengHei" panose="020B0604030504040204" pitchFamily="34" charset="-120"/>
+                    <a:ea typeface="Microsoft JhengHei" panose="020B0604030504040204" pitchFamily="34" charset="-120"/>
+                  </a:rPr>
                   <a:t>，此時的 </a:t>
                 </a:r>
                 <a:r>
-                  <a:rPr lang="en-US" altLang="zh-TW" dirty="0"/>
+                  <a:rPr lang="en-US" altLang="zh-TW" dirty="0">
+                    <a:latin typeface="Microsoft JhengHei" panose="020B0604030504040204" pitchFamily="34" charset="-120"/>
+                    <a:ea typeface="Microsoft JhengHei" panose="020B0604030504040204" pitchFamily="34" charset="-120"/>
+                  </a:rPr>
                   <a:t>FN=0</a:t>
                 </a:r>
                 <a:r>
-                  <a:rPr lang="zh-TW" altLang="en-US" dirty="0"/>
+                  <a:rPr lang="zh-TW" altLang="en-US" dirty="0">
+                    <a:latin typeface="Microsoft JhengHei" panose="020B0604030504040204" pitchFamily="34" charset="-120"/>
+                    <a:ea typeface="Microsoft JhengHei" panose="020B0604030504040204" pitchFamily="34" charset="-120"/>
+                  </a:rPr>
                   <a:t>、</a:t>
                 </a:r>
                 <a:r>
-                  <a:rPr lang="en-US" altLang="zh-TW" dirty="0"/>
+                  <a:rPr lang="en-US" altLang="zh-TW" dirty="0">
+                    <a:latin typeface="Microsoft JhengHei" panose="020B0604030504040204" pitchFamily="34" charset="-120"/>
+                    <a:ea typeface="Microsoft JhengHei" panose="020B0604030504040204" pitchFamily="34" charset="-120"/>
+                  </a:rPr>
                   <a:t>Recall= 1</a:t>
                 </a:r>
                 <a:r>
-                  <a:rPr lang="zh-TW" altLang="en-US" dirty="0"/>
+                  <a:rPr lang="zh-TW" altLang="en-US" dirty="0">
+                    <a:latin typeface="Microsoft JhengHei" panose="020B0604030504040204" pitchFamily="34" charset="-120"/>
+                    <a:ea typeface="Microsoft JhengHei" panose="020B0604030504040204" pitchFamily="34" charset="-120"/>
+                  </a:rPr>
                   <a:t>，所以我們應該是把閥值往左下角調，而非右上角</a:t>
                 </a:r>
-                <a:endParaRPr lang="en-US" b="0" dirty="0"/>
+                <a:endParaRPr lang="en-US" b="0" dirty="0">
+                  <a:latin typeface="Microsoft JhengHei" panose="020B0604030504040204" pitchFamily="34" charset="-120"/>
+                  <a:ea typeface="Microsoft JhengHei" panose="020B0604030504040204" pitchFamily="34" charset="-120"/>
+                </a:endParaRPr>
               </a:p>
               <a:p>
                 <a:pPr marL="0" indent="0">
@@ -4462,7 +4492,7 @@
             </p:txBody>
           </p:sp>
         </mc:Choice>
-        <mc:Fallback xmlns="">
+        <mc:Fallback>
           <p:sp>
             <p:nvSpPr>
               <p:cNvPr id="4" name="內容版面配置區 3">
@@ -4647,7 +4677,7 @@
         </p:nvSpPr>
         <p:spPr>
           <a:xfrm>
-            <a:off x="384974" y="1325563"/>
+            <a:off x="403472" y="1170374"/>
             <a:ext cx="10968826" cy="4851400"/>
           </a:xfrm>
         </p:spPr>
@@ -4661,26 +4691,100 @@
               <a:buNone/>
             </a:pPr>
             <a:r>
-              <a:rPr lang="zh-TW" altLang="en-US" dirty="0"/>
+              <a:rPr lang="zh-TW" altLang="en-US" dirty="0">
+                <a:latin typeface="Microsoft JhengHei" panose="020B0604030504040204" pitchFamily="34" charset="-120"/>
+                <a:ea typeface="Microsoft JhengHei" panose="020B0604030504040204" pitchFamily="34" charset="-120"/>
+              </a:rPr>
               <a:t>因此我們應該針對 </a:t>
             </a:r>
             <a:r>
-              <a:rPr lang="en-US" altLang="zh-TW" dirty="0"/>
+              <a:rPr lang="en-US" altLang="zh-TW" dirty="0">
+                <a:latin typeface="Microsoft JhengHei" panose="020B0604030504040204" pitchFamily="34" charset="-120"/>
+                <a:ea typeface="Microsoft JhengHei" panose="020B0604030504040204" pitchFamily="34" charset="-120"/>
+              </a:rPr>
               <a:t>TO_SAR=1</a:t>
             </a:r>
             <a:r>
-              <a:rPr lang="zh-TW" altLang="en-US" dirty="0"/>
+              <a:rPr lang="zh-TW" altLang="en-US" dirty="0">
+                <a:latin typeface="Microsoft JhengHei" panose="020B0604030504040204" pitchFamily="34" charset="-120"/>
+                <a:ea typeface="Microsoft JhengHei" panose="020B0604030504040204" pitchFamily="34" charset="-120"/>
+              </a:rPr>
               <a:t>的資料去尋找，若離原點越近則會有比較高的 </a:t>
             </a:r>
             <a:r>
-              <a:rPr lang="en-US" altLang="zh-TW" dirty="0"/>
+              <a:rPr lang="en-US" altLang="zh-TW" dirty="0">
+                <a:latin typeface="Microsoft JhengHei" panose="020B0604030504040204" pitchFamily="34" charset="-120"/>
+                <a:ea typeface="Microsoft JhengHei" panose="020B0604030504040204" pitchFamily="34" charset="-120"/>
+              </a:rPr>
               <a:t>Recall</a:t>
             </a:r>
             <a:r>
-              <a:rPr lang="zh-TW" altLang="en-US" dirty="0"/>
-              <a:t>，因此我們計算和原點的距離當成選取的標準</a:t>
-            </a:r>
-            <a:endParaRPr lang="en-US" dirty="0"/>
+              <a:rPr lang="zh-TW" altLang="en-US" dirty="0">
+                <a:latin typeface="Microsoft JhengHei" panose="020B0604030504040204" pitchFamily="34" charset="-120"/>
+                <a:ea typeface="Microsoft JhengHei" panose="020B0604030504040204" pitchFamily="34" charset="-120"/>
+              </a:rPr>
+              <a:t>，因此我們計算和原點的距離當成選取的標準，因為</a:t>
+            </a:r>
+            <a:r>
+              <a:rPr lang="en-US" altLang="zh-TW" dirty="0">
+                <a:latin typeface="Microsoft JhengHei" panose="020B0604030504040204" pitchFamily="34" charset="-120"/>
+                <a:ea typeface="Microsoft JhengHei" panose="020B0604030504040204" pitchFamily="34" charset="-120"/>
+              </a:rPr>
+              <a:t>recall </a:t>
+            </a:r>
+            <a:r>
+              <a:rPr lang="zh-TW" altLang="en-US" dirty="0">
+                <a:latin typeface="Microsoft JhengHei" panose="020B0604030504040204" pitchFamily="34" charset="-120"/>
+                <a:ea typeface="Microsoft JhengHei" panose="020B0604030504040204" pitchFamily="34" charset="-120"/>
+              </a:rPr>
+              <a:t>關心 </a:t>
+            </a:r>
+            <a:r>
+              <a:rPr lang="en-US" altLang="zh-TW" dirty="0">
+                <a:latin typeface="Microsoft JhengHei" panose="020B0604030504040204" pitchFamily="34" charset="-120"/>
+                <a:ea typeface="Microsoft JhengHei" panose="020B0604030504040204" pitchFamily="34" charset="-120"/>
+              </a:rPr>
+              <a:t>positive </a:t>
+            </a:r>
+            <a:r>
+              <a:rPr lang="zh-TW" altLang="en-US" dirty="0">
+                <a:latin typeface="Microsoft JhengHei" panose="020B0604030504040204" pitchFamily="34" charset="-120"/>
+                <a:ea typeface="Microsoft JhengHei" panose="020B0604030504040204" pitchFamily="34" charset="-120"/>
+              </a:rPr>
+              <a:t>的樣本</a:t>
+            </a:r>
+            <a:r>
+              <a:rPr lang="en-US" altLang="zh-TW" dirty="0">
+                <a:latin typeface="Microsoft JhengHei" panose="020B0604030504040204" pitchFamily="34" charset="-120"/>
+                <a:ea typeface="Microsoft JhengHei" panose="020B0604030504040204" pitchFamily="34" charset="-120"/>
+              </a:rPr>
+              <a:t>(TO_SAR=1)</a:t>
+            </a:r>
+            <a:r>
+              <a:rPr lang="zh-TW" altLang="en-US" dirty="0">
+                <a:latin typeface="Microsoft JhengHei" panose="020B0604030504040204" pitchFamily="34" charset="-120"/>
+                <a:ea typeface="Microsoft JhengHei" panose="020B0604030504040204" pitchFamily="34" charset="-120"/>
+              </a:rPr>
+              <a:t>，所以值計算 </a:t>
+            </a:r>
+            <a:r>
+              <a:rPr lang="en-US" altLang="zh-TW" dirty="0">
+                <a:latin typeface="Microsoft JhengHei" panose="020B0604030504040204" pitchFamily="34" charset="-120"/>
+                <a:ea typeface="Microsoft JhengHei" panose="020B0604030504040204" pitchFamily="34" charset="-120"/>
+              </a:rPr>
+              <a:t>TO_SAR=1 </a:t>
+            </a:r>
+            <a:r>
+              <a:rPr lang="zh-TW" altLang="en-US" dirty="0">
+                <a:latin typeface="Microsoft JhengHei" panose="020B0604030504040204" pitchFamily="34" charset="-120"/>
+                <a:ea typeface="Microsoft JhengHei" panose="020B0604030504040204" pitchFamily="34" charset="-120"/>
+              </a:rPr>
+              <a:t>交易的距離</a:t>
+            </a:r>
+            <a:endParaRPr lang="en-US" dirty="0">
+              <a:latin typeface="Microsoft JhengHei" panose="020B0604030504040204" pitchFamily="34" charset="-120"/>
+              <a:ea typeface="Microsoft JhengHei" panose="020B0604030504040204" pitchFamily="34" charset="-120"/>
+            </a:endParaRPr>
           </a:p>
         </p:txBody>
       </p:sp>
@@ -4769,7 +4873,7 @@
         </p:blipFill>
         <p:spPr>
           <a:xfrm>
-            <a:off x="6304116" y="2651126"/>
+            <a:off x="6304117" y="3067686"/>
             <a:ext cx="5502910" cy="3370649"/>
           </a:xfrm>
           <a:prstGeom prst="rect">
@@ -4805,7 +4909,7 @@
         </p:blipFill>
         <p:spPr>
           <a:xfrm>
-            <a:off x="304372" y="2651125"/>
+            <a:off x="304371" y="2996565"/>
             <a:ext cx="5583513" cy="3370649"/>
           </a:xfrm>
           <a:prstGeom prst="rect">
@@ -5280,35 +5384,7 @@
                     <a:latin typeface="Microsoft JhengHei" panose="020B0604030504040204" pitchFamily="34" charset="-120"/>
                     <a:ea typeface="Microsoft JhengHei" panose="020B0604030504040204" pitchFamily="34" charset="-120"/>
                   </a:rPr>
-                  <a:t> 找輔助點計算斜率，但這樣做可能存在沒有交易從 </a:t>
-                </a:r>
-                <a:r>
-                  <a:rPr lang="en-US" altLang="zh-TW" dirty="0">
-                    <a:latin typeface="Microsoft JhengHei" panose="020B0604030504040204" pitchFamily="34" charset="-120"/>
-                    <a:ea typeface="Microsoft JhengHei" panose="020B0604030504040204" pitchFamily="34" charset="-120"/>
-                  </a:rPr>
-                  <a:t>TO_SAM=0</a:t>
-                </a:r>
-                <a:r>
-                  <a:rPr lang="zh-TW" altLang="en-US" dirty="0">
-                    <a:latin typeface="Microsoft JhengHei" panose="020B0604030504040204" pitchFamily="34" charset="-120"/>
-                    <a:ea typeface="Microsoft JhengHei" panose="020B0604030504040204" pitchFamily="34" charset="-120"/>
-                  </a:rPr>
-                  <a:t> 移到 </a:t>
-                </a:r>
-                <a:r>
-                  <a:rPr lang="en-US" altLang="zh-TW" dirty="0">
-                    <a:latin typeface="Microsoft JhengHei" panose="020B0604030504040204" pitchFamily="34" charset="-120"/>
-                    <a:ea typeface="Microsoft JhengHei" panose="020B0604030504040204" pitchFamily="34" charset="-120"/>
-                  </a:rPr>
-                  <a:t>TO_SAM=1</a:t>
-                </a:r>
-                <a:r>
-                  <a:rPr lang="zh-TW" altLang="en-US" dirty="0">
-                    <a:latin typeface="Microsoft JhengHei" panose="020B0604030504040204" pitchFamily="34" charset="-120"/>
-                    <a:ea typeface="Microsoft JhengHei" panose="020B0604030504040204" pitchFamily="34" charset="-120"/>
-                  </a:rPr>
-                  <a:t>，或相反，使 </a:t>
+                  <a:t> 找輔助點計算斜率，但這樣做可能存在沒有實際交易被重新飛類，使 </a:t>
                 </a:r>
                 <a:r>
                   <a:rPr lang="en-US" altLang="zh-TW" dirty="0">
@@ -5519,6 +5595,717 @@
           </a:p>
         </p:txBody>
       </p:sp>
+      <p:cxnSp>
+        <p:nvCxnSpPr>
+          <p:cNvPr id="5" name="直線單箭頭接點 4">
+            <a:extLst>
+              <a:ext uri="{FF2B5EF4-FFF2-40B4-BE49-F238E27FC236}">
+                <a16:creationId xmlns:a16="http://schemas.microsoft.com/office/drawing/2014/main" id="{20431554-523D-C8F3-C5B8-82A896BF8B97}"/>
+              </a:ext>
+            </a:extLst>
+          </p:cNvPr>
+          <p:cNvCxnSpPr>
+            <a:cxnSpLocks/>
+          </p:cNvCxnSpPr>
+          <p:nvPr/>
+        </p:nvCxnSpPr>
+        <p:spPr>
+          <a:xfrm flipV="1">
+            <a:off x="2710926" y="2471569"/>
+            <a:ext cx="0" cy="3554787"/>
+          </a:xfrm>
+          <a:prstGeom prst="straightConnector1">
+            <a:avLst/>
+          </a:prstGeom>
+          <a:ln w="28575">
+            <a:solidFill>
+              <a:schemeClr val="tx1"/>
+            </a:solidFill>
+            <a:tailEnd type="triangle"/>
+          </a:ln>
+        </p:spPr>
+        <p:style>
+          <a:lnRef idx="1">
+            <a:schemeClr val="accent1"/>
+          </a:lnRef>
+          <a:fillRef idx="0">
+            <a:schemeClr val="accent1"/>
+          </a:fillRef>
+          <a:effectRef idx="0">
+            <a:schemeClr val="accent1"/>
+          </a:effectRef>
+          <a:fontRef idx="minor">
+            <a:schemeClr val="tx1"/>
+          </a:fontRef>
+        </p:style>
+      </p:cxnSp>
+      <p:cxnSp>
+        <p:nvCxnSpPr>
+          <p:cNvPr id="8" name="直線單箭頭接點 7">
+            <a:extLst>
+              <a:ext uri="{FF2B5EF4-FFF2-40B4-BE49-F238E27FC236}">
+                <a16:creationId xmlns:a16="http://schemas.microsoft.com/office/drawing/2014/main" id="{70DEF768-2822-0531-9729-05351DBBE389}"/>
+              </a:ext>
+            </a:extLst>
+          </p:cNvPr>
+          <p:cNvCxnSpPr>
+            <a:cxnSpLocks/>
+          </p:cNvCxnSpPr>
+          <p:nvPr/>
+        </p:nvCxnSpPr>
+        <p:spPr>
+          <a:xfrm>
+            <a:off x="2710926" y="6026356"/>
+            <a:ext cx="5538396" cy="0"/>
+          </a:xfrm>
+          <a:prstGeom prst="straightConnector1">
+            <a:avLst/>
+          </a:prstGeom>
+          <a:ln w="28575">
+            <a:solidFill>
+              <a:schemeClr val="tx1"/>
+            </a:solidFill>
+            <a:tailEnd type="triangle"/>
+          </a:ln>
+        </p:spPr>
+        <p:style>
+          <a:lnRef idx="1">
+            <a:schemeClr val="accent1"/>
+          </a:lnRef>
+          <a:fillRef idx="0">
+            <a:schemeClr val="accent1"/>
+          </a:fillRef>
+          <a:effectRef idx="0">
+            <a:schemeClr val="accent1"/>
+          </a:effectRef>
+          <a:fontRef idx="minor">
+            <a:schemeClr val="tx1"/>
+          </a:fontRef>
+        </p:style>
+      </p:cxnSp>
+      <p:grpSp>
+        <p:nvGrpSpPr>
+          <p:cNvPr id="14" name="群組 13">
+            <a:extLst>
+              <a:ext uri="{FF2B5EF4-FFF2-40B4-BE49-F238E27FC236}">
+                <a16:creationId xmlns:a16="http://schemas.microsoft.com/office/drawing/2014/main" id="{CDC9B248-205E-4C33-55FD-59C2657CA3E4}"/>
+              </a:ext>
+            </a:extLst>
+          </p:cNvPr>
+          <p:cNvGrpSpPr/>
+          <p:nvPr/>
+        </p:nvGrpSpPr>
+        <p:grpSpPr>
+          <a:xfrm>
+            <a:off x="3030666" y="5064318"/>
+            <a:ext cx="1813264" cy="503488"/>
+            <a:chOff x="3030666" y="5064318"/>
+            <a:chExt cx="1813264" cy="503488"/>
+          </a:xfrm>
+        </p:grpSpPr>
+        <p:sp>
+          <p:nvSpPr>
+            <p:cNvPr id="10" name="橢圓 9">
+              <a:extLst>
+                <a:ext uri="{FF2B5EF4-FFF2-40B4-BE49-F238E27FC236}">
+                  <a16:creationId xmlns:a16="http://schemas.microsoft.com/office/drawing/2014/main" id="{21AAFAE8-8E4A-57F8-3BA5-C7DD65C8D067}"/>
+                </a:ext>
+              </a:extLst>
+            </p:cNvPr>
+            <p:cNvSpPr/>
+            <p:nvPr/>
+          </p:nvSpPr>
+          <p:spPr>
+            <a:xfrm>
+              <a:off x="3829722" y="5064318"/>
+              <a:ext cx="45719" cy="45719"/>
+            </a:xfrm>
+            <a:prstGeom prst="ellipse">
+              <a:avLst/>
+            </a:prstGeom>
+            <a:ln>
+              <a:solidFill>
+                <a:srgbClr val="0070C0"/>
+              </a:solidFill>
+            </a:ln>
+          </p:spPr>
+          <p:style>
+            <a:lnRef idx="2">
+              <a:schemeClr val="accent1">
+                <a:shade val="50000"/>
+              </a:schemeClr>
+            </a:lnRef>
+            <a:fillRef idx="1">
+              <a:schemeClr val="accent1"/>
+            </a:fillRef>
+            <a:effectRef idx="0">
+              <a:schemeClr val="accent1"/>
+            </a:effectRef>
+            <a:fontRef idx="minor">
+              <a:schemeClr val="lt1"/>
+            </a:fontRef>
+          </p:style>
+          <p:txBody>
+            <a:bodyPr rtlCol="0" anchor="ctr"/>
+            <a:lstStyle/>
+            <a:p>
+              <a:pPr algn="ctr"/>
+              <a:endParaRPr lang="en-US"/>
+            </a:p>
+          </p:txBody>
+        </p:sp>
+        <p:sp>
+          <p:nvSpPr>
+            <p:cNvPr id="11" name="文字方塊 10">
+              <a:extLst>
+                <a:ext uri="{FF2B5EF4-FFF2-40B4-BE49-F238E27FC236}">
+                  <a16:creationId xmlns:a16="http://schemas.microsoft.com/office/drawing/2014/main" id="{882C02BA-2880-8E65-9FE4-2C07C1BB5B28}"/>
+                </a:ext>
+              </a:extLst>
+            </p:cNvPr>
+            <p:cNvSpPr txBox="1"/>
+            <p:nvPr/>
+          </p:nvSpPr>
+          <p:spPr>
+            <a:xfrm>
+              <a:off x="3030666" y="5198477"/>
+              <a:ext cx="1813264" cy="369329"/>
+            </a:xfrm>
+            <a:prstGeom prst="rect">
+              <a:avLst/>
+            </a:prstGeom>
+            <a:noFill/>
+          </p:spPr>
+          <p:txBody>
+            <a:bodyPr wrap="square" rtlCol="0">
+              <a:spAutoFit/>
+            </a:bodyPr>
+            <a:lstStyle/>
+            <a:p>
+              <a:pPr algn="ctr"/>
+              <a:r>
+                <a:rPr lang="en-US" altLang="zh-TW" dirty="0"/>
+                <a:t>point1(100,10)</a:t>
+              </a:r>
+              <a:endParaRPr lang="en-US" dirty="0"/>
+            </a:p>
+          </p:txBody>
+        </p:sp>
+      </p:grpSp>
+      <p:grpSp>
+        <p:nvGrpSpPr>
+          <p:cNvPr id="15" name="群組 14">
+            <a:extLst>
+              <a:ext uri="{FF2B5EF4-FFF2-40B4-BE49-F238E27FC236}">
+                <a16:creationId xmlns:a16="http://schemas.microsoft.com/office/drawing/2014/main" id="{E8DE0F30-F387-3B0F-A685-4DBE64807825}"/>
+              </a:ext>
+            </a:extLst>
+          </p:cNvPr>
+          <p:cNvGrpSpPr/>
+          <p:nvPr/>
+        </p:nvGrpSpPr>
+        <p:grpSpPr>
+          <a:xfrm>
+            <a:off x="4087156" y="3683926"/>
+            <a:ext cx="1813264" cy="421314"/>
+            <a:chOff x="3030666" y="4688723"/>
+            <a:chExt cx="1813264" cy="421314"/>
+          </a:xfrm>
+        </p:grpSpPr>
+        <p:sp>
+          <p:nvSpPr>
+            <p:cNvPr id="16" name="橢圓 15">
+              <a:extLst>
+                <a:ext uri="{FF2B5EF4-FFF2-40B4-BE49-F238E27FC236}">
+                  <a16:creationId xmlns:a16="http://schemas.microsoft.com/office/drawing/2014/main" id="{D734F767-CD58-E046-F278-27F7835C5A87}"/>
+                </a:ext>
+              </a:extLst>
+            </p:cNvPr>
+            <p:cNvSpPr/>
+            <p:nvPr/>
+          </p:nvSpPr>
+          <p:spPr>
+            <a:xfrm>
+              <a:off x="3829722" y="5064318"/>
+              <a:ext cx="45719" cy="45719"/>
+            </a:xfrm>
+            <a:prstGeom prst="ellipse">
+              <a:avLst/>
+            </a:prstGeom>
+            <a:ln>
+              <a:solidFill>
+                <a:srgbClr val="0070C0"/>
+              </a:solidFill>
+            </a:ln>
+          </p:spPr>
+          <p:style>
+            <a:lnRef idx="2">
+              <a:schemeClr val="accent1">
+                <a:shade val="50000"/>
+              </a:schemeClr>
+            </a:lnRef>
+            <a:fillRef idx="1">
+              <a:schemeClr val="accent1"/>
+            </a:fillRef>
+            <a:effectRef idx="0">
+              <a:schemeClr val="accent1"/>
+            </a:effectRef>
+            <a:fontRef idx="minor">
+              <a:schemeClr val="lt1"/>
+            </a:fontRef>
+          </p:style>
+          <p:txBody>
+            <a:bodyPr rtlCol="0" anchor="ctr"/>
+            <a:lstStyle/>
+            <a:p>
+              <a:pPr algn="ctr"/>
+              <a:endParaRPr lang="en-US"/>
+            </a:p>
+          </p:txBody>
+        </p:sp>
+        <p:sp>
+          <p:nvSpPr>
+            <p:cNvPr id="17" name="文字方塊 16">
+              <a:extLst>
+                <a:ext uri="{FF2B5EF4-FFF2-40B4-BE49-F238E27FC236}">
+                  <a16:creationId xmlns:a16="http://schemas.microsoft.com/office/drawing/2014/main" id="{5A54143B-CF4E-3C2A-E316-7E6BC599354F}"/>
+                </a:ext>
+              </a:extLst>
+            </p:cNvPr>
+            <p:cNvSpPr txBox="1"/>
+            <p:nvPr/>
+          </p:nvSpPr>
+          <p:spPr>
+            <a:xfrm>
+              <a:off x="3030666" y="4688723"/>
+              <a:ext cx="1813264" cy="369329"/>
+            </a:xfrm>
+            <a:prstGeom prst="rect">
+              <a:avLst/>
+            </a:prstGeom>
+            <a:noFill/>
+          </p:spPr>
+          <p:txBody>
+            <a:bodyPr wrap="square" rtlCol="0">
+              <a:spAutoFit/>
+            </a:bodyPr>
+            <a:lstStyle/>
+            <a:p>
+              <a:pPr algn="ctr"/>
+              <a:r>
+                <a:rPr lang="en-US" altLang="zh-TW" dirty="0"/>
+                <a:t>point2(130,13)</a:t>
+              </a:r>
+              <a:endParaRPr lang="en-US" dirty="0"/>
+            </a:p>
+          </p:txBody>
+        </p:sp>
+      </p:grpSp>
+      <p:cxnSp>
+        <p:nvCxnSpPr>
+          <p:cNvPr id="19" name="直線單箭頭接點 18">
+            <a:extLst>
+              <a:ext uri="{FF2B5EF4-FFF2-40B4-BE49-F238E27FC236}">
+                <a16:creationId xmlns:a16="http://schemas.microsoft.com/office/drawing/2014/main" id="{90754775-254F-A4AD-BE52-8B6C7357BE73}"/>
+              </a:ext>
+            </a:extLst>
+          </p:cNvPr>
+          <p:cNvCxnSpPr>
+            <a:cxnSpLocks/>
+            <a:stCxn id="10" idx="0"/>
+            <a:endCxn id="16" idx="7"/>
+          </p:cNvCxnSpPr>
+          <p:nvPr/>
+        </p:nvCxnSpPr>
+        <p:spPr>
+          <a:xfrm flipV="1">
+            <a:off x="3852582" y="4066216"/>
+            <a:ext cx="1072654" cy="998102"/>
+          </a:xfrm>
+          <a:prstGeom prst="straightConnector1">
+            <a:avLst/>
+          </a:prstGeom>
+          <a:ln w="28575">
+            <a:solidFill>
+              <a:schemeClr val="accent6">
+                <a:lumMod val="75000"/>
+              </a:schemeClr>
+            </a:solidFill>
+            <a:tailEnd type="triangle"/>
+          </a:ln>
+        </p:spPr>
+        <p:style>
+          <a:lnRef idx="1">
+            <a:schemeClr val="accent1"/>
+          </a:lnRef>
+          <a:fillRef idx="0">
+            <a:schemeClr val="accent1"/>
+          </a:fillRef>
+          <a:effectRef idx="0">
+            <a:schemeClr val="accent1"/>
+          </a:effectRef>
+          <a:fontRef idx="minor">
+            <a:schemeClr val="tx1"/>
+          </a:fontRef>
+        </p:style>
+      </p:cxnSp>
+      <p:grpSp>
+        <p:nvGrpSpPr>
+          <p:cNvPr id="21" name="群組 20">
+            <a:extLst>
+              <a:ext uri="{FF2B5EF4-FFF2-40B4-BE49-F238E27FC236}">
+                <a16:creationId xmlns:a16="http://schemas.microsoft.com/office/drawing/2014/main" id="{04EF6EBF-BD01-8DE5-433D-85986C811128}"/>
+              </a:ext>
+            </a:extLst>
+          </p:cNvPr>
+          <p:cNvGrpSpPr/>
+          <p:nvPr/>
+        </p:nvGrpSpPr>
+        <p:grpSpPr>
+          <a:xfrm>
+            <a:off x="6078966" y="4529361"/>
+            <a:ext cx="1813264" cy="421314"/>
+            <a:chOff x="3030666" y="4688723"/>
+            <a:chExt cx="1813264" cy="421314"/>
+          </a:xfrm>
+        </p:grpSpPr>
+        <p:sp>
+          <p:nvSpPr>
+            <p:cNvPr id="22" name="橢圓 21">
+              <a:extLst>
+                <a:ext uri="{FF2B5EF4-FFF2-40B4-BE49-F238E27FC236}">
+                  <a16:creationId xmlns:a16="http://schemas.microsoft.com/office/drawing/2014/main" id="{47D8A776-765C-9D1C-347F-2B4C3463ED77}"/>
+                </a:ext>
+              </a:extLst>
+            </p:cNvPr>
+            <p:cNvSpPr/>
+            <p:nvPr/>
+          </p:nvSpPr>
+          <p:spPr>
+            <a:xfrm>
+              <a:off x="3829722" y="5064318"/>
+              <a:ext cx="45719" cy="45719"/>
+            </a:xfrm>
+            <a:prstGeom prst="ellipse">
+              <a:avLst/>
+            </a:prstGeom>
+            <a:ln>
+              <a:solidFill>
+                <a:srgbClr val="0070C0"/>
+              </a:solidFill>
+            </a:ln>
+          </p:spPr>
+          <p:style>
+            <a:lnRef idx="2">
+              <a:schemeClr val="accent1">
+                <a:shade val="50000"/>
+              </a:schemeClr>
+            </a:lnRef>
+            <a:fillRef idx="1">
+              <a:schemeClr val="accent1"/>
+            </a:fillRef>
+            <a:effectRef idx="0">
+              <a:schemeClr val="accent1"/>
+            </a:effectRef>
+            <a:fontRef idx="minor">
+              <a:schemeClr val="lt1"/>
+            </a:fontRef>
+          </p:style>
+          <p:txBody>
+            <a:bodyPr rtlCol="0" anchor="ctr"/>
+            <a:lstStyle/>
+            <a:p>
+              <a:pPr algn="ctr"/>
+              <a:endParaRPr lang="en-US"/>
+            </a:p>
+          </p:txBody>
+        </p:sp>
+        <p:sp>
+          <p:nvSpPr>
+            <p:cNvPr id="23" name="文字方塊 22">
+              <a:extLst>
+                <a:ext uri="{FF2B5EF4-FFF2-40B4-BE49-F238E27FC236}">
+                  <a16:creationId xmlns:a16="http://schemas.microsoft.com/office/drawing/2014/main" id="{D7A9B9CB-3AA7-A18A-EA92-D1DC86701E80}"/>
+                </a:ext>
+              </a:extLst>
+            </p:cNvPr>
+            <p:cNvSpPr txBox="1"/>
+            <p:nvPr/>
+          </p:nvSpPr>
+          <p:spPr>
+            <a:xfrm>
+              <a:off x="3030666" y="4688723"/>
+              <a:ext cx="1813264" cy="369329"/>
+            </a:xfrm>
+            <a:prstGeom prst="rect">
+              <a:avLst/>
+            </a:prstGeom>
+            <a:noFill/>
+          </p:spPr>
+          <p:txBody>
+            <a:bodyPr wrap="square" rtlCol="0">
+              <a:spAutoFit/>
+            </a:bodyPr>
+            <a:lstStyle/>
+            <a:p>
+              <a:pPr algn="ctr"/>
+              <a:r>
+                <a:rPr lang="en-US" altLang="zh-TW" dirty="0"/>
+                <a:t>point3(200,11)</a:t>
+              </a:r>
+              <a:endParaRPr lang="en-US" dirty="0"/>
+            </a:p>
+          </p:txBody>
+        </p:sp>
+      </p:grpSp>
+      <p:cxnSp>
+        <p:nvCxnSpPr>
+          <p:cNvPr id="24" name="直線單箭頭接點 23">
+            <a:extLst>
+              <a:ext uri="{FF2B5EF4-FFF2-40B4-BE49-F238E27FC236}">
+                <a16:creationId xmlns:a16="http://schemas.microsoft.com/office/drawing/2014/main" id="{3A2EDE22-9D36-F6FD-9E51-A232C1979361}"/>
+              </a:ext>
+            </a:extLst>
+          </p:cNvPr>
+          <p:cNvCxnSpPr>
+            <a:cxnSpLocks/>
+            <a:stCxn id="10" idx="7"/>
+            <a:endCxn id="22" idx="5"/>
+          </p:cNvCxnSpPr>
+          <p:nvPr/>
+        </p:nvCxnSpPr>
+        <p:spPr>
+          <a:xfrm flipV="1">
+            <a:off x="3868746" y="4943980"/>
+            <a:ext cx="3048300" cy="127033"/>
+          </a:xfrm>
+          <a:prstGeom prst="straightConnector1">
+            <a:avLst/>
+          </a:prstGeom>
+          <a:ln w="28575">
+            <a:solidFill>
+              <a:schemeClr val="accent6">
+                <a:lumMod val="75000"/>
+              </a:schemeClr>
+            </a:solidFill>
+            <a:tailEnd type="triangle"/>
+          </a:ln>
+        </p:spPr>
+        <p:style>
+          <a:lnRef idx="1">
+            <a:schemeClr val="accent1"/>
+          </a:lnRef>
+          <a:fillRef idx="0">
+            <a:schemeClr val="accent1"/>
+          </a:fillRef>
+          <a:effectRef idx="0">
+            <a:schemeClr val="accent1"/>
+          </a:effectRef>
+          <a:fontRef idx="minor">
+            <a:schemeClr val="tx1"/>
+          </a:fontRef>
+        </p:style>
+      </p:cxnSp>
+      <p:cxnSp>
+        <p:nvCxnSpPr>
+          <p:cNvPr id="32" name="直線單箭頭接點 31">
+            <a:extLst>
+              <a:ext uri="{FF2B5EF4-FFF2-40B4-BE49-F238E27FC236}">
+                <a16:creationId xmlns:a16="http://schemas.microsoft.com/office/drawing/2014/main" id="{3F869395-8956-A2A3-EB8E-3B16E14D55C3}"/>
+              </a:ext>
+            </a:extLst>
+          </p:cNvPr>
+          <p:cNvCxnSpPr>
+            <a:cxnSpLocks/>
+            <a:stCxn id="16" idx="2"/>
+          </p:cNvCxnSpPr>
+          <p:nvPr/>
+        </p:nvCxnSpPr>
+        <p:spPr>
+          <a:xfrm flipV="1">
+            <a:off x="4886212" y="2791784"/>
+            <a:ext cx="0" cy="1290597"/>
+          </a:xfrm>
+          <a:prstGeom prst="straightConnector1">
+            <a:avLst/>
+          </a:prstGeom>
+          <a:ln w="19050">
+            <a:solidFill>
+              <a:schemeClr val="accent2"/>
+            </a:solidFill>
+            <a:prstDash val="dash"/>
+            <a:tailEnd type="triangle"/>
+          </a:ln>
+        </p:spPr>
+        <p:style>
+          <a:lnRef idx="1">
+            <a:schemeClr val="accent1"/>
+          </a:lnRef>
+          <a:fillRef idx="0">
+            <a:schemeClr val="accent1"/>
+          </a:fillRef>
+          <a:effectRef idx="0">
+            <a:schemeClr val="accent1"/>
+          </a:effectRef>
+          <a:fontRef idx="minor">
+            <a:schemeClr val="tx1"/>
+          </a:fontRef>
+        </p:style>
+      </p:cxnSp>
+      <p:cxnSp>
+        <p:nvCxnSpPr>
+          <p:cNvPr id="7" name="直線單箭頭接點 6">
+            <a:extLst>
+              <a:ext uri="{FF2B5EF4-FFF2-40B4-BE49-F238E27FC236}">
+                <a16:creationId xmlns:a16="http://schemas.microsoft.com/office/drawing/2014/main" id="{56A3AC83-859D-2A6F-8895-2F78455CC5CA}"/>
+              </a:ext>
+            </a:extLst>
+          </p:cNvPr>
+          <p:cNvCxnSpPr>
+            <a:cxnSpLocks/>
+          </p:cNvCxnSpPr>
+          <p:nvPr/>
+        </p:nvCxnSpPr>
+        <p:spPr>
+          <a:xfrm>
+            <a:off x="4886212" y="4082381"/>
+            <a:ext cx="1715756" cy="0"/>
+          </a:xfrm>
+          <a:prstGeom prst="straightConnector1">
+            <a:avLst/>
+          </a:prstGeom>
+          <a:ln w="19050">
+            <a:solidFill>
+              <a:schemeClr val="accent2"/>
+            </a:solidFill>
+            <a:prstDash val="dash"/>
+            <a:tailEnd type="triangle"/>
+          </a:ln>
+        </p:spPr>
+        <p:style>
+          <a:lnRef idx="1">
+            <a:schemeClr val="accent1"/>
+          </a:lnRef>
+          <a:fillRef idx="0">
+            <a:schemeClr val="accent1"/>
+          </a:fillRef>
+          <a:effectRef idx="0">
+            <a:schemeClr val="accent1"/>
+          </a:effectRef>
+          <a:fontRef idx="minor">
+            <a:schemeClr val="tx1"/>
+          </a:fontRef>
+        </p:style>
+      </p:cxnSp>
+      <p:grpSp>
+        <p:nvGrpSpPr>
+          <p:cNvPr id="13" name="群組 12">
+            <a:extLst>
+              <a:ext uri="{FF2B5EF4-FFF2-40B4-BE49-F238E27FC236}">
+                <a16:creationId xmlns:a16="http://schemas.microsoft.com/office/drawing/2014/main" id="{08B0950A-0EC9-7650-0577-BA964DFCE0A2}"/>
+              </a:ext>
+            </a:extLst>
+          </p:cNvPr>
+          <p:cNvGrpSpPr/>
+          <p:nvPr/>
+        </p:nvGrpSpPr>
+        <p:grpSpPr>
+          <a:xfrm>
+            <a:off x="5038088" y="3034387"/>
+            <a:ext cx="1813264" cy="421314"/>
+            <a:chOff x="3030666" y="4688723"/>
+            <a:chExt cx="1813264" cy="421314"/>
+          </a:xfrm>
+        </p:grpSpPr>
+        <p:sp>
+          <p:nvSpPr>
+            <p:cNvPr id="18" name="橢圓 17">
+              <a:extLst>
+                <a:ext uri="{FF2B5EF4-FFF2-40B4-BE49-F238E27FC236}">
+                  <a16:creationId xmlns:a16="http://schemas.microsoft.com/office/drawing/2014/main" id="{CD190ADA-DF36-4F15-26F0-E79A66250033}"/>
+                </a:ext>
+              </a:extLst>
+            </p:cNvPr>
+            <p:cNvSpPr/>
+            <p:nvPr/>
+          </p:nvSpPr>
+          <p:spPr>
+            <a:xfrm>
+              <a:off x="3829722" y="5064318"/>
+              <a:ext cx="45719" cy="45719"/>
+            </a:xfrm>
+            <a:prstGeom prst="ellipse">
+              <a:avLst/>
+            </a:prstGeom>
+            <a:ln>
+              <a:solidFill>
+                <a:srgbClr val="0070C0"/>
+              </a:solidFill>
+            </a:ln>
+          </p:spPr>
+          <p:style>
+            <a:lnRef idx="2">
+              <a:schemeClr val="accent1">
+                <a:shade val="50000"/>
+              </a:schemeClr>
+            </a:lnRef>
+            <a:fillRef idx="1">
+              <a:schemeClr val="accent1"/>
+            </a:fillRef>
+            <a:effectRef idx="0">
+              <a:schemeClr val="accent1"/>
+            </a:effectRef>
+            <a:fontRef idx="minor">
+              <a:schemeClr val="lt1"/>
+            </a:fontRef>
+          </p:style>
+          <p:txBody>
+            <a:bodyPr rtlCol="0" anchor="ctr"/>
+            <a:lstStyle/>
+            <a:p>
+              <a:pPr algn="ctr"/>
+              <a:endParaRPr lang="en-US"/>
+            </a:p>
+          </p:txBody>
+        </p:sp>
+        <p:sp>
+          <p:nvSpPr>
+            <p:cNvPr id="20" name="文字方塊 19">
+              <a:extLst>
+                <a:ext uri="{FF2B5EF4-FFF2-40B4-BE49-F238E27FC236}">
+                  <a16:creationId xmlns:a16="http://schemas.microsoft.com/office/drawing/2014/main" id="{2FAEDFD5-1134-0A87-D88E-EA7628BA1BB2}"/>
+                </a:ext>
+              </a:extLst>
+            </p:cNvPr>
+            <p:cNvSpPr txBox="1"/>
+            <p:nvPr/>
+          </p:nvSpPr>
+          <p:spPr>
+            <a:xfrm>
+              <a:off x="3030666" y="4688723"/>
+              <a:ext cx="1813264" cy="369329"/>
+            </a:xfrm>
+            <a:prstGeom prst="rect">
+              <a:avLst/>
+            </a:prstGeom>
+            <a:noFill/>
+          </p:spPr>
+          <p:txBody>
+            <a:bodyPr wrap="square" rtlCol="0">
+              <a:spAutoFit/>
+            </a:bodyPr>
+            <a:lstStyle/>
+            <a:p>
+              <a:pPr algn="ctr"/>
+              <a:r>
+                <a:rPr lang="en-US" altLang="zh-TW" dirty="0"/>
+                <a:t>point4(150,16)</a:t>
+              </a:r>
+              <a:endParaRPr lang="en-US" dirty="0"/>
+            </a:p>
+          </p:txBody>
+        </p:sp>
+      </p:grpSp>
     </p:spTree>
     <p:extLst>
       <p:ext uri="{BB962C8B-B14F-4D97-AF65-F5344CB8AC3E}">
@@ -5603,145 +6390,525 @@
           </a:p>
         </p:txBody>
       </p:sp>
-      <p:sp>
-        <p:nvSpPr>
-          <p:cNvPr id="3" name="內容版面配置區 2">
-            <a:extLst>
-              <a:ext uri="{FF2B5EF4-FFF2-40B4-BE49-F238E27FC236}">
-                <a16:creationId xmlns:a16="http://schemas.microsoft.com/office/drawing/2014/main" id="{EA2BDD32-D309-2320-4588-0E506366B61D}"/>
-              </a:ext>
-            </a:extLst>
-          </p:cNvPr>
-          <p:cNvSpPr>
-            <a:spLocks noGrp="1"/>
-          </p:cNvSpPr>
-          <p:nvPr>
-            <p:ph idx="1"/>
-          </p:nvPr>
-        </p:nvSpPr>
-        <p:spPr>
-          <a:xfrm>
-            <a:off x="314960" y="1381760"/>
-            <a:ext cx="11511280" cy="4795203"/>
-          </a:xfrm>
-        </p:spPr>
-        <p:txBody>
-          <a:bodyPr/>
-          <a:lstStyle/>
-          <a:p>
-            <a:pPr marL="0" indent="0">
-              <a:buNone/>
-            </a:pPr>
-            <a:r>
-              <a:rPr lang="en-US" dirty="0"/>
-              <a:t>Feature = [</a:t>
-            </a:r>
-            <a:r>
-              <a:rPr lang="en-US" dirty="0" err="1"/>
-              <a:t>Credit_Amt</a:t>
-            </a:r>
-            <a:r>
-              <a:rPr lang="en-US" dirty="0"/>
-              <a:t>, </a:t>
-            </a:r>
-            <a:r>
-              <a:rPr lang="en-US" dirty="0" err="1"/>
-              <a:t>number_of_Credit</a:t>
-            </a:r>
-            <a:r>
-              <a:rPr lang="en-US" dirty="0"/>
-              <a:t>, </a:t>
-            </a:r>
-            <a:r>
-              <a:rPr lang="en-US" dirty="0" err="1"/>
-              <a:t>Debit_Amt</a:t>
-            </a:r>
-            <a:r>
-              <a:rPr lang="en-US" dirty="0"/>
-              <a:t>, </a:t>
-            </a:r>
-            <a:r>
-              <a:rPr lang="en-US" dirty="0" err="1"/>
-              <a:t>number_of_Debit</a:t>
-            </a:r>
-            <a:r>
-              <a:rPr lang="en-US" dirty="0"/>
-              <a:t>]</a:t>
-            </a:r>
-          </a:p>
-          <a:p>
-            <a:pPr marL="0" indent="0">
-              <a:buNone/>
-            </a:pPr>
-            <a:r>
-              <a:rPr lang="en-US" dirty="0" err="1"/>
-              <a:t>Initial_point</a:t>
-            </a:r>
-            <a:r>
-              <a:rPr lang="en-US" dirty="0"/>
-              <a:t> = [0, 0, 2462.0, 0]</a:t>
-            </a:r>
-            <a:r>
-              <a:rPr lang="zh-TW" altLang="en-US" dirty="0"/>
-              <a:t>，</a:t>
-            </a:r>
-            <a:r>
-              <a:rPr lang="en-US" altLang="zh-TW" dirty="0"/>
-              <a:t>recall = </a:t>
-            </a:r>
-            <a:r>
-              <a:rPr lang="en-US" dirty="0"/>
-              <a:t>0.812734, filter rate = 0.362063</a:t>
-            </a:r>
-          </a:p>
-          <a:p>
-            <a:pPr marL="0" indent="0">
-              <a:buNone/>
-            </a:pPr>
-            <a:r>
-              <a:rPr lang="zh-TW" altLang="en-US" dirty="0"/>
-              <a:t>這裡為了配合之後的 </a:t>
-            </a:r>
-            <a:r>
-              <a:rPr lang="en-US" altLang="zh-TW" dirty="0" err="1"/>
-              <a:t>Adagrad</a:t>
-            </a:r>
-            <a:r>
-              <a:rPr lang="en-US" altLang="zh-TW" dirty="0"/>
-              <a:t> </a:t>
-            </a:r>
-            <a:r>
-              <a:rPr lang="zh-TW" altLang="en-US" dirty="0"/>
-              <a:t>或 </a:t>
-            </a:r>
-            <a:r>
-              <a:rPr lang="en-US" altLang="zh-TW" dirty="0"/>
-              <a:t>Adam </a:t>
-            </a:r>
-            <a:r>
-              <a:rPr lang="zh-TW" altLang="en-US" dirty="0"/>
-              <a:t>，所以只使用 </a:t>
-            </a:r>
-            <a:r>
-              <a:rPr lang="en-US" altLang="zh-TW" dirty="0"/>
-              <a:t>gradient descent(</a:t>
-            </a:r>
-            <a:r>
-              <a:rPr lang="zh-TW" altLang="en-US" dirty="0"/>
-              <a:t>沒有 </a:t>
-            </a:r>
-            <a:r>
-              <a:rPr lang="en-US" altLang="zh-TW" dirty="0"/>
-              <a:t>hessian matrix)</a:t>
-            </a:r>
-            <a:r>
-              <a:rPr lang="zh-TW" altLang="en-US" dirty="0"/>
-              <a:t>，也沒有約束條件</a:t>
-            </a:r>
-            <a:endParaRPr lang="en-US" dirty="0"/>
-          </a:p>
-        </p:txBody>
-      </p:sp>
+      <mc:AlternateContent xmlns:mc="http://schemas.openxmlformats.org/markup-compatibility/2006">
+        <mc:Choice xmlns:a14="http://schemas.microsoft.com/office/drawing/2010/main" Requires="a14">
+          <p:sp>
+            <p:nvSpPr>
+              <p:cNvPr id="3" name="內容版面配置區 2">
+                <a:extLst>
+                  <a:ext uri="{FF2B5EF4-FFF2-40B4-BE49-F238E27FC236}">
+                    <a16:creationId xmlns:a16="http://schemas.microsoft.com/office/drawing/2014/main" id="{EA2BDD32-D309-2320-4588-0E506366B61D}"/>
+                  </a:ext>
+                </a:extLst>
+              </p:cNvPr>
+              <p:cNvSpPr>
+                <a:spLocks noGrp="1"/>
+              </p:cNvSpPr>
+              <p:nvPr>
+                <p:ph idx="1"/>
+              </p:nvPr>
+            </p:nvSpPr>
+            <p:spPr>
+              <a:xfrm>
+                <a:off x="314960" y="1381760"/>
+                <a:ext cx="11511280" cy="4795203"/>
+              </a:xfrm>
+            </p:spPr>
+            <p:txBody>
+              <a:bodyPr/>
+              <a:lstStyle/>
+              <a:p>
+                <a:pPr marL="0" indent="0">
+                  <a:buNone/>
+                </a:pPr>
+                <a:r>
+                  <a:rPr lang="en-US" dirty="0"/>
+                  <a:t>Feature = [</a:t>
+                </a:r>
+                <a:r>
+                  <a:rPr lang="en-US" dirty="0" err="1"/>
+                  <a:t>Credit_Amt</a:t>
+                </a:r>
+                <a:r>
+                  <a:rPr lang="en-US" dirty="0"/>
+                  <a:t>, </a:t>
+                </a:r>
+                <a:r>
+                  <a:rPr lang="en-US" dirty="0" err="1"/>
+                  <a:t>number_of_Credit</a:t>
+                </a:r>
+                <a:r>
+                  <a:rPr lang="en-US" dirty="0"/>
+                  <a:t>, </a:t>
+                </a:r>
+                <a:r>
+                  <a:rPr lang="en-US" dirty="0" err="1"/>
+                  <a:t>Debit_Amt</a:t>
+                </a:r>
+                <a:r>
+                  <a:rPr lang="en-US" dirty="0"/>
+                  <a:t>, </a:t>
+                </a:r>
+                <a:r>
+                  <a:rPr lang="en-US" dirty="0" err="1"/>
+                  <a:t>number_of_Debit</a:t>
+                </a:r>
+                <a:r>
+                  <a:rPr lang="en-US" dirty="0"/>
+                  <a:t>]</a:t>
+                </a:r>
+              </a:p>
+              <a:p>
+                <a:pPr marL="0" indent="0">
+                  <a:buNone/>
+                </a:pPr>
+                <a:r>
+                  <a:rPr lang="en-US" dirty="0" err="1"/>
+                  <a:t>Initial_point</a:t>
+                </a:r>
+                <a:r>
+                  <a:rPr lang="en-US" dirty="0"/>
+                  <a:t> = [0, 0, 2462.0, 0]</a:t>
+                </a:r>
+                <a:r>
+                  <a:rPr lang="zh-TW" altLang="en-US" dirty="0"/>
+                  <a:t>，</a:t>
+                </a:r>
+                <a:r>
+                  <a:rPr lang="en-US" altLang="zh-TW" dirty="0"/>
+                  <a:t>recall = </a:t>
+                </a:r>
+                <a:r>
+                  <a:rPr lang="en-US" dirty="0"/>
+                  <a:t>0.812734, filter rate = 0.362063</a:t>
+                </a:r>
+              </a:p>
+              <a:p>
+                <a:pPr marL="0" indent="0">
+                  <a:buNone/>
+                </a:pPr>
+                <a:r>
+                  <a:rPr lang="zh-TW" altLang="en-US" dirty="0"/>
+                  <a:t>這裡為了配合之後的 </a:t>
+                </a:r>
+                <a:r>
+                  <a:rPr lang="en-US" altLang="zh-TW" dirty="0" err="1"/>
+                  <a:t>Adagrad</a:t>
+                </a:r>
+                <a:r>
+                  <a:rPr lang="en-US" altLang="zh-TW" dirty="0"/>
+                  <a:t> </a:t>
+                </a:r>
+                <a:r>
+                  <a:rPr lang="zh-TW" altLang="en-US" dirty="0"/>
+                  <a:t>或 </a:t>
+                </a:r>
+                <a:r>
+                  <a:rPr lang="en-US" altLang="zh-TW" dirty="0"/>
+                  <a:t>Adam </a:t>
+                </a:r>
+                <a:r>
+                  <a:rPr lang="zh-TW" altLang="en-US" dirty="0"/>
+                  <a:t>，所以只使用 </a:t>
+                </a:r>
+                <a:r>
+                  <a:rPr lang="en-US" altLang="zh-TW" dirty="0"/>
+                  <a:t>gradient descent(</a:t>
+                </a:r>
+                <a:r>
+                  <a:rPr lang="zh-TW" altLang="en-US" dirty="0"/>
+                  <a:t>沒有 </a:t>
+                </a:r>
+                <a:r>
+                  <a:rPr lang="en-US" altLang="zh-TW" dirty="0"/>
+                  <a:t>hessian matrix)</a:t>
+                </a:r>
+                <a:r>
+                  <a:rPr lang="zh-TW" altLang="en-US" dirty="0"/>
+                  <a:t>，而</a:t>
+                </a:r>
+                <a:r>
+                  <a:rPr lang="en-US" altLang="zh-TW" dirty="0"/>
+                  <a:t> Loss function </a:t>
+                </a:r>
+                <a:r>
+                  <a:rPr lang="zh-TW" altLang="en-US" dirty="0"/>
+                  <a:t>不含約束條件</a:t>
+                </a:r>
+                <a:endParaRPr lang="en-US" altLang="zh-TW" dirty="0"/>
+              </a:p>
+              <a:p>
+                <a:pPr marL="0" indent="0">
+                  <a:buNone/>
+                </a:pPr>
+                <a:endParaRPr lang="en-US" dirty="0"/>
+              </a:p>
+              <a:p>
+                <a:pPr marL="0" indent="0">
+                  <a:buNone/>
+                </a:pPr>
+                <a14:m>
+                  <m:oMathPara xmlns:m="http://schemas.openxmlformats.org/officeDocument/2006/math">
+                    <m:oMathParaPr>
+                      <m:jc m:val="centerGroup"/>
+                    </m:oMathParaPr>
+                    <m:oMath xmlns:m="http://schemas.openxmlformats.org/officeDocument/2006/math">
+                      <m:func>
+                        <m:funcPr>
+                          <m:ctrlPr>
+                            <a:rPr lang="en-US" altLang="zh-TW" i="1" dirty="0" smtClean="0">
+                              <a:latin typeface="Cambria Math" panose="02040503050406030204" pitchFamily="18" charset="0"/>
+                            </a:rPr>
+                          </m:ctrlPr>
+                        </m:funcPr>
+                        <m:fName>
+                          <m:limLow>
+                            <m:limLowPr>
+                              <m:ctrlPr>
+                                <a:rPr lang="en-US" altLang="zh-TW" i="1" dirty="0" smtClean="0">
+                                  <a:latin typeface="Cambria Math" panose="02040503050406030204" pitchFamily="18" charset="0"/>
+                                </a:rPr>
+                              </m:ctrlPr>
+                            </m:limLowPr>
+                            <m:e>
+                              <m:r>
+                                <m:rPr>
+                                  <m:sty m:val="p"/>
+                                </m:rPr>
+                                <a:rPr lang="en-US" altLang="zh-TW" i="0" dirty="0" smtClean="0">
+                                  <a:latin typeface="Cambria Math" panose="02040503050406030204" pitchFamily="18" charset="0"/>
+                                </a:rPr>
+                                <m:t>min</m:t>
+                              </m:r>
+                            </m:e>
+                            <m:lim>
+                              <m:sSub>
+                                <m:sSubPr>
+                                  <m:ctrlPr>
+                                    <a:rPr lang="en-US" altLang="zh-TW" b="0" i="1" dirty="0" smtClean="0">
+                                      <a:latin typeface="Cambria Math" panose="02040503050406030204" pitchFamily="18" charset="0"/>
+                                    </a:rPr>
+                                  </m:ctrlPr>
+                                </m:sSubPr>
+                                <m:e>
+                                  <m:r>
+                                    <a:rPr lang="en-US" altLang="zh-TW" b="0" i="1" dirty="0" smtClean="0">
+                                      <a:latin typeface="Cambria Math" panose="02040503050406030204" pitchFamily="18" charset="0"/>
+                                    </a:rPr>
+                                    <m:t>𝑥</m:t>
+                                  </m:r>
+                                </m:e>
+                                <m:sub>
+                                  <m:r>
+                                    <a:rPr lang="en-US" altLang="zh-TW" b="0" i="1" dirty="0" smtClean="0">
+                                      <a:latin typeface="Cambria Math" panose="02040503050406030204" pitchFamily="18" charset="0"/>
+                                    </a:rPr>
+                                    <m:t>1</m:t>
+                                  </m:r>
+                                </m:sub>
+                              </m:sSub>
+                              <m:r>
+                                <a:rPr lang="en-US" altLang="zh-TW" b="0" i="1" dirty="0" smtClean="0">
+                                  <a:latin typeface="Cambria Math" panose="02040503050406030204" pitchFamily="18" charset="0"/>
+                                </a:rPr>
+                                <m:t>, </m:t>
+                              </m:r>
+                              <m:sSub>
+                                <m:sSubPr>
+                                  <m:ctrlPr>
+                                    <a:rPr lang="en-US" altLang="zh-TW" b="0" i="1" dirty="0" smtClean="0">
+                                      <a:latin typeface="Cambria Math" panose="02040503050406030204" pitchFamily="18" charset="0"/>
+                                    </a:rPr>
+                                  </m:ctrlPr>
+                                </m:sSubPr>
+                                <m:e>
+                                  <m:r>
+                                    <a:rPr lang="en-US" altLang="zh-TW" b="0" i="1" dirty="0" smtClean="0">
+                                      <a:latin typeface="Cambria Math" panose="02040503050406030204" pitchFamily="18" charset="0"/>
+                                    </a:rPr>
+                                    <m:t>𝑥</m:t>
+                                  </m:r>
+                                </m:e>
+                                <m:sub>
+                                  <m:r>
+                                    <a:rPr lang="en-US" altLang="zh-TW" b="0" i="1" dirty="0" smtClean="0">
+                                      <a:latin typeface="Cambria Math" panose="02040503050406030204" pitchFamily="18" charset="0"/>
+                                    </a:rPr>
+                                    <m:t>2</m:t>
+                                  </m:r>
+                                </m:sub>
+                              </m:sSub>
+                              <m:r>
+                                <a:rPr lang="en-US" altLang="zh-TW" b="0" i="1" dirty="0" smtClean="0">
+                                  <a:latin typeface="Cambria Math" panose="02040503050406030204" pitchFamily="18" charset="0"/>
+                                </a:rPr>
+                                <m:t>, </m:t>
+                              </m:r>
+                              <m:sSub>
+                                <m:sSubPr>
+                                  <m:ctrlPr>
+                                    <a:rPr lang="en-US" altLang="zh-TW" b="0" i="1" dirty="0" smtClean="0">
+                                      <a:latin typeface="Cambria Math" panose="02040503050406030204" pitchFamily="18" charset="0"/>
+                                    </a:rPr>
+                                  </m:ctrlPr>
+                                </m:sSubPr>
+                                <m:e>
+                                  <m:r>
+                                    <a:rPr lang="en-US" altLang="zh-TW" b="0" i="1" dirty="0" smtClean="0">
+                                      <a:latin typeface="Cambria Math" panose="02040503050406030204" pitchFamily="18" charset="0"/>
+                                    </a:rPr>
+                                    <m:t>𝑥</m:t>
+                                  </m:r>
+                                </m:e>
+                                <m:sub>
+                                  <m:r>
+                                    <a:rPr lang="en-US" altLang="zh-TW" b="0" i="1" dirty="0" smtClean="0">
+                                      <a:latin typeface="Cambria Math" panose="02040503050406030204" pitchFamily="18" charset="0"/>
+                                    </a:rPr>
+                                    <m:t>3</m:t>
+                                  </m:r>
+                                </m:sub>
+                              </m:sSub>
+                              <m:r>
+                                <a:rPr lang="en-US" altLang="zh-TW" b="0" i="1" dirty="0" smtClean="0">
+                                  <a:latin typeface="Cambria Math" panose="02040503050406030204" pitchFamily="18" charset="0"/>
+                                </a:rPr>
+                                <m:t>, </m:t>
+                              </m:r>
+                              <m:sSub>
+                                <m:sSubPr>
+                                  <m:ctrlPr>
+                                    <a:rPr lang="en-US" altLang="zh-TW" b="0" i="1" dirty="0" smtClean="0">
+                                      <a:latin typeface="Cambria Math" panose="02040503050406030204" pitchFamily="18" charset="0"/>
+                                    </a:rPr>
+                                  </m:ctrlPr>
+                                </m:sSubPr>
+                                <m:e>
+                                  <m:r>
+                                    <a:rPr lang="en-US" altLang="zh-TW" b="0" i="1" dirty="0" smtClean="0">
+                                      <a:latin typeface="Cambria Math" panose="02040503050406030204" pitchFamily="18" charset="0"/>
+                                    </a:rPr>
+                                    <m:t>𝑥</m:t>
+                                  </m:r>
+                                </m:e>
+                                <m:sub>
+                                  <m:r>
+                                    <a:rPr lang="en-US" altLang="zh-TW" b="0" i="1" dirty="0" smtClean="0">
+                                      <a:latin typeface="Cambria Math" panose="02040503050406030204" pitchFamily="18" charset="0"/>
+                                    </a:rPr>
+                                    <m:t>4</m:t>
+                                  </m:r>
+                                </m:sub>
+                              </m:sSub>
+                            </m:lim>
+                          </m:limLow>
+                        </m:fName>
+                        <m:e>
+                          <m:r>
+                            <m:rPr>
+                              <m:sty m:val="p"/>
+                            </m:rPr>
+                            <a:rPr lang="en-US" altLang="zh-TW" i="1" dirty="0">
+                              <a:latin typeface="Cambria Math" panose="02040503050406030204" pitchFamily="18" charset="0"/>
+                            </a:rPr>
+                            <m:t>L</m:t>
+                          </m:r>
+                          <m:r>
+                            <a:rPr lang="en-US" altLang="zh-TW" i="1" dirty="0">
+                              <a:latin typeface="Cambria Math" panose="02040503050406030204" pitchFamily="18" charset="0"/>
+                            </a:rPr>
+                            <m:t>=−</m:t>
+                          </m:r>
+                          <m:r>
+                            <a:rPr lang="en-US" altLang="zh-TW" i="1" dirty="0">
+                              <a:latin typeface="Cambria Math" panose="02040503050406030204" pitchFamily="18" charset="0"/>
+                            </a:rPr>
+                            <m:t>𝐼𝐺</m:t>
+                          </m:r>
+                          <m:r>
+                            <a:rPr lang="en-US" altLang="zh-TW" i="1" dirty="0">
+                              <a:latin typeface="Cambria Math" panose="02040503050406030204" pitchFamily="18" charset="0"/>
+                            </a:rPr>
+                            <m:t>(</m:t>
+                          </m:r>
+                          <m:sSub>
+                            <m:sSubPr>
+                              <m:ctrlPr>
+                                <a:rPr lang="en-US" altLang="zh-TW" i="1" dirty="0">
+                                  <a:latin typeface="Cambria Math" panose="02040503050406030204" pitchFamily="18" charset="0"/>
+                                </a:rPr>
+                              </m:ctrlPr>
+                            </m:sSubPr>
+                            <m:e>
+                              <m:r>
+                                <a:rPr lang="en-US" altLang="zh-TW" i="1" dirty="0">
+                                  <a:latin typeface="Cambria Math" panose="02040503050406030204" pitchFamily="18" charset="0"/>
+                                </a:rPr>
+                                <m:t>𝑥</m:t>
+                              </m:r>
+                            </m:e>
+                            <m:sub>
+                              <m:r>
+                                <a:rPr lang="en-US" altLang="zh-TW" i="1" dirty="0">
+                                  <a:latin typeface="Cambria Math" panose="02040503050406030204" pitchFamily="18" charset="0"/>
+                                </a:rPr>
+                                <m:t>1</m:t>
+                              </m:r>
+                            </m:sub>
+                          </m:sSub>
+                          <m:r>
+                            <a:rPr lang="en-US" altLang="zh-TW" i="1" dirty="0">
+                              <a:latin typeface="Cambria Math" panose="02040503050406030204" pitchFamily="18" charset="0"/>
+                            </a:rPr>
+                            <m:t>,</m:t>
+                          </m:r>
+                          <m:sSub>
+                            <m:sSubPr>
+                              <m:ctrlPr>
+                                <a:rPr lang="en-US" altLang="zh-TW" i="1" dirty="0">
+                                  <a:latin typeface="Cambria Math" panose="02040503050406030204" pitchFamily="18" charset="0"/>
+                                </a:rPr>
+                              </m:ctrlPr>
+                            </m:sSubPr>
+                            <m:e>
+                              <m:r>
+                                <a:rPr lang="en-US" altLang="zh-TW" i="1" dirty="0">
+                                  <a:latin typeface="Cambria Math" panose="02040503050406030204" pitchFamily="18" charset="0"/>
+                                </a:rPr>
+                                <m:t>𝑥</m:t>
+                              </m:r>
+                            </m:e>
+                            <m:sub>
+                              <m:r>
+                                <a:rPr lang="en-US" altLang="zh-TW" i="1" dirty="0">
+                                  <a:latin typeface="Cambria Math" panose="02040503050406030204" pitchFamily="18" charset="0"/>
+                                </a:rPr>
+                                <m:t>2</m:t>
+                              </m:r>
+                            </m:sub>
+                          </m:sSub>
+                          <m:r>
+                            <a:rPr lang="en-US" altLang="zh-TW" i="1" dirty="0">
+                              <a:latin typeface="Cambria Math" panose="02040503050406030204" pitchFamily="18" charset="0"/>
+                            </a:rPr>
+                            <m:t>,</m:t>
+                          </m:r>
+                          <m:sSub>
+                            <m:sSubPr>
+                              <m:ctrlPr>
+                                <a:rPr lang="en-US" altLang="zh-TW" i="1" dirty="0">
+                                  <a:latin typeface="Cambria Math" panose="02040503050406030204" pitchFamily="18" charset="0"/>
+                                </a:rPr>
+                              </m:ctrlPr>
+                            </m:sSubPr>
+                            <m:e>
+                              <m:r>
+                                <a:rPr lang="en-US" altLang="zh-TW" i="1" dirty="0">
+                                  <a:latin typeface="Cambria Math" panose="02040503050406030204" pitchFamily="18" charset="0"/>
+                                </a:rPr>
+                                <m:t>𝑥</m:t>
+                              </m:r>
+                            </m:e>
+                            <m:sub>
+                              <m:r>
+                                <a:rPr lang="en-US" altLang="zh-TW" i="1" dirty="0">
+                                  <a:latin typeface="Cambria Math" panose="02040503050406030204" pitchFamily="18" charset="0"/>
+                                </a:rPr>
+                                <m:t>3</m:t>
+                              </m:r>
+                            </m:sub>
+                          </m:sSub>
+                          <m:r>
+                            <a:rPr lang="en-US" altLang="zh-TW" i="1" dirty="0">
+                              <a:latin typeface="Cambria Math" panose="02040503050406030204" pitchFamily="18" charset="0"/>
+                            </a:rPr>
+                            <m:t>,</m:t>
+                          </m:r>
+                          <m:sSub>
+                            <m:sSubPr>
+                              <m:ctrlPr>
+                                <a:rPr lang="en-US" altLang="zh-TW" i="1" dirty="0">
+                                  <a:latin typeface="Cambria Math" panose="02040503050406030204" pitchFamily="18" charset="0"/>
+                                </a:rPr>
+                              </m:ctrlPr>
+                            </m:sSubPr>
+                            <m:e>
+                              <m:r>
+                                <a:rPr lang="en-US" altLang="zh-TW" i="1" dirty="0">
+                                  <a:latin typeface="Cambria Math" panose="02040503050406030204" pitchFamily="18" charset="0"/>
+                                </a:rPr>
+                                <m:t>𝑥</m:t>
+                              </m:r>
+                            </m:e>
+                            <m:sub>
+                              <m:r>
+                                <a:rPr lang="en-US" altLang="zh-TW" i="1" dirty="0">
+                                  <a:latin typeface="Cambria Math" panose="02040503050406030204" pitchFamily="18" charset="0"/>
+                                </a:rPr>
+                                <m:t>4</m:t>
+                              </m:r>
+                            </m:sub>
+                          </m:sSub>
+                          <m:r>
+                            <a:rPr lang="en-US" altLang="zh-TW" i="1" dirty="0">
+                              <a:latin typeface="Cambria Math" panose="02040503050406030204" pitchFamily="18" charset="0"/>
+                            </a:rPr>
+                            <m:t>)</m:t>
+                          </m:r>
+                        </m:e>
+                      </m:func>
+                    </m:oMath>
+                  </m:oMathPara>
+                </a14:m>
+                <a:endParaRPr lang="en-US" dirty="0"/>
+              </a:p>
+            </p:txBody>
+          </p:sp>
+        </mc:Choice>
+        <mc:Fallback>
+          <p:sp>
+            <p:nvSpPr>
+              <p:cNvPr id="3" name="內容版面配置區 2">
+                <a:extLst>
+                  <a:ext uri="{FF2B5EF4-FFF2-40B4-BE49-F238E27FC236}">
+                    <a16:creationId xmlns:a16="http://schemas.microsoft.com/office/drawing/2014/main" id="{EA2BDD32-D309-2320-4588-0E506366B61D}"/>
+                  </a:ext>
+                </a:extLst>
+              </p:cNvPr>
+              <p:cNvSpPr>
+                <a:spLocks noGrp="1" noRot="1" noChangeAspect="1" noMove="1" noResize="1" noEditPoints="1" noAdjustHandles="1" noChangeArrowheads="1" noChangeShapeType="1" noTextEdit="1"/>
+              </p:cNvSpPr>
+              <p:nvPr>
+                <p:ph idx="1"/>
+              </p:nvPr>
+            </p:nvSpPr>
+            <p:spPr>
+              <a:xfrm>
+                <a:off x="314960" y="1381760"/>
+                <a:ext cx="11511280" cy="4795203"/>
+              </a:xfrm>
+              <a:blipFill>
+                <a:blip r:embed="rId3"/>
+                <a:stretch>
+                  <a:fillRect l="-1112" t="-2163"/>
+                </a:stretch>
+              </a:blipFill>
+            </p:spPr>
+            <p:txBody>
+              <a:bodyPr/>
+              <a:lstStyle/>
+              <a:p>
+                <a:r>
+                  <a:rPr lang="en-US">
+                    <a:noFill/>
+                  </a:rPr>
+                  <a:t> </a:t>
+                </a:r>
+              </a:p>
+            </p:txBody>
+          </p:sp>
+        </mc:Fallback>
+      </mc:AlternateContent>
     </p:spTree>
     <p:extLst>
       <p:ext uri="{BB962C8B-B14F-4D97-AF65-F5344CB8AC3E}">
